--- a/AspDotNetMVC.pptx
+++ b/AspDotNetMVC.pptx
@@ -5,10 +5,10 @@
     <p:sldMasterId id="2147483660" r:id="rId1"/>
   </p:sldMasterIdLst>
   <p:notesMasterIdLst>
-    <p:notesMasterId r:id="rId33"/>
+    <p:notesMasterId r:id="rId37"/>
   </p:notesMasterIdLst>
   <p:handoutMasterIdLst>
-    <p:handoutMasterId r:id="rId34"/>
+    <p:handoutMasterId r:id="rId38"/>
   </p:handoutMasterIdLst>
   <p:sldIdLst>
     <p:sldId id="256" r:id="rId2"/>
@@ -33,15 +33,19 @@
     <p:sldId id="328" r:id="rId21"/>
     <p:sldId id="327" r:id="rId22"/>
     <p:sldId id="326" r:id="rId23"/>
-    <p:sldId id="329" r:id="rId24"/>
-    <p:sldId id="330" r:id="rId25"/>
-    <p:sldId id="337" r:id="rId26"/>
-    <p:sldId id="336" r:id="rId27"/>
-    <p:sldId id="333" r:id="rId28"/>
-    <p:sldId id="338" r:id="rId29"/>
-    <p:sldId id="332" r:id="rId30"/>
+    <p:sldId id="339" r:id="rId24"/>
+    <p:sldId id="329" r:id="rId25"/>
+    <p:sldId id="330" r:id="rId26"/>
+    <p:sldId id="337" r:id="rId27"/>
+    <p:sldId id="336" r:id="rId28"/>
+    <p:sldId id="333" r:id="rId29"/>
+    <p:sldId id="338" r:id="rId30"/>
     <p:sldId id="334" r:id="rId31"/>
-    <p:sldId id="313" r:id="rId32"/>
+    <p:sldId id="341" r:id="rId32"/>
+    <p:sldId id="340" r:id="rId33"/>
+    <p:sldId id="332" r:id="rId34"/>
+    <p:sldId id="342" r:id="rId35"/>
+    <p:sldId id="313" r:id="rId36"/>
   </p:sldIdLst>
   <p:sldSz cx="12192000" cy="6858000"/>
   <p:notesSz cx="6858000" cy="9144000"/>
@@ -171,14 +175,18 @@
             <p14:sldId id="328"/>
             <p14:sldId id="327"/>
             <p14:sldId id="326"/>
+            <p14:sldId id="339"/>
             <p14:sldId id="329"/>
             <p14:sldId id="330"/>
             <p14:sldId id="337"/>
             <p14:sldId id="336"/>
             <p14:sldId id="333"/>
             <p14:sldId id="338"/>
+            <p14:sldId id="334"/>
+            <p14:sldId id="341"/>
+            <p14:sldId id="340"/>
             <p14:sldId id="332"/>
-            <p14:sldId id="334"/>
+            <p14:sldId id="342"/>
           </p14:sldIdLst>
         </p14:section>
         <p14:section name="Learn More" id="{2CC34DB2-6590-42C0-AD4B-A04C6060184E}">
@@ -297,7 +305,7 @@
           <a:p>
             <a:fld id="{80680FBE-A8DF-4758-9AC4-3A9E1039168F}" type="datetimeFigureOut">
               <a:rPr lang="en-US" smtClean="0"/>
-              <a:t>12/14/2019</a:t>
+              <a:t>1/22/2020</a:t>
             </a:fld>
             <a:endParaRPr lang="en-US"/>
           </a:p>
@@ -462,7 +470,7 @@
           <a:p>
             <a:fld id="{EC13577B-6902-467D-A26C-08A0DD5E4E03}" type="datetimeFigureOut">
               <a:rPr lang="en-US" smtClean="0"/>
-              <a:t>12/14/2019</a:t>
+              <a:t>1/22/2020</a:t>
             </a:fld>
             <a:endParaRPr lang="en-US"/>
           </a:p>
@@ -888,7 +896,7 @@
           <a:p>
             <a:fld id="{DF61EA0F-A667-4B49-8422-0062BC55E249}" type="slidenum">
               <a:rPr lang="en-US" smtClean="0"/>
-              <a:t>31</a:t>
+              <a:t>35</a:t>
             </a:fld>
             <a:endParaRPr lang="en-US"/>
           </a:p>
@@ -1346,7 +1354,7 @@
             <a:fld id="{8BEEBAAA-29B5-4AF5-BC5F-7E580C29002D}" type="datetimeFigureOut">
               <a:rPr lang="en-US" smtClean="0"/>
               <a:pPr/>
-              <a:t>12/14/2019</a:t>
+              <a:t>1/22/2020</a:t>
             </a:fld>
             <a:endParaRPr lang="en-US" dirty="0"/>
           </a:p>
@@ -1972,7 +1980,7 @@
             <a:fld id="{8BEEBAAA-29B5-4AF5-BC5F-7E580C29002D}" type="datetimeFigureOut">
               <a:rPr lang="en-US" smtClean="0"/>
               <a:pPr/>
-              <a:t>12/14/2019</a:t>
+              <a:t>1/22/2020</a:t>
             </a:fld>
             <a:endParaRPr lang="en-US" dirty="0"/>
           </a:p>
@@ -11177,11 +11185,7 @@
           <a:p>
             <a:r>
               <a:rPr lang="en-US" dirty="0" smtClean="0"/>
-              <a:t>jQuery </a:t>
-            </a:r>
-            <a:r>
-              <a:rPr lang="en-US" dirty="0" err="1" smtClean="0"/>
-              <a:t>DatePicker</a:t>
+              <a:t>Same named Actions with post and get</a:t>
             </a:r>
             <a:endParaRPr lang="en-US" dirty="0">
               <a:latin typeface="Segoe UI Light" panose="020B0502040204020203" pitchFamily="34" charset="0"/>
@@ -11209,7 +11213,7 @@
         </p:spPr>
         <p:txBody>
           <a:bodyPr vert="horz" lIns="91440" tIns="45720" rIns="91440" bIns="45720" rtlCol="0">
-            <a:normAutofit fontScale="25000" lnSpcReduction="20000"/>
+            <a:noAutofit/>
           </a:bodyPr>
           <a:lstStyle>
             <a:lvl1pPr marL="228600" indent="-228600" algn="l" defTabSz="914400" rtl="0" eaLnBrk="1" latinLnBrk="0" hangingPunct="1">
@@ -11410,46 +11414,16 @@
               <a:buNone/>
             </a:pPr>
             <a:r>
-              <a:rPr lang="en-US" sz="6400" dirty="0">
-                <a:latin typeface="+mj-lt"/>
-              </a:rPr>
-              <a:t>&lt;link </a:t>
-            </a:r>
-            <a:r>
-              <a:rPr lang="en-US" sz="6400" dirty="0" err="1">
-                <a:latin typeface="+mj-lt"/>
-              </a:rPr>
-              <a:t>rel</a:t>
-            </a:r>
-            <a:r>
-              <a:rPr lang="en-US" sz="6400" dirty="0">
-                <a:latin typeface="+mj-lt"/>
-              </a:rPr>
-              <a:t>="stylesheet" </a:t>
-            </a:r>
-            <a:r>
-              <a:rPr lang="en-US" sz="6400" dirty="0" err="1">
-                <a:latin typeface="+mj-lt"/>
-              </a:rPr>
-              <a:t>href</a:t>
-            </a:r>
-            <a:r>
-              <a:rPr lang="en-US" sz="6400" dirty="0">
-                <a:latin typeface="+mj-lt"/>
-              </a:rPr>
-              <a:t>="https://ajax.googleapis.com/ajax/libs/</a:t>
-            </a:r>
-            <a:r>
-              <a:rPr lang="en-US" sz="6400" dirty="0" err="1">
-                <a:latin typeface="+mj-lt"/>
-              </a:rPr>
-              <a:t>jqueryui</a:t>
-            </a:r>
-            <a:r>
-              <a:rPr lang="en-US" sz="6400" dirty="0">
-                <a:latin typeface="+mj-lt"/>
-              </a:rPr>
-              <a:t>/1.12.1/themes/smoothness/jquery-ui.css"&gt;</a:t>
+              <a:rPr lang="en-US" sz="1600" dirty="0" smtClean="0"/>
+              <a:t>[</a:t>
+            </a:r>
+            <a:r>
+              <a:rPr lang="en-US" sz="1600" dirty="0" err="1"/>
+              <a:t>HttpGet</a:t>
+            </a:r>
+            <a:r>
+              <a:rPr lang="en-US" sz="1600" dirty="0"/>
+              <a:t>]</a:t>
             </a:r>
           </a:p>
           <a:p>
@@ -11457,22 +11431,20 @@
               <a:buNone/>
             </a:pPr>
             <a:r>
-              <a:rPr lang="en-US" sz="6400" dirty="0">
-                <a:latin typeface="+mj-lt"/>
-              </a:rPr>
-              <a:t>&lt;script </a:t>
-            </a:r>
-            <a:r>
-              <a:rPr lang="en-US" sz="6400" dirty="0" err="1">
-                <a:latin typeface="+mj-lt"/>
-              </a:rPr>
-              <a:t>src</a:t>
-            </a:r>
-            <a:r>
-              <a:rPr lang="en-US" sz="6400" dirty="0">
-                <a:latin typeface="+mj-lt"/>
-              </a:rPr>
-              <a:t>="https://code.jquery.com/jquery-1.12.4.js"&gt;&lt;/script&gt;</a:t>
+              <a:rPr lang="en-US" sz="1600" dirty="0"/>
+              <a:t>        public </a:t>
+            </a:r>
+            <a:r>
+              <a:rPr lang="en-US" sz="1600" dirty="0" err="1"/>
+              <a:t>ActionResult</a:t>
+            </a:r>
+            <a:r>
+              <a:rPr lang="en-US" sz="1600" dirty="0"/>
+              <a:t> Create</a:t>
+            </a:r>
+            <a:r>
+              <a:rPr lang="en-US" sz="1600" dirty="0" smtClean="0"/>
+              <a:t>()     {</a:t>
             </a:r>
           </a:p>
           <a:p>
@@ -11480,54 +11452,25 @@
               <a:buNone/>
             </a:pPr>
             <a:r>
-              <a:rPr lang="en-US" sz="6400" dirty="0">
-                <a:latin typeface="+mj-lt"/>
-              </a:rPr>
-              <a:t>&lt;script </a:t>
-            </a:r>
-            <a:r>
-              <a:rPr lang="en-US" sz="6400" dirty="0" err="1">
-                <a:latin typeface="+mj-lt"/>
-              </a:rPr>
-              <a:t>src</a:t>
-            </a:r>
-            <a:r>
-              <a:rPr lang="en-US" sz="6400" dirty="0">
-                <a:latin typeface="+mj-lt"/>
-              </a:rPr>
-              <a:t>="https://code.jquery.com/</a:t>
-            </a:r>
-            <a:r>
-              <a:rPr lang="en-US" sz="6400" dirty="0" err="1">
-                <a:latin typeface="+mj-lt"/>
-              </a:rPr>
-              <a:t>ui</a:t>
-            </a:r>
-            <a:r>
-              <a:rPr lang="en-US" sz="6400" dirty="0">
-                <a:latin typeface="+mj-lt"/>
-              </a:rPr>
-              <a:t>/1.12.1/jquery-ui.js"&gt;&lt;/script</a:t>
-            </a:r>
-            <a:r>
-              <a:rPr lang="en-US" sz="6400" dirty="0" smtClean="0">
-                <a:latin typeface="+mj-lt"/>
-              </a:rPr>
-              <a:t>&gt;</a:t>
-            </a:r>
-            <a:endParaRPr lang="en-US" sz="6400" dirty="0">
-              <a:latin typeface="+mj-lt"/>
-            </a:endParaRPr>
+              <a:rPr lang="en-US" sz="1600" dirty="0" smtClean="0"/>
+              <a:t>            </a:t>
+            </a:r>
+            <a:r>
+              <a:rPr lang="en-US" sz="1600" dirty="0"/>
+              <a:t>return View();</a:t>
+            </a:r>
           </a:p>
           <a:p>
             <a:pPr marL="0" indent="0">
               <a:buNone/>
             </a:pPr>
             <a:r>
-              <a:rPr lang="en-US" sz="6400" dirty="0">
-                <a:latin typeface="+mj-lt"/>
-              </a:rPr>
-              <a:t>&lt;script&gt;</a:t>
+              <a:rPr lang="en-US" sz="1600" dirty="0"/>
+              <a:t>        </a:t>
+            </a:r>
+            <a:r>
+              <a:rPr lang="en-US" sz="1600" dirty="0" smtClean="0"/>
+              <a:t>}</a:t>
             </a:r>
           </a:p>
           <a:p>
@@ -11535,45 +11478,42 @@
               <a:buNone/>
             </a:pPr>
             <a:r>
-              <a:rPr lang="en-US" sz="6400" dirty="0">
-                <a:latin typeface="+mj-lt"/>
-              </a:rPr>
-              <a:t>    $(function () {</a:t>
-            </a:r>
+              <a:rPr lang="en-US" sz="1600" dirty="0"/>
+              <a:t>[</a:t>
+            </a:r>
+            <a:r>
+              <a:rPr lang="en-US" sz="1600" dirty="0" err="1" smtClean="0"/>
+              <a:t>HttpPost,ActionName</a:t>
+            </a:r>
+            <a:r>
+              <a:rPr lang="en-US" sz="1600" dirty="0" smtClean="0"/>
+              <a:t>(“Create”)]</a:t>
+            </a:r>
+            <a:endParaRPr lang="en-US" sz="1600" dirty="0"/>
           </a:p>
           <a:p>
             <a:pPr marL="0" indent="0">
               <a:buNone/>
             </a:pPr>
             <a:r>
-              <a:rPr lang="en-US" sz="6400" dirty="0">
-                <a:latin typeface="+mj-lt"/>
-              </a:rPr>
-              <a:t>        </a:t>
-            </a:r>
-            <a:r>
-              <a:rPr lang="en-US" sz="6400" dirty="0" err="1">
-                <a:latin typeface="+mj-lt"/>
-              </a:rPr>
-              <a:t>var</a:t>
-            </a:r>
-            <a:r>
-              <a:rPr lang="en-US" sz="6400" dirty="0">
-                <a:latin typeface="+mj-lt"/>
-              </a:rPr>
-              <a:t> $j = </a:t>
-            </a:r>
-            <a:r>
-              <a:rPr lang="en-US" sz="6400" dirty="0" err="1">
-                <a:latin typeface="+mj-lt"/>
-              </a:rPr>
-              <a:t>jQuery.noConflict</a:t>
-            </a:r>
-            <a:r>
-              <a:rPr lang="en-US" sz="6400" dirty="0">
-                <a:latin typeface="+mj-lt"/>
-              </a:rPr>
-              <a:t>();</a:t>
+              <a:rPr lang="en-US" sz="1600" dirty="0"/>
+              <a:t>        public </a:t>
+            </a:r>
+            <a:r>
+              <a:rPr lang="en-US" sz="1600" dirty="0" err="1"/>
+              <a:t>ActionResult</a:t>
+            </a:r>
+            <a:r>
+              <a:rPr lang="en-US" sz="1600" dirty="0"/>
+              <a:t> </a:t>
+            </a:r>
+            <a:r>
+              <a:rPr lang="en-US" sz="1600" dirty="0" err="1" smtClean="0"/>
+              <a:t>CreatePost</a:t>
+            </a:r>
+            <a:r>
+              <a:rPr lang="en-US" sz="1600" dirty="0" smtClean="0"/>
+              <a:t>(Customer customer)        {            </a:t>
             </a:r>
           </a:p>
           <a:p>
@@ -11581,109 +11521,52 @@
               <a:buNone/>
             </a:pPr>
             <a:r>
-              <a:rPr lang="en-US" sz="6400" dirty="0">
-                <a:latin typeface="+mj-lt"/>
-              </a:rPr>
-              <a:t>        $("#</a:t>
-            </a:r>
-            <a:r>
-              <a:rPr lang="en-US" sz="6400" dirty="0" err="1">
-                <a:latin typeface="+mj-lt"/>
-              </a:rPr>
-              <a:t>DateOfBirth</a:t>
-            </a:r>
-            <a:r>
-              <a:rPr lang="en-US" sz="6400" dirty="0">
-                <a:latin typeface="+mj-lt"/>
-              </a:rPr>
-              <a:t>").</a:t>
-            </a:r>
-            <a:r>
-              <a:rPr lang="en-US" sz="6400" dirty="0" err="1">
-                <a:latin typeface="+mj-lt"/>
-              </a:rPr>
-              <a:t>datepicker</a:t>
-            </a:r>
-            <a:r>
-              <a:rPr lang="en-US" sz="6400" dirty="0" smtClean="0">
-                <a:latin typeface="+mj-lt"/>
-              </a:rPr>
-              <a:t>({  </a:t>
-            </a:r>
-            <a:r>
-              <a:rPr lang="en-US" sz="6400" dirty="0" err="1">
-                <a:latin typeface="+mj-lt"/>
-              </a:rPr>
-              <a:t>changeMonth</a:t>
-            </a:r>
-            <a:r>
-              <a:rPr lang="en-US" sz="6400" dirty="0">
-                <a:latin typeface="+mj-lt"/>
-              </a:rPr>
-              <a:t>: true</a:t>
-            </a:r>
-            <a:r>
-              <a:rPr lang="en-US" sz="6400" dirty="0" smtClean="0">
-                <a:latin typeface="+mj-lt"/>
-              </a:rPr>
-              <a:t>, </a:t>
-            </a:r>
-            <a:r>
-              <a:rPr lang="en-US" sz="6400" dirty="0" err="1" smtClean="0">
-                <a:latin typeface="+mj-lt"/>
-              </a:rPr>
-              <a:t>changeYear</a:t>
-            </a:r>
-            <a:r>
-              <a:rPr lang="en-US" sz="6400" dirty="0">
-                <a:latin typeface="+mj-lt"/>
-              </a:rPr>
-              <a:t>: </a:t>
-            </a:r>
-            <a:r>
-              <a:rPr lang="en-US" sz="6400" dirty="0" smtClean="0">
-                <a:latin typeface="+mj-lt"/>
-              </a:rPr>
-              <a:t>true</a:t>
-            </a:r>
+              <a:rPr lang="en-US" sz="1600" dirty="0"/>
+              <a:t>	</a:t>
+            </a:r>
+            <a:r>
+              <a:rPr lang="en-US" sz="1600" dirty="0" smtClean="0"/>
+              <a:t>return </a:t>
+            </a:r>
+            <a:r>
+              <a:rPr lang="en-US" sz="1600" dirty="0" err="1" smtClean="0"/>
+              <a:t>Json</a:t>
+            </a:r>
+            <a:r>
+              <a:rPr lang="en-US" sz="1600" dirty="0" smtClean="0"/>
+              <a:t>(customer,</a:t>
+            </a:r>
+            <a:r>
+              <a:rPr lang="en-US" sz="1600" dirty="0"/>
+              <a:t> </a:t>
+            </a:r>
+            <a:r>
+              <a:rPr lang="en-US" sz="1600" dirty="0" err="1"/>
+              <a:t>JsonRequestBehavior.AllowGet</a:t>
+            </a:r>
+            <a:r>
+              <a:rPr lang="en-US" sz="1600" dirty="0" smtClean="0"/>
+              <a:t>);</a:t>
+            </a:r>
+            <a:endParaRPr lang="en-US" sz="1600" dirty="0"/>
           </a:p>
           <a:p>
             <a:pPr marL="0" indent="0">
               <a:buNone/>
             </a:pPr>
             <a:r>
-              <a:rPr lang="en-US" sz="6400" dirty="0" smtClean="0"/>
-              <a:t>        </a:t>
-            </a:r>
-            <a:r>
-              <a:rPr lang="en-US" sz="6400" dirty="0" smtClean="0">
-                <a:latin typeface="+mj-lt"/>
-              </a:rPr>
-              <a:t>});</a:t>
-            </a:r>
+              <a:rPr lang="en-US" sz="1600" dirty="0"/>
+              <a:t>        }</a:t>
+            </a:r>
+            <a:endParaRPr lang="en-US" sz="1600" dirty="0">
+              <a:cs typeface="Consolas" panose="020B0609020204030204" pitchFamily="49" charset="0"/>
+            </a:endParaRPr>
           </a:p>
           <a:p>
             <a:pPr marL="0" indent="0">
               <a:buNone/>
             </a:pPr>
-            <a:r>
-              <a:rPr lang="en-US" sz="6400" dirty="0" smtClean="0">
-                <a:latin typeface="+mj-lt"/>
-              </a:rPr>
-              <a:t>    });</a:t>
-            </a:r>
-          </a:p>
-          <a:p>
-            <a:pPr marL="0" indent="0">
-              <a:buNone/>
-            </a:pPr>
-            <a:r>
-              <a:rPr lang="en-US" sz="6400" dirty="0" smtClean="0">
-                <a:latin typeface="+mj-lt"/>
-              </a:rPr>
-              <a:t>&lt;/script&gt;</a:t>
-            </a:r>
-            <a:endParaRPr lang="en-US" sz="6400" dirty="0">
+            <a:endParaRPr lang="en-US" sz="1600" dirty="0">
               <a:latin typeface="+mj-lt"/>
               <a:cs typeface="Consolas" panose="020B0609020204030204" pitchFamily="49" charset="0"/>
             </a:endParaRPr>
@@ -11838,7 +11721,7 @@
     </p:spTree>
     <p:extLst>
       <p:ext uri="{BB962C8B-B14F-4D97-AF65-F5344CB8AC3E}">
-        <p14:creationId xmlns:p14="http://schemas.microsoft.com/office/powerpoint/2010/main" val="1760182924"/>
+        <p14:creationId xmlns:p14="http://schemas.microsoft.com/office/powerpoint/2010/main" val="3488457702"/>
       </p:ext>
     </p:extLst>
   </p:cSld>
@@ -11903,8 +11786,12 @@
           <a:lstStyle/>
           <a:p>
             <a:r>
+              <a:rPr lang="en-US" dirty="0" smtClean="0"/>
+              <a:t>jQuery </a:t>
+            </a:r>
+            <a:r>
               <a:rPr lang="en-US" dirty="0" err="1" smtClean="0"/>
-              <a:t>Itextsharp</a:t>
+              <a:t>DatePicker</a:t>
             </a:r>
             <a:endParaRPr lang="en-US" dirty="0">
               <a:latin typeface="Segoe UI Light" panose="020B0502040204020203" pitchFamily="34" charset="0"/>
@@ -11924,7 +11811,7 @@
         <p:spPr>
           <a:xfrm>
             <a:off x="541610" y="1524707"/>
-            <a:ext cx="11027538" cy="5019784"/>
+            <a:ext cx="11027538" cy="4706275"/>
           </a:xfrm>
           <a:prstGeom prst="rect">
             <a:avLst/>
@@ -11932,7 +11819,7 @@
         </p:spPr>
         <p:txBody>
           <a:bodyPr vert="horz" lIns="91440" tIns="45720" rIns="91440" bIns="45720" rtlCol="0">
-            <a:normAutofit/>
+            <a:normAutofit fontScale="25000" lnSpcReduction="20000"/>
           </a:bodyPr>
           <a:lstStyle>
             <a:lvl1pPr marL="228600" indent="-228600" algn="l" defTabSz="914400" rtl="0" eaLnBrk="1" latinLnBrk="0" hangingPunct="1">
@@ -12129,56 +12016,50 @@
             </a:lvl9pPr>
           </a:lstStyle>
           <a:p>
-            <a:pPr>
-              <a:buFont typeface="Wingdings" panose="05000000000000000000" pitchFamily="2" charset="2"/>
-              <a:buChar char="ü"/>
-            </a:pPr>
-            <a:r>
-              <a:rPr lang="en-US" sz="1600" dirty="0" smtClean="0">
-                <a:latin typeface="+mj-lt"/>
-              </a:rPr>
-              <a:t>Need to add </a:t>
-            </a:r>
-            <a:r>
-              <a:rPr lang="en-US" sz="1600" dirty="0" err="1" smtClean="0">
-                <a:latin typeface="+mj-lt"/>
-              </a:rPr>
-              <a:t>Itextsharp</a:t>
-            </a:r>
-            <a:r>
-              <a:rPr lang="en-US" sz="1600" dirty="0" smtClean="0">
-                <a:latin typeface="+mj-lt"/>
-              </a:rPr>
-              <a:t> </a:t>
-            </a:r>
-            <a:r>
-              <a:rPr lang="en-US" sz="1600" dirty="0" err="1" smtClean="0">
-                <a:latin typeface="+mj-lt"/>
-              </a:rPr>
-              <a:t>dll</a:t>
-            </a:r>
-            <a:r>
-              <a:rPr lang="en-US" sz="1600" dirty="0" smtClean="0">
-                <a:latin typeface="+mj-lt"/>
-              </a:rPr>
-              <a:t> as reference</a:t>
-            </a:r>
-          </a:p>
-          <a:p>
             <a:pPr marL="0" indent="0">
               <a:buNone/>
             </a:pPr>
             <a:r>
-              <a:rPr lang="en-US" sz="1600" dirty="0">
-                <a:latin typeface="+mj-lt"/>
-              </a:rPr>
-              <a:t>	</a:t>
-            </a:r>
-            <a:r>
-              <a:rPr lang="en-US" sz="1600" dirty="0" smtClean="0">
-                <a:latin typeface="+mj-lt"/>
-              </a:rPr>
-              <a:t>using iTextSharp.text.pdf;</a:t>
+              <a:rPr lang="en-US" sz="6400" dirty="0">
+                <a:latin typeface="+mj-lt"/>
+              </a:rPr>
+              <a:t>&lt;link </a:t>
+            </a:r>
+            <a:r>
+              <a:rPr lang="en-US" sz="6400" dirty="0" err="1">
+                <a:latin typeface="+mj-lt"/>
+              </a:rPr>
+              <a:t>rel</a:t>
+            </a:r>
+            <a:r>
+              <a:rPr lang="en-US" sz="6400" dirty="0">
+                <a:latin typeface="+mj-lt"/>
+              </a:rPr>
+              <a:t>="stylesheet" </a:t>
+            </a:r>
+            <a:r>
+              <a:rPr lang="en-US" sz="6400" dirty="0" err="1">
+                <a:latin typeface="+mj-lt"/>
+              </a:rPr>
+              <a:t>href</a:t>
+            </a:r>
+            <a:r>
+              <a:rPr lang="en-US" sz="6400" dirty="0">
+                <a:latin typeface="+mj-lt"/>
+              </a:rPr>
+              <a:t>="https://ajax.googleapis.com/ajax/libs/</a:t>
+            </a:r>
+            <a:r>
+              <a:rPr lang="en-US" sz="6400" dirty="0" err="1">
+                <a:latin typeface="+mj-lt"/>
+              </a:rPr>
+              <a:t>jqueryui</a:t>
+            </a:r>
+            <a:r>
+              <a:rPr lang="en-US" sz="6400" dirty="0">
+                <a:latin typeface="+mj-lt"/>
+              </a:rPr>
+              <a:t>/1.12.1/themes/smoothness/jquery-ui.css"&gt;</a:t>
             </a:r>
           </a:p>
           <a:p>
@@ -12186,156 +12067,233 @@
               <a:buNone/>
             </a:pPr>
             <a:r>
-              <a:rPr lang="en-US" sz="1600" dirty="0" smtClean="0">
-                <a:latin typeface="+mj-lt"/>
-              </a:rPr>
-              <a:t>	using </a:t>
-            </a:r>
-            <a:r>
-              <a:rPr lang="en-US" sz="1600" dirty="0" err="1">
-                <a:latin typeface="+mj-lt"/>
-              </a:rPr>
-              <a:t>iTextSharp.text</a:t>
-            </a:r>
-            <a:r>
-              <a:rPr lang="en-US" sz="1600" dirty="0" smtClean="0">
-                <a:latin typeface="+mj-lt"/>
-              </a:rPr>
-              <a:t>;</a:t>
-            </a:r>
-          </a:p>
-          <a:p>
-            <a:pPr>
-              <a:buFont typeface="Wingdings" panose="05000000000000000000" pitchFamily="2" charset="2"/>
-              <a:buChar char="ü"/>
-            </a:pPr>
-            <a:r>
-              <a:rPr lang="en-US" sz="1600" dirty="0" smtClean="0">
-                <a:latin typeface="+mj-lt"/>
-                <a:cs typeface="Consolas" panose="020B0609020204030204" pitchFamily="49" charset="0"/>
-              </a:rPr>
-              <a:t>Useful Components</a:t>
-            </a:r>
-            <a:endParaRPr lang="en-US" sz="1600" dirty="0">
-              <a:latin typeface="+mj-lt"/>
-              <a:cs typeface="Consolas" panose="020B0609020204030204" pitchFamily="49" charset="0"/>
-            </a:endParaRPr>
+              <a:rPr lang="en-US" sz="6400" dirty="0">
+                <a:latin typeface="+mj-lt"/>
+              </a:rPr>
+              <a:t>&lt;script </a:t>
+            </a:r>
+            <a:r>
+              <a:rPr lang="en-US" sz="6400" dirty="0" err="1">
+                <a:latin typeface="+mj-lt"/>
+              </a:rPr>
+              <a:t>src</a:t>
+            </a:r>
+            <a:r>
+              <a:rPr lang="en-US" sz="6400" dirty="0">
+                <a:latin typeface="+mj-lt"/>
+              </a:rPr>
+              <a:t>="https://code.jquery.com/jquery-1.12.4.js"&gt;&lt;/script&gt;</a:t>
+            </a:r>
           </a:p>
           <a:p>
             <a:pPr marL="0" indent="0">
               <a:buNone/>
             </a:pPr>
             <a:r>
-              <a:rPr lang="en-US" sz="1600" dirty="0">
-                <a:latin typeface="+mj-lt"/>
-                <a:cs typeface="Consolas" panose="020B0609020204030204" pitchFamily="49" charset="0"/>
-              </a:rPr>
-              <a:t>	</a:t>
-            </a:r>
-            <a:r>
-              <a:rPr lang="en-US" sz="1600" dirty="0" smtClean="0">
-                <a:latin typeface="+mj-lt"/>
-                <a:cs typeface="Consolas" panose="020B0609020204030204" pitchFamily="49" charset="0"/>
-              </a:rPr>
-              <a:t>Rectangle,</a:t>
-            </a:r>
-            <a:r>
-              <a:rPr lang="en-US" sz="1600" dirty="0">
-                <a:latin typeface="+mj-lt"/>
-                <a:cs typeface="Consolas" panose="020B0609020204030204" pitchFamily="49" charset="0"/>
-              </a:rPr>
-              <a:t>	</a:t>
-            </a:r>
-            <a:r>
-              <a:rPr lang="en-US" sz="1600" dirty="0" smtClean="0">
-                <a:latin typeface="+mj-lt"/>
-                <a:cs typeface="Consolas" panose="020B0609020204030204" pitchFamily="49" charset="0"/>
-              </a:rPr>
-              <a:t>Document, </a:t>
-            </a:r>
-            <a:r>
-              <a:rPr lang="en-US" sz="1600" dirty="0" err="1" smtClean="0">
-                <a:latin typeface="+mj-lt"/>
-                <a:cs typeface="Consolas" panose="020B0609020204030204" pitchFamily="49" charset="0"/>
-              </a:rPr>
-              <a:t>PdfWriter</a:t>
-            </a:r>
-            <a:r>
-              <a:rPr lang="en-US" sz="1600" dirty="0" smtClean="0">
-                <a:latin typeface="+mj-lt"/>
-                <a:cs typeface="Consolas" panose="020B0609020204030204" pitchFamily="49" charset="0"/>
-              </a:rPr>
-              <a:t>,</a:t>
-            </a:r>
-            <a:r>
-              <a:rPr lang="en-US" sz="1600" dirty="0">
-                <a:latin typeface="+mj-lt"/>
-                <a:cs typeface="Consolas" panose="020B0609020204030204" pitchFamily="49" charset="0"/>
-              </a:rPr>
-              <a:t>	</a:t>
-            </a:r>
-            <a:r>
-              <a:rPr lang="en-US" sz="1600" dirty="0" smtClean="0">
-                <a:latin typeface="+mj-lt"/>
-                <a:cs typeface="Consolas" panose="020B0609020204030204" pitchFamily="49" charset="0"/>
-              </a:rPr>
-              <a:t>Paragraph, Font </a:t>
-            </a:r>
+              <a:rPr lang="en-US" sz="6400" dirty="0">
+                <a:latin typeface="+mj-lt"/>
+              </a:rPr>
+              <a:t>&lt;script </a:t>
+            </a:r>
+            <a:r>
+              <a:rPr lang="en-US" sz="6400" dirty="0" err="1">
+                <a:latin typeface="+mj-lt"/>
+              </a:rPr>
+              <a:t>src</a:t>
+            </a:r>
+            <a:r>
+              <a:rPr lang="en-US" sz="6400" dirty="0">
+                <a:latin typeface="+mj-lt"/>
+              </a:rPr>
+              <a:t>="https://code.jquery.com/</a:t>
+            </a:r>
+            <a:r>
+              <a:rPr lang="en-US" sz="6400" dirty="0" err="1">
+                <a:latin typeface="+mj-lt"/>
+              </a:rPr>
+              <a:t>ui</a:t>
+            </a:r>
+            <a:r>
+              <a:rPr lang="en-US" sz="6400" dirty="0">
+                <a:latin typeface="+mj-lt"/>
+              </a:rPr>
+              <a:t>/1.12.1/jquery-ui.js"&gt;&lt;/script</a:t>
+            </a:r>
+            <a:r>
+              <a:rPr lang="en-US" sz="6400" dirty="0" smtClean="0">
+                <a:latin typeface="+mj-lt"/>
+              </a:rPr>
+              <a:t>&gt;</a:t>
+            </a:r>
+            <a:endParaRPr lang="en-US" sz="6400" dirty="0">
+              <a:latin typeface="+mj-lt"/>
+            </a:endParaRPr>
           </a:p>
           <a:p>
             <a:pPr marL="0" indent="0">
               <a:buNone/>
             </a:pPr>
             <a:r>
-              <a:rPr lang="en-US" sz="1600" dirty="0">
-                <a:latin typeface="+mj-lt"/>
-                <a:cs typeface="Consolas" panose="020B0609020204030204" pitchFamily="49" charset="0"/>
-              </a:rPr>
-              <a:t>	</a:t>
-            </a:r>
-            <a:r>
-              <a:rPr lang="en-US" sz="1600" dirty="0" err="1" smtClean="0">
-                <a:latin typeface="+mj-lt"/>
-                <a:cs typeface="Consolas" panose="020B0609020204030204" pitchFamily="49" charset="0"/>
-              </a:rPr>
-              <a:t>PdfPTable</a:t>
-            </a:r>
-            <a:r>
-              <a:rPr lang="en-US" sz="1600" dirty="0">
-                <a:latin typeface="+mj-lt"/>
-                <a:cs typeface="Consolas" panose="020B0609020204030204" pitchFamily="49" charset="0"/>
+              <a:rPr lang="en-US" sz="6400" dirty="0">
+                <a:latin typeface="+mj-lt"/>
+              </a:rPr>
+              <a:t>&lt;script&gt;</a:t>
+            </a:r>
+          </a:p>
+          <a:p>
+            <a:pPr marL="0" indent="0">
+              <a:buNone/>
+            </a:pPr>
+            <a:r>
+              <a:rPr lang="en-US" sz="6400" dirty="0">
+                <a:latin typeface="+mj-lt"/>
+              </a:rPr>
+              <a:t>    $(function () {</a:t>
+            </a:r>
+          </a:p>
+          <a:p>
+            <a:pPr marL="0" indent="0">
+              <a:buNone/>
+            </a:pPr>
+            <a:r>
+              <a:rPr lang="en-US" sz="6400" dirty="0">
+                <a:latin typeface="+mj-lt"/>
+              </a:rPr>
+              <a:t>        </a:t>
+            </a:r>
+            <a:r>
+              <a:rPr lang="en-US" sz="6400" dirty="0" err="1">
+                <a:latin typeface="+mj-lt"/>
+              </a:rPr>
+              <a:t>var</a:t>
+            </a:r>
+            <a:r>
+              <a:rPr lang="en-US" sz="6400" dirty="0">
+                <a:latin typeface="+mj-lt"/>
+              </a:rPr>
+              <a:t> $j = </a:t>
+            </a:r>
+            <a:r>
+              <a:rPr lang="en-US" sz="6400" dirty="0" err="1">
+                <a:latin typeface="+mj-lt"/>
+              </a:rPr>
+              <a:t>jQuery.noConflict</a:t>
+            </a:r>
+            <a:r>
+              <a:rPr lang="en-US" sz="6400" dirty="0">
+                <a:latin typeface="+mj-lt"/>
+              </a:rPr>
+              <a:t>();</a:t>
+            </a:r>
+          </a:p>
+          <a:p>
+            <a:pPr marL="0" indent="0">
+              <a:buNone/>
+            </a:pPr>
+            <a:r>
+              <a:rPr lang="en-US" sz="6400" dirty="0">
+                <a:latin typeface="+mj-lt"/>
+              </a:rPr>
+              <a:t>        $("#</a:t>
+            </a:r>
+            <a:r>
+              <a:rPr lang="en-US" sz="6400" dirty="0" err="1">
+                <a:latin typeface="+mj-lt"/>
+              </a:rPr>
+              <a:t>DateOfBirth</a:t>
+            </a:r>
+            <a:r>
+              <a:rPr lang="en-US" sz="6400" dirty="0">
+                <a:latin typeface="+mj-lt"/>
+              </a:rPr>
+              <a:t>").</a:t>
+            </a:r>
+            <a:r>
+              <a:rPr lang="en-US" sz="6400" dirty="0" err="1">
+                <a:latin typeface="+mj-lt"/>
+              </a:rPr>
+              <a:t>datepicker</a:t>
+            </a:r>
+            <a:r>
+              <a:rPr lang="en-US" sz="6400" dirty="0" smtClean="0">
+                <a:latin typeface="+mj-lt"/>
+              </a:rPr>
+              <a:t>({  </a:t>
+            </a:r>
+            <a:r>
+              <a:rPr lang="en-US" sz="6400" dirty="0" err="1">
+                <a:latin typeface="+mj-lt"/>
+              </a:rPr>
+              <a:t>changeMonth</a:t>
+            </a:r>
+            <a:r>
+              <a:rPr lang="en-US" sz="6400" dirty="0">
+                <a:latin typeface="+mj-lt"/>
+              </a:rPr>
+              <a:t>: true</a:t>
+            </a:r>
+            <a:r>
+              <a:rPr lang="en-US" sz="6400" dirty="0" smtClean="0">
+                <a:latin typeface="+mj-lt"/>
               </a:rPr>
               <a:t>, </a:t>
             </a:r>
             <a:r>
-              <a:rPr lang="en-US" sz="1600" dirty="0" smtClean="0">
-                <a:latin typeface="+mj-lt"/>
-                <a:cs typeface="Consolas" panose="020B0609020204030204" pitchFamily="49" charset="0"/>
-              </a:rPr>
-              <a:t>Phrase</a:t>
-            </a:r>
-            <a:r>
-              <a:rPr lang="en-US" sz="1600" dirty="0">
-                <a:latin typeface="+mj-lt"/>
-                <a:cs typeface="Consolas" panose="020B0609020204030204" pitchFamily="49" charset="0"/>
-              </a:rPr>
-              <a:t>, </a:t>
-            </a:r>
-            <a:r>
-              <a:rPr lang="en-US" sz="1600" dirty="0" err="1">
-                <a:latin typeface="+mj-lt"/>
-                <a:cs typeface="Consolas" panose="020B0609020204030204" pitchFamily="49" charset="0"/>
-              </a:rPr>
-              <a:t>PdfPCell</a:t>
-            </a:r>
-            <a:r>
-              <a:rPr lang="en-US" sz="1600" dirty="0">
-                <a:latin typeface="+mj-lt"/>
-                <a:cs typeface="Consolas" panose="020B0609020204030204" pitchFamily="49" charset="0"/>
-              </a:rPr>
-              <a:t> </a:t>
-            </a:r>
-            <a:endParaRPr lang="en-US" sz="1600" dirty="0" smtClean="0">
+              <a:rPr lang="en-US" sz="6400" dirty="0" err="1" smtClean="0">
+                <a:latin typeface="+mj-lt"/>
+              </a:rPr>
+              <a:t>changeYear</a:t>
+            </a:r>
+            <a:r>
+              <a:rPr lang="en-US" sz="6400" dirty="0">
+                <a:latin typeface="+mj-lt"/>
+              </a:rPr>
+              <a:t>: </a:t>
+            </a:r>
+            <a:r>
+              <a:rPr lang="en-US" sz="6400" dirty="0" smtClean="0">
+                <a:latin typeface="+mj-lt"/>
+              </a:rPr>
+              <a:t>true</a:t>
+            </a:r>
+          </a:p>
+          <a:p>
+            <a:pPr marL="0" indent="0">
+              <a:buNone/>
+            </a:pPr>
+            <a:r>
+              <a:rPr lang="en-US" sz="6400" dirty="0" smtClean="0"/>
+              <a:t>        </a:t>
+            </a:r>
+            <a:r>
+              <a:rPr lang="en-US" sz="6400" dirty="0" smtClean="0">
+                <a:latin typeface="+mj-lt"/>
+              </a:rPr>
+              <a:t>});</a:t>
+            </a:r>
+          </a:p>
+          <a:p>
+            <a:pPr marL="0" indent="0">
+              <a:buNone/>
+            </a:pPr>
+            <a:r>
+              <a:rPr lang="en-US" sz="6400" dirty="0" smtClean="0">
+                <a:latin typeface="+mj-lt"/>
+              </a:rPr>
+              <a:t>    });</a:t>
+            </a:r>
+          </a:p>
+          <a:p>
+            <a:pPr marL="0" indent="0">
+              <a:buNone/>
+            </a:pPr>
+            <a:r>
+              <a:rPr lang="en-US" sz="6400" dirty="0" smtClean="0">
+                <a:latin typeface="+mj-lt"/>
+              </a:rPr>
+              <a:t>&lt;/script&gt;</a:t>
+            </a:r>
+            <a:endParaRPr lang="en-US" sz="6400" dirty="0">
               <a:latin typeface="+mj-lt"/>
               <a:cs typeface="Consolas" panose="020B0609020204030204" pitchFamily="49" charset="0"/>
             </a:endParaRPr>
@@ -12490,7 +12448,7 @@
     </p:spTree>
     <p:extLst>
       <p:ext uri="{BB962C8B-B14F-4D97-AF65-F5344CB8AC3E}">
-        <p14:creationId xmlns:p14="http://schemas.microsoft.com/office/powerpoint/2010/main" val="714876598"/>
+        <p14:creationId xmlns:p14="http://schemas.microsoft.com/office/powerpoint/2010/main" val="1760182924"/>
       </p:ext>
     </p:extLst>
   </p:cSld>
@@ -12555,16 +12513,8 @@
           <a:lstStyle/>
           <a:p>
             <a:r>
-              <a:rPr lang="en-US" dirty="0" err="1"/>
+              <a:rPr lang="en-US" dirty="0" err="1" smtClean="0"/>
               <a:t>Itextsharp</a:t>
-            </a:r>
-            <a:r>
-              <a:rPr lang="en-US" dirty="0"/>
-              <a:t> </a:t>
-            </a:r>
-            <a:r>
-              <a:rPr lang="en-US" dirty="0" smtClean="0"/>
-              <a:t>Example</a:t>
             </a:r>
             <a:endParaRPr lang="en-US" dirty="0">
               <a:latin typeface="Segoe UI Light" panose="020B0502040204020203" pitchFamily="34" charset="0"/>
@@ -12583,8 +12533,8 @@
         </p:nvSpPr>
         <p:spPr>
           <a:xfrm>
-            <a:off x="541610" y="1485518"/>
-            <a:ext cx="11027538" cy="5032848"/>
+            <a:off x="541610" y="1524707"/>
+            <a:ext cx="11027538" cy="5019784"/>
           </a:xfrm>
           <a:prstGeom prst="rect">
             <a:avLst/>
@@ -12592,7 +12542,7 @@
         </p:spPr>
         <p:txBody>
           <a:bodyPr vert="horz" lIns="91440" tIns="45720" rIns="91440" bIns="45720" rtlCol="0">
-            <a:noAutofit/>
+            <a:normAutofit/>
           </a:bodyPr>
           <a:lstStyle>
             <a:lvl1pPr marL="228600" indent="-228600" algn="l" defTabSz="914400" rtl="0" eaLnBrk="1" latinLnBrk="0" hangingPunct="1">
@@ -12789,12 +12739,56 @@
             </a:lvl9pPr>
           </a:lstStyle>
           <a:p>
+            <a:pPr>
+              <a:buFont typeface="Wingdings" panose="05000000000000000000" pitchFamily="2" charset="2"/>
+              <a:buChar char="ü"/>
+            </a:pPr>
+            <a:r>
+              <a:rPr lang="en-US" sz="1600" dirty="0" smtClean="0">
+                <a:latin typeface="+mj-lt"/>
+              </a:rPr>
+              <a:t>Need to add </a:t>
+            </a:r>
+            <a:r>
+              <a:rPr lang="en-US" sz="1600" dirty="0" err="1" smtClean="0">
+                <a:latin typeface="+mj-lt"/>
+              </a:rPr>
+              <a:t>Itextsharp</a:t>
+            </a:r>
+            <a:r>
+              <a:rPr lang="en-US" sz="1600" dirty="0" smtClean="0">
+                <a:latin typeface="+mj-lt"/>
+              </a:rPr>
+              <a:t> </a:t>
+            </a:r>
+            <a:r>
+              <a:rPr lang="en-US" sz="1600" dirty="0" err="1" smtClean="0">
+                <a:latin typeface="+mj-lt"/>
+              </a:rPr>
+              <a:t>dll</a:t>
+            </a:r>
+            <a:r>
+              <a:rPr lang="en-US" sz="1600" dirty="0" smtClean="0">
+                <a:latin typeface="+mj-lt"/>
+              </a:rPr>
+              <a:t> as reference</a:t>
+            </a:r>
+          </a:p>
+          <a:p>
             <a:pPr marL="0" indent="0">
               <a:buNone/>
             </a:pPr>
             <a:r>
-              <a:rPr lang="en-US" dirty="0"/>
-              <a:t> </a:t>
+              <a:rPr lang="en-US" sz="1600" dirty="0">
+                <a:latin typeface="+mj-lt"/>
+              </a:rPr>
+              <a:t>	</a:t>
+            </a:r>
+            <a:r>
+              <a:rPr lang="en-US" sz="1600" dirty="0" smtClean="0">
+                <a:latin typeface="+mj-lt"/>
+              </a:rPr>
+              <a:t>using iTextSharp.text.pdf;</a:t>
             </a:r>
           </a:p>
           <a:p>
@@ -12802,18 +12796,159 @@
               <a:buNone/>
             </a:pPr>
             <a:r>
-              <a:rPr lang="en-US" dirty="0"/>
-              <a:t>           </a:t>
-            </a:r>
+              <a:rPr lang="en-US" sz="1600" dirty="0" smtClean="0">
+                <a:latin typeface="+mj-lt"/>
+              </a:rPr>
+              <a:t>	using </a:t>
+            </a:r>
+            <a:r>
+              <a:rPr lang="en-US" sz="1600" dirty="0" err="1">
+                <a:latin typeface="+mj-lt"/>
+              </a:rPr>
+              <a:t>iTextSharp.text</a:t>
+            </a:r>
+            <a:r>
+              <a:rPr lang="en-US" sz="1600" dirty="0" smtClean="0">
+                <a:latin typeface="+mj-lt"/>
+              </a:rPr>
+              <a:t>;</a:t>
+            </a:r>
+          </a:p>
+          <a:p>
+            <a:pPr>
+              <a:buFont typeface="Wingdings" panose="05000000000000000000" pitchFamily="2" charset="2"/>
+              <a:buChar char="ü"/>
+            </a:pPr>
+            <a:r>
+              <a:rPr lang="en-US" sz="1600" dirty="0" smtClean="0">
+                <a:latin typeface="+mj-lt"/>
+                <a:cs typeface="Consolas" panose="020B0609020204030204" pitchFamily="49" charset="0"/>
+              </a:rPr>
+              <a:t>Useful Components</a:t>
+            </a:r>
+            <a:endParaRPr lang="en-US" sz="1600" dirty="0">
+              <a:latin typeface="+mj-lt"/>
+              <a:cs typeface="Consolas" panose="020B0609020204030204" pitchFamily="49" charset="0"/>
+            </a:endParaRPr>
           </a:p>
           <a:p>
             <a:pPr marL="0" indent="0">
               <a:buNone/>
             </a:pPr>
             <a:r>
-              <a:rPr lang="en-US" dirty="0"/>
-              <a:t>           </a:t>
-            </a:r>
+              <a:rPr lang="en-US" sz="1600" dirty="0">
+                <a:latin typeface="+mj-lt"/>
+                <a:cs typeface="Consolas" panose="020B0609020204030204" pitchFamily="49" charset="0"/>
+              </a:rPr>
+              <a:t>	</a:t>
+            </a:r>
+            <a:r>
+              <a:rPr lang="en-US" sz="1600" dirty="0" smtClean="0">
+                <a:latin typeface="+mj-lt"/>
+                <a:cs typeface="Consolas" panose="020B0609020204030204" pitchFamily="49" charset="0"/>
+              </a:rPr>
+              <a:t>Rectangle,</a:t>
+            </a:r>
+            <a:r>
+              <a:rPr lang="en-US" sz="1600" dirty="0">
+                <a:latin typeface="+mj-lt"/>
+                <a:cs typeface="Consolas" panose="020B0609020204030204" pitchFamily="49" charset="0"/>
+              </a:rPr>
+              <a:t>	</a:t>
+            </a:r>
+            <a:r>
+              <a:rPr lang="en-US" sz="1600" dirty="0" smtClean="0">
+                <a:latin typeface="+mj-lt"/>
+                <a:cs typeface="Consolas" panose="020B0609020204030204" pitchFamily="49" charset="0"/>
+              </a:rPr>
+              <a:t>Document, </a:t>
+            </a:r>
+            <a:r>
+              <a:rPr lang="en-US" sz="1600" dirty="0" err="1" smtClean="0">
+                <a:latin typeface="+mj-lt"/>
+                <a:cs typeface="Consolas" panose="020B0609020204030204" pitchFamily="49" charset="0"/>
+              </a:rPr>
+              <a:t>PdfWriter</a:t>
+            </a:r>
+            <a:r>
+              <a:rPr lang="en-US" sz="1600" dirty="0" smtClean="0">
+                <a:latin typeface="+mj-lt"/>
+                <a:cs typeface="Consolas" panose="020B0609020204030204" pitchFamily="49" charset="0"/>
+              </a:rPr>
+              <a:t>,</a:t>
+            </a:r>
+            <a:r>
+              <a:rPr lang="en-US" sz="1600" dirty="0">
+                <a:latin typeface="+mj-lt"/>
+                <a:cs typeface="Consolas" panose="020B0609020204030204" pitchFamily="49" charset="0"/>
+              </a:rPr>
+              <a:t>	</a:t>
+            </a:r>
+            <a:r>
+              <a:rPr lang="en-US" sz="1600" dirty="0" smtClean="0">
+                <a:latin typeface="+mj-lt"/>
+                <a:cs typeface="Consolas" panose="020B0609020204030204" pitchFamily="49" charset="0"/>
+              </a:rPr>
+              <a:t>Paragraph, Font </a:t>
+            </a:r>
+          </a:p>
+          <a:p>
+            <a:pPr marL="0" indent="0">
+              <a:buNone/>
+            </a:pPr>
+            <a:r>
+              <a:rPr lang="en-US" sz="1600" dirty="0">
+                <a:latin typeface="+mj-lt"/>
+                <a:cs typeface="Consolas" panose="020B0609020204030204" pitchFamily="49" charset="0"/>
+              </a:rPr>
+              <a:t>	</a:t>
+            </a:r>
+            <a:r>
+              <a:rPr lang="en-US" sz="1600" dirty="0" err="1" smtClean="0">
+                <a:latin typeface="+mj-lt"/>
+                <a:cs typeface="Consolas" panose="020B0609020204030204" pitchFamily="49" charset="0"/>
+              </a:rPr>
+              <a:t>PdfPTable</a:t>
+            </a:r>
+            <a:r>
+              <a:rPr lang="en-US" sz="1600" dirty="0">
+                <a:latin typeface="+mj-lt"/>
+                <a:cs typeface="Consolas" panose="020B0609020204030204" pitchFamily="49" charset="0"/>
+              </a:rPr>
+              <a:t>, </a:t>
+            </a:r>
+            <a:r>
+              <a:rPr lang="en-US" sz="1600" dirty="0" smtClean="0">
+                <a:latin typeface="+mj-lt"/>
+                <a:cs typeface="Consolas" panose="020B0609020204030204" pitchFamily="49" charset="0"/>
+              </a:rPr>
+              <a:t>Phrase</a:t>
+            </a:r>
+            <a:r>
+              <a:rPr lang="en-US" sz="1600" dirty="0">
+                <a:latin typeface="+mj-lt"/>
+                <a:cs typeface="Consolas" panose="020B0609020204030204" pitchFamily="49" charset="0"/>
+              </a:rPr>
+              <a:t>, </a:t>
+            </a:r>
+            <a:r>
+              <a:rPr lang="en-US" sz="1600" dirty="0" err="1">
+                <a:latin typeface="+mj-lt"/>
+                <a:cs typeface="Consolas" panose="020B0609020204030204" pitchFamily="49" charset="0"/>
+              </a:rPr>
+              <a:t>PdfPCell</a:t>
+            </a:r>
+            <a:r>
+              <a:rPr lang="en-US" sz="1600" dirty="0">
+                <a:latin typeface="+mj-lt"/>
+                <a:cs typeface="Consolas" panose="020B0609020204030204" pitchFamily="49" charset="0"/>
+              </a:rPr>
+              <a:t> </a:t>
+            </a:r>
+            <a:endParaRPr lang="en-US" sz="1600" dirty="0" smtClean="0">
+              <a:latin typeface="+mj-lt"/>
+              <a:cs typeface="Consolas" panose="020B0609020204030204" pitchFamily="49" charset="0"/>
+            </a:endParaRPr>
           </a:p>
         </p:txBody>
       </p:sp>
@@ -12962,547 +13097,10 @@
           </a:p>
         </p:txBody>
       </p:sp>
-      <p:sp>
-        <p:nvSpPr>
-          <p:cNvPr id="3" name="TextBox 2"/>
-          <p:cNvSpPr txBox="1"/>
-          <p:nvPr/>
-        </p:nvSpPr>
-        <p:spPr>
-          <a:xfrm>
-            <a:off x="438095" y="1587781"/>
-            <a:ext cx="10731636" cy="5262979"/>
-          </a:xfrm>
-          <a:prstGeom prst="rect">
-            <a:avLst/>
-          </a:prstGeom>
-          <a:noFill/>
-        </p:spPr>
-        <p:txBody>
-          <a:bodyPr wrap="square" rtlCol="0">
-            <a:spAutoFit/>
-          </a:bodyPr>
-          <a:lstStyle/>
-          <a:p>
-            <a:r>
-              <a:rPr lang="en-US" sz="1200" dirty="0" smtClean="0"/>
-              <a:t>	Rectangle </a:t>
-            </a:r>
-            <a:r>
-              <a:rPr lang="en-US" sz="1200" dirty="0" err="1"/>
-              <a:t>pagesize</a:t>
-            </a:r>
-            <a:r>
-              <a:rPr lang="en-US" sz="1200" dirty="0"/>
-              <a:t> = new </a:t>
-            </a:r>
-            <a:r>
-              <a:rPr lang="en-US" sz="1200" dirty="0" smtClean="0"/>
-              <a:t>Rectangle(20</a:t>
-            </a:r>
-            <a:r>
-              <a:rPr lang="en-US" sz="1200" dirty="0"/>
-              <a:t>, 20, PageSize.A4.Width, PageSize.A4.Height</a:t>
-            </a:r>
-            <a:r>
-              <a:rPr lang="en-US" sz="1200" dirty="0" smtClean="0"/>
-              <a:t>);</a:t>
-            </a:r>
-          </a:p>
-          <a:p>
-            <a:r>
-              <a:rPr lang="en-US" sz="1200" dirty="0"/>
-              <a:t>	</a:t>
-            </a:r>
-            <a:r>
-              <a:rPr lang="en-US" sz="1200" dirty="0" smtClean="0"/>
-              <a:t>Document </a:t>
-            </a:r>
-            <a:r>
-              <a:rPr lang="en-US" sz="1200" dirty="0"/>
-              <a:t>doc = new Document(</a:t>
-            </a:r>
-            <a:r>
-              <a:rPr lang="en-US" sz="1200" dirty="0" err="1"/>
-              <a:t>pagesize</a:t>
-            </a:r>
-            <a:r>
-              <a:rPr lang="en-US" sz="1200" dirty="0"/>
-              <a:t>, 10, 10, 30, 10);</a:t>
-            </a:r>
-          </a:p>
-          <a:p>
-            <a:r>
-              <a:rPr lang="en-US" sz="1200" dirty="0" smtClean="0"/>
-              <a:t>	</a:t>
-            </a:r>
-            <a:r>
-              <a:rPr lang="en-US" sz="1200" dirty="0" err="1" smtClean="0"/>
-              <a:t>MemoryStream</a:t>
-            </a:r>
-            <a:r>
-              <a:rPr lang="en-US" sz="1200" dirty="0" smtClean="0"/>
-              <a:t> </a:t>
-            </a:r>
-            <a:r>
-              <a:rPr lang="en-US" sz="1200" dirty="0" err="1"/>
-              <a:t>ms</a:t>
-            </a:r>
-            <a:r>
-              <a:rPr lang="en-US" sz="1200" dirty="0"/>
-              <a:t> = new </a:t>
-            </a:r>
-            <a:r>
-              <a:rPr lang="en-US" sz="1200" dirty="0" err="1"/>
-              <a:t>MemoryStream</a:t>
-            </a:r>
-            <a:r>
-              <a:rPr lang="en-US" sz="1200" dirty="0"/>
-              <a:t>();</a:t>
-            </a:r>
-          </a:p>
-          <a:p>
-            <a:r>
-              <a:rPr lang="en-US" sz="1200" dirty="0" smtClean="0"/>
-              <a:t>	</a:t>
-            </a:r>
-            <a:r>
-              <a:rPr lang="en-US" sz="1200" dirty="0" err="1" smtClean="0"/>
-              <a:t>PdfWriter</a:t>
-            </a:r>
-            <a:r>
-              <a:rPr lang="en-US" sz="1200" dirty="0" smtClean="0"/>
-              <a:t> </a:t>
-            </a:r>
-            <a:r>
-              <a:rPr lang="en-US" sz="1200" dirty="0"/>
-              <a:t>pw = </a:t>
-            </a:r>
-            <a:r>
-              <a:rPr lang="en-US" sz="1200" dirty="0" err="1"/>
-              <a:t>PdfWriter.GetInstance</a:t>
-            </a:r>
-            <a:r>
-              <a:rPr lang="en-US" sz="1200" dirty="0"/>
-              <a:t>(doc, </a:t>
-            </a:r>
-            <a:r>
-              <a:rPr lang="en-US" sz="1200" dirty="0" err="1"/>
-              <a:t>ms</a:t>
-            </a:r>
-            <a:r>
-              <a:rPr lang="en-US" sz="1200" dirty="0"/>
-              <a:t>);</a:t>
-            </a:r>
-          </a:p>
-          <a:p>
-            <a:r>
-              <a:rPr lang="en-US" sz="1200" dirty="0" smtClean="0"/>
-              <a:t>	</a:t>
-            </a:r>
-            <a:r>
-              <a:rPr lang="en-US" sz="1200" dirty="0" err="1" smtClean="0"/>
-              <a:t>doc.Open</a:t>
-            </a:r>
-            <a:r>
-              <a:rPr lang="en-US" sz="1200" dirty="0" smtClean="0"/>
-              <a:t>();</a:t>
-            </a:r>
-          </a:p>
-          <a:p>
-            <a:endParaRPr lang="en-US" sz="1200" dirty="0"/>
-          </a:p>
-          <a:p>
-            <a:r>
-              <a:rPr lang="en-US" sz="1200" dirty="0"/>
-              <a:t>	Paragraph p = new Paragraph</a:t>
-            </a:r>
-            <a:r>
-              <a:rPr lang="en-US" sz="1200" dirty="0" smtClean="0"/>
-              <a:t>();</a:t>
-            </a:r>
-          </a:p>
-          <a:p>
-            <a:r>
-              <a:rPr lang="en-US" sz="1200" dirty="0" smtClean="0"/>
-              <a:t>	</a:t>
-            </a:r>
-            <a:r>
-              <a:rPr lang="en-US" sz="1200" dirty="0" err="1" smtClean="0"/>
-              <a:t>p.Font.SetColor</a:t>
-            </a:r>
-            <a:r>
-              <a:rPr lang="en-US" sz="1200" dirty="0" smtClean="0"/>
-              <a:t>(0</a:t>
-            </a:r>
-            <a:r>
-              <a:rPr lang="en-US" sz="1200" dirty="0"/>
-              <a:t>, 0, 0</a:t>
-            </a:r>
-            <a:r>
-              <a:rPr lang="en-US" sz="1200" dirty="0" smtClean="0"/>
-              <a:t>);</a:t>
-            </a:r>
-          </a:p>
-          <a:p>
-            <a:r>
-              <a:rPr lang="en-US" sz="1200" dirty="0"/>
-              <a:t>	</a:t>
-            </a:r>
-            <a:r>
-              <a:rPr lang="en-US" sz="1200" dirty="0" err="1" smtClean="0"/>
-              <a:t>p.Add</a:t>
-            </a:r>
-            <a:r>
-              <a:rPr lang="en-US" sz="1200" dirty="0"/>
-              <a:t>("Student Listing");</a:t>
-            </a:r>
-          </a:p>
-          <a:p>
-            <a:r>
-              <a:rPr lang="en-US" sz="1200" dirty="0" smtClean="0"/>
-              <a:t>	</a:t>
-            </a:r>
-            <a:r>
-              <a:rPr lang="en-US" sz="1200" dirty="0" err="1" smtClean="0"/>
-              <a:t>doc.Add</a:t>
-            </a:r>
-            <a:r>
-              <a:rPr lang="en-US" sz="1200" dirty="0" smtClean="0"/>
-              <a:t>(p);</a:t>
-            </a:r>
-          </a:p>
-          <a:p>
-            <a:endParaRPr lang="en-US" sz="1200" dirty="0"/>
-          </a:p>
-          <a:p>
-            <a:r>
-              <a:rPr lang="en-US" sz="1200" dirty="0" smtClean="0"/>
-              <a:t>	float</a:t>
-            </a:r>
-            <a:r>
-              <a:rPr lang="en-US" sz="1200" dirty="0"/>
-              <a:t>[] widths = { 10, 20 </a:t>
-            </a:r>
-            <a:r>
-              <a:rPr lang="en-US" sz="1200" dirty="0" smtClean="0"/>
-              <a:t>};</a:t>
-            </a:r>
-          </a:p>
-          <a:p>
-            <a:r>
-              <a:rPr lang="en-US" sz="1200" dirty="0"/>
-              <a:t>	</a:t>
-            </a:r>
-            <a:r>
-              <a:rPr lang="en-US" sz="1200" dirty="0" err="1" smtClean="0"/>
-              <a:t>PdfPTable</a:t>
-            </a:r>
-            <a:r>
-              <a:rPr lang="en-US" sz="1200" dirty="0" smtClean="0"/>
-              <a:t> </a:t>
-            </a:r>
-            <a:r>
-              <a:rPr lang="en-US" sz="1200" dirty="0" err="1"/>
-              <a:t>tbl</a:t>
-            </a:r>
-            <a:r>
-              <a:rPr lang="en-US" sz="1200" dirty="0"/>
-              <a:t> = new </a:t>
-            </a:r>
-            <a:r>
-              <a:rPr lang="en-US" sz="1200" dirty="0" err="1"/>
-              <a:t>PdfPTable</a:t>
-            </a:r>
-            <a:r>
-              <a:rPr lang="en-US" sz="1200" dirty="0"/>
-              <a:t>(widths</a:t>
-            </a:r>
-            <a:r>
-              <a:rPr lang="en-US" sz="1200" dirty="0" smtClean="0"/>
-              <a:t>);</a:t>
-            </a:r>
-          </a:p>
-          <a:p>
-            <a:endParaRPr lang="en-US" sz="1200" dirty="0" smtClean="0"/>
-          </a:p>
-          <a:p>
-            <a:r>
-              <a:rPr lang="en-US" sz="1200" dirty="0"/>
-              <a:t>	</a:t>
-            </a:r>
-            <a:r>
-              <a:rPr lang="en-US" sz="1200" dirty="0" smtClean="0"/>
-              <a:t>Phrase </a:t>
-            </a:r>
-            <a:r>
-              <a:rPr lang="en-US" sz="1200" dirty="0"/>
-              <a:t>ph1 = new Phrase("No", new </a:t>
-            </a:r>
-            <a:r>
-              <a:rPr lang="en-US" sz="1200" dirty="0" smtClean="0"/>
-              <a:t>Font(</a:t>
-            </a:r>
-            <a:r>
-              <a:rPr lang="en-US" sz="1200" dirty="0" err="1" smtClean="0"/>
-              <a:t>Font.FontFamily.TIMES_ROMAN</a:t>
-            </a:r>
-            <a:r>
-              <a:rPr lang="en-US" sz="1200" dirty="0"/>
-              <a:t>, 10, </a:t>
-            </a:r>
-            <a:r>
-              <a:rPr lang="en-US" sz="1200" dirty="0" err="1" smtClean="0"/>
-              <a:t>Font.BOLD</a:t>
-            </a:r>
-            <a:r>
-              <a:rPr lang="en-US" sz="1200" dirty="0" smtClean="0"/>
-              <a:t>));</a:t>
-            </a:r>
-          </a:p>
-          <a:p>
-            <a:r>
-              <a:rPr lang="en-US" sz="1200" dirty="0"/>
-              <a:t>	</a:t>
-            </a:r>
-            <a:r>
-              <a:rPr lang="en-US" sz="1200" dirty="0" err="1" smtClean="0"/>
-              <a:t>PdfPCell</a:t>
-            </a:r>
-            <a:r>
-              <a:rPr lang="en-US" sz="1200" dirty="0" smtClean="0"/>
-              <a:t> </a:t>
-            </a:r>
-            <a:r>
-              <a:rPr lang="en-US" sz="1200" dirty="0"/>
-              <a:t>c1 = new </a:t>
-            </a:r>
-            <a:r>
-              <a:rPr lang="en-US" sz="1200" dirty="0" err="1"/>
-              <a:t>PdfPCell</a:t>
-            </a:r>
-            <a:r>
-              <a:rPr lang="en-US" sz="1200" dirty="0"/>
-              <a:t>(ph1</a:t>
-            </a:r>
-            <a:r>
-              <a:rPr lang="en-US" sz="1200" dirty="0" smtClean="0"/>
-              <a:t>);</a:t>
-            </a:r>
-          </a:p>
-          <a:p>
-            <a:r>
-              <a:rPr lang="en-US" sz="1200" dirty="0"/>
-              <a:t>	</a:t>
-            </a:r>
-            <a:r>
-              <a:rPr lang="en-US" sz="1200" dirty="0" smtClean="0"/>
-              <a:t>c1.HorizontalAlignment </a:t>
-            </a:r>
-            <a:r>
-              <a:rPr lang="en-US" sz="1200" dirty="0"/>
-              <a:t>= </a:t>
-            </a:r>
-            <a:r>
-              <a:rPr lang="en-US" sz="1200" dirty="0" err="1" smtClean="0"/>
-              <a:t>Element.ALIGN_CENTER</a:t>
-            </a:r>
-            <a:r>
-              <a:rPr lang="en-US" sz="1200" dirty="0" smtClean="0"/>
-              <a:t>;</a:t>
-            </a:r>
-          </a:p>
-          <a:p>
-            <a:r>
-              <a:rPr lang="en-US" sz="1200" dirty="0"/>
-              <a:t>	</a:t>
-            </a:r>
-            <a:r>
-              <a:rPr lang="en-US" sz="1200" dirty="0" err="1" smtClean="0"/>
-              <a:t>tbl.AddCell</a:t>
-            </a:r>
-            <a:r>
-              <a:rPr lang="en-US" sz="1200" dirty="0" smtClean="0"/>
-              <a:t>(c1);</a:t>
-            </a:r>
-          </a:p>
-          <a:p>
-            <a:endParaRPr lang="en-US" sz="1200" dirty="0"/>
-          </a:p>
-          <a:p>
-            <a:r>
-              <a:rPr lang="en-US" sz="1200" dirty="0" smtClean="0"/>
-              <a:t>	</a:t>
-            </a:r>
-            <a:r>
-              <a:rPr lang="en-US" sz="1200" dirty="0" err="1" smtClean="0"/>
-              <a:t>doc.Close</a:t>
-            </a:r>
-            <a:r>
-              <a:rPr lang="en-US" sz="1200" dirty="0" smtClean="0"/>
-              <a:t>();	byte</a:t>
-            </a:r>
-            <a:r>
-              <a:rPr lang="en-US" sz="1200" dirty="0"/>
-              <a:t>[] </a:t>
-            </a:r>
-            <a:r>
-              <a:rPr lang="en-US" sz="1200" dirty="0" err="1"/>
-              <a:t>byteArray</a:t>
-            </a:r>
-            <a:r>
-              <a:rPr lang="en-US" sz="1200" dirty="0"/>
-              <a:t> = </a:t>
-            </a:r>
-            <a:r>
-              <a:rPr lang="en-US" sz="1200" dirty="0" err="1"/>
-              <a:t>ms.ToArray</a:t>
-            </a:r>
-            <a:r>
-              <a:rPr lang="en-US" sz="1200" dirty="0" smtClean="0"/>
-              <a:t>();</a:t>
-            </a:r>
-          </a:p>
-          <a:p>
-            <a:r>
-              <a:rPr lang="en-US" sz="1200" dirty="0"/>
-              <a:t>	</a:t>
-            </a:r>
-            <a:r>
-              <a:rPr lang="en-US" sz="1200" dirty="0" err="1" smtClean="0"/>
-              <a:t>ms.Flush</a:t>
-            </a:r>
-            <a:r>
-              <a:rPr lang="en-US" sz="1200" dirty="0" smtClean="0"/>
-              <a:t>();	</a:t>
-            </a:r>
-            <a:r>
-              <a:rPr lang="en-US" sz="1200" dirty="0" err="1" smtClean="0"/>
-              <a:t>ms.Close</a:t>
-            </a:r>
-            <a:r>
-              <a:rPr lang="en-US" sz="1200" dirty="0" smtClean="0"/>
-              <a:t>();	</a:t>
-            </a:r>
-            <a:r>
-              <a:rPr lang="en-US" sz="1200" dirty="0" err="1" smtClean="0"/>
-              <a:t>ms.Dispose</a:t>
-            </a:r>
-            <a:r>
-              <a:rPr lang="en-US" sz="1200" dirty="0" smtClean="0"/>
-              <a:t>();</a:t>
-            </a:r>
-          </a:p>
-          <a:p>
-            <a:r>
-              <a:rPr lang="en-US" sz="1200" dirty="0"/>
-              <a:t>	</a:t>
-            </a:r>
-            <a:r>
-              <a:rPr lang="en-US" sz="1200" dirty="0" err="1" smtClean="0"/>
-              <a:t>Response.Clear</a:t>
-            </a:r>
-            <a:r>
-              <a:rPr lang="en-US" sz="1200" dirty="0" smtClean="0"/>
-              <a:t>();</a:t>
-            </a:r>
-          </a:p>
-          <a:p>
-            <a:r>
-              <a:rPr lang="en-US" sz="1200" dirty="0"/>
-              <a:t>	</a:t>
-            </a:r>
-            <a:r>
-              <a:rPr lang="en-US" sz="1200" dirty="0" err="1" smtClean="0"/>
-              <a:t>Response.AddHeader</a:t>
-            </a:r>
-            <a:r>
-              <a:rPr lang="en-US" sz="1200" dirty="0"/>
-              <a:t>("Content-Disposition", "attachment; filename=StudentListing.pdf</a:t>
-            </a:r>
-            <a:r>
-              <a:rPr lang="en-US" sz="1200" dirty="0" smtClean="0"/>
-              <a:t>");</a:t>
-            </a:r>
-          </a:p>
-          <a:p>
-            <a:r>
-              <a:rPr lang="en-US" sz="1200" dirty="0"/>
-              <a:t>	</a:t>
-            </a:r>
-            <a:r>
-              <a:rPr lang="en-US" sz="1200" dirty="0" err="1" smtClean="0"/>
-              <a:t>Response.AddHeader</a:t>
-            </a:r>
-            <a:r>
-              <a:rPr lang="en-US" sz="1200" dirty="0"/>
-              <a:t>("Content-Length", </a:t>
-            </a:r>
-            <a:r>
-              <a:rPr lang="en-US" sz="1200" dirty="0" err="1"/>
-              <a:t>byteArray.Length.ToString</a:t>
-            </a:r>
-            <a:r>
-              <a:rPr lang="en-US" sz="1200" dirty="0" smtClean="0"/>
-              <a:t>());</a:t>
-            </a:r>
-          </a:p>
-          <a:p>
-            <a:r>
-              <a:rPr lang="en-US" sz="1200" dirty="0"/>
-              <a:t>	</a:t>
-            </a:r>
-            <a:r>
-              <a:rPr lang="en-US" sz="1200" dirty="0" err="1" smtClean="0"/>
-              <a:t>Response.ContentType</a:t>
-            </a:r>
-            <a:r>
-              <a:rPr lang="en-US" sz="1200" dirty="0" smtClean="0"/>
-              <a:t> </a:t>
-            </a:r>
-            <a:r>
-              <a:rPr lang="en-US" sz="1200" dirty="0"/>
-              <a:t>= "application/octet-stream</a:t>
-            </a:r>
-            <a:r>
-              <a:rPr lang="en-US" sz="1200" dirty="0" smtClean="0"/>
-              <a:t>";</a:t>
-            </a:r>
-          </a:p>
-          <a:p>
-            <a:r>
-              <a:rPr lang="en-US" sz="1200" dirty="0"/>
-              <a:t>	</a:t>
-            </a:r>
-            <a:r>
-              <a:rPr lang="en-US" sz="1200" dirty="0" err="1" smtClean="0"/>
-              <a:t>Response.BinaryWrite</a:t>
-            </a:r>
-            <a:r>
-              <a:rPr lang="en-US" sz="1200" dirty="0" smtClean="0"/>
-              <a:t>(</a:t>
-            </a:r>
-            <a:r>
-              <a:rPr lang="en-US" sz="1200" dirty="0" err="1" smtClean="0"/>
-              <a:t>byteArray</a:t>
-            </a:r>
-            <a:r>
-              <a:rPr lang="en-US" sz="1200" dirty="0"/>
-              <a:t>);</a:t>
-            </a:r>
-          </a:p>
-          <a:p>
-            <a:endParaRPr lang="en-US" sz="1200" dirty="0" smtClean="0"/>
-          </a:p>
-          <a:p>
-            <a:endParaRPr lang="en-US" sz="1200" dirty="0"/>
-          </a:p>
-        </p:txBody>
-      </p:sp>
     </p:spTree>
     <p:extLst>
       <p:ext uri="{BB962C8B-B14F-4D97-AF65-F5344CB8AC3E}">
-        <p14:creationId xmlns:p14="http://schemas.microsoft.com/office/powerpoint/2010/main" val="3910876746"/>
+        <p14:creationId xmlns:p14="http://schemas.microsoft.com/office/powerpoint/2010/main" val="714876598"/>
       </p:ext>
     </p:extLst>
   </p:cSld>
@@ -13567,8 +13165,16 @@
           <a:lstStyle/>
           <a:p>
             <a:r>
+              <a:rPr lang="en-US" dirty="0" err="1"/>
+              <a:t>Itextsharp</a:t>
+            </a:r>
+            <a:r>
+              <a:rPr lang="en-US" dirty="0"/>
+              <a:t> </a:t>
+            </a:r>
+            <a:r>
               <a:rPr lang="en-US" dirty="0" smtClean="0"/>
-              <a:t>Excel Downloading</a:t>
+              <a:t>Example</a:t>
             </a:r>
             <a:endParaRPr lang="en-US" dirty="0">
               <a:latin typeface="Segoe UI Light" panose="020B0502040204020203" pitchFamily="34" charset="0"/>
@@ -13587,8 +13193,8 @@
         </p:nvSpPr>
         <p:spPr>
           <a:xfrm>
-            <a:off x="541610" y="1524707"/>
-            <a:ext cx="11027538" cy="4706275"/>
+            <a:off x="541610" y="1485518"/>
+            <a:ext cx="11027538" cy="5032848"/>
           </a:xfrm>
           <a:prstGeom prst="rect">
             <a:avLst/>
@@ -13596,7 +13202,7 @@
         </p:spPr>
         <p:txBody>
           <a:bodyPr vert="horz" lIns="91440" tIns="45720" rIns="91440" bIns="45720" rtlCol="0">
-            <a:normAutofit/>
+            <a:noAutofit/>
           </a:bodyPr>
           <a:lstStyle>
             <a:lvl1pPr marL="228600" indent="-228600" algn="l" defTabSz="914400" rtl="0" eaLnBrk="1" latinLnBrk="0" hangingPunct="1">
@@ -13797,94 +13403,8 @@
               <a:buNone/>
             </a:pPr>
             <a:r>
-              <a:rPr lang="en-US" sz="1600" dirty="0" smtClean="0">
-                <a:latin typeface="+mj-lt"/>
-              </a:rPr>
-              <a:t>	</a:t>
-            </a:r>
-            <a:r>
-              <a:rPr lang="en-US" sz="1400" dirty="0" err="1" smtClean="0">
-                <a:latin typeface="+mj-lt"/>
-              </a:rPr>
-              <a:t>var</a:t>
-            </a:r>
-            <a:r>
-              <a:rPr lang="en-US" sz="1400" dirty="0" smtClean="0">
-                <a:latin typeface="+mj-lt"/>
-              </a:rPr>
+              <a:rPr lang="en-US" dirty="0"/>
               <a:t> </a:t>
-            </a:r>
-            <a:r>
-              <a:rPr lang="en-US" sz="1400" dirty="0" err="1" smtClean="0">
-                <a:latin typeface="+mj-lt"/>
-              </a:rPr>
-              <a:t>tableContent</a:t>
-            </a:r>
-            <a:r>
-              <a:rPr lang="en-US" sz="1400" dirty="0" smtClean="0">
-                <a:latin typeface="+mj-lt"/>
-              </a:rPr>
-              <a:t>=“&lt;table&gt;&lt;</a:t>
-            </a:r>
-            <a:r>
-              <a:rPr lang="en-US" sz="1400" dirty="0" err="1" smtClean="0">
-                <a:latin typeface="+mj-lt"/>
-              </a:rPr>
-              <a:t>tr</a:t>
-            </a:r>
-            <a:r>
-              <a:rPr lang="en-US" sz="1400" dirty="0" smtClean="0">
-                <a:latin typeface="+mj-lt"/>
-              </a:rPr>
-              <a:t>&gt;</a:t>
-            </a:r>
-            <a:r>
-              <a:rPr lang="en-US" sz="1400" dirty="0">
-                <a:latin typeface="+mj-lt"/>
-              </a:rPr>
-              <a:t>&lt;td&gt;Name&lt;/td</a:t>
-            </a:r>
-            <a:r>
-              <a:rPr lang="en-US" sz="1400" dirty="0" smtClean="0">
-                <a:latin typeface="+mj-lt"/>
-              </a:rPr>
-              <a:t>&gt;</a:t>
-            </a:r>
-            <a:r>
-              <a:rPr lang="en-US" sz="1400" dirty="0">
-                <a:latin typeface="+mj-lt"/>
-              </a:rPr>
-              <a:t>&lt;</a:t>
-            </a:r>
-            <a:r>
-              <a:rPr lang="en-US" sz="1400" dirty="0" smtClean="0">
-                <a:latin typeface="+mj-lt"/>
-              </a:rPr>
-              <a:t>td&gt;Address&lt;/</a:t>
-            </a:r>
-            <a:r>
-              <a:rPr lang="en-US" sz="1400" dirty="0">
-                <a:latin typeface="+mj-lt"/>
-              </a:rPr>
-              <a:t>td&gt;</a:t>
-            </a:r>
-            <a:r>
-              <a:rPr lang="en-US" sz="1400" dirty="0" smtClean="0">
-                <a:latin typeface="+mj-lt"/>
-              </a:rPr>
-              <a:t>&lt;/</a:t>
-            </a:r>
-            <a:r>
-              <a:rPr lang="en-US" sz="1400" dirty="0" err="1" smtClean="0">
-                <a:latin typeface="+mj-lt"/>
-              </a:rPr>
-              <a:t>tr</a:t>
-            </a:r>
-            <a:r>
-              <a:rPr lang="en-US" sz="1400" dirty="0" smtClean="0">
-                <a:latin typeface="+mj-lt"/>
-              </a:rPr>
-              <a:t>&gt;&lt;/table&gt;”;</a:t>
             </a:r>
           </a:p>
           <a:p>
@@ -13892,46 +13412,8 @@
               <a:buNone/>
             </a:pPr>
             <a:r>
-              <a:rPr lang="en-US" sz="1400" dirty="0">
-                <a:latin typeface="+mj-lt"/>
-              </a:rPr>
-              <a:t>	</a:t>
-            </a:r>
-            <a:r>
-              <a:rPr lang="en-US" sz="1400" dirty="0" err="1" smtClean="0">
-                <a:latin typeface="+mj-lt"/>
-              </a:rPr>
-              <a:t>var</a:t>
-            </a:r>
-            <a:r>
-              <a:rPr lang="en-US" sz="1400" dirty="0" smtClean="0">
-                <a:latin typeface="+mj-lt"/>
-              </a:rPr>
-              <a:t> link </a:t>
-            </a:r>
-            <a:r>
-              <a:rPr lang="en-US" sz="1400" dirty="0">
-                <a:latin typeface="+mj-lt"/>
-              </a:rPr>
-              <a:t>= </a:t>
-            </a:r>
-            <a:r>
-              <a:rPr lang="en-US" sz="1400" dirty="0" err="1">
-                <a:latin typeface="+mj-lt"/>
-              </a:rPr>
-              <a:t>document.createElement</a:t>
-            </a:r>
-            <a:r>
-              <a:rPr lang="en-US" sz="1400" dirty="0">
-                <a:latin typeface="+mj-lt"/>
-              </a:rPr>
-              <a:t>('a</a:t>
-            </a:r>
-            <a:r>
-              <a:rPr lang="en-US" sz="1400" dirty="0" smtClean="0">
-                <a:latin typeface="+mj-lt"/>
-              </a:rPr>
-              <a:t>');</a:t>
+              <a:rPr lang="en-US" dirty="0"/>
+              <a:t>           </a:t>
             </a:r>
           </a:p>
           <a:p>
@@ -13939,208 +13421,9 @@
               <a:buNone/>
             </a:pPr>
             <a:r>
-              <a:rPr lang="en-US" sz="1400" dirty="0">
-                <a:latin typeface="+mj-lt"/>
-              </a:rPr>
-              <a:t>	</a:t>
-            </a:r>
-            <a:r>
-              <a:rPr lang="en-US" sz="1400" dirty="0" err="1" smtClean="0">
-                <a:latin typeface="+mj-lt"/>
-              </a:rPr>
-              <a:t>link.href</a:t>
-            </a:r>
-            <a:r>
-              <a:rPr lang="en-US" sz="1400" dirty="0" smtClean="0">
-                <a:latin typeface="+mj-lt"/>
-              </a:rPr>
-              <a:t> </a:t>
-            </a:r>
-            <a:r>
-              <a:rPr lang="en-US" sz="1400" dirty="0">
-                <a:latin typeface="+mj-lt"/>
-              </a:rPr>
-              <a:t>= '</a:t>
-            </a:r>
-            <a:r>
-              <a:rPr lang="en-US" sz="1400" dirty="0" err="1">
-                <a:latin typeface="+mj-lt"/>
-              </a:rPr>
-              <a:t>data:text</a:t>
-            </a:r>
-            <a:r>
-              <a:rPr lang="en-US" sz="1400" dirty="0">
-                <a:latin typeface="+mj-lt"/>
-              </a:rPr>
-              <a:t>/</a:t>
-            </a:r>
-            <a:r>
-              <a:rPr lang="en-US" sz="1400" dirty="0" err="1">
-                <a:latin typeface="+mj-lt"/>
-              </a:rPr>
-              <a:t>excel;charset</a:t>
-            </a:r>
-            <a:r>
-              <a:rPr lang="en-US" sz="1400" dirty="0">
-                <a:latin typeface="+mj-lt"/>
-              </a:rPr>
-              <a:t>=utf-8,' + </a:t>
-            </a:r>
-            <a:r>
-              <a:rPr lang="en-US" sz="1400" dirty="0" err="1">
-                <a:latin typeface="+mj-lt"/>
-              </a:rPr>
-              <a:t>encodeURIComponent</a:t>
-            </a:r>
-            <a:r>
-              <a:rPr lang="en-US" sz="1400" dirty="0">
-                <a:latin typeface="+mj-lt"/>
-              </a:rPr>
-              <a:t>(</a:t>
-            </a:r>
-            <a:r>
-              <a:rPr lang="en-US" sz="1400" dirty="0" err="1">
-                <a:latin typeface="+mj-lt"/>
-              </a:rPr>
-              <a:t>tableContent</a:t>
-            </a:r>
-            <a:r>
-              <a:rPr lang="en-US" sz="1400" dirty="0" smtClean="0">
-                <a:latin typeface="+mj-lt"/>
-              </a:rPr>
-              <a:t>);</a:t>
-            </a:r>
-          </a:p>
-          <a:p>
-            <a:pPr marL="0" indent="0">
-              <a:buNone/>
-            </a:pPr>
-            <a:r>
-              <a:rPr lang="en-US" sz="1400" dirty="0">
-                <a:latin typeface="+mj-lt"/>
-              </a:rPr>
-              <a:t>	</a:t>
-            </a:r>
-            <a:r>
-              <a:rPr lang="en-US" sz="1400" dirty="0" err="1" smtClean="0">
-                <a:latin typeface="+mj-lt"/>
-              </a:rPr>
-              <a:t>link.download</a:t>
-            </a:r>
-            <a:r>
-              <a:rPr lang="en-US" sz="1400" dirty="0" smtClean="0">
-                <a:latin typeface="+mj-lt"/>
-              </a:rPr>
-              <a:t> </a:t>
-            </a:r>
-            <a:r>
-              <a:rPr lang="en-US" sz="1400" dirty="0">
-                <a:latin typeface="+mj-lt"/>
-              </a:rPr>
-              <a:t>= </a:t>
-            </a:r>
-            <a:r>
-              <a:rPr lang="en-US" sz="1400" dirty="0" smtClean="0">
-                <a:latin typeface="+mj-lt"/>
-              </a:rPr>
-              <a:t>‘MyExcel.xls';</a:t>
-            </a:r>
-          </a:p>
-          <a:p>
-            <a:pPr marL="0" indent="0">
-              <a:buNone/>
-            </a:pPr>
-            <a:r>
-              <a:rPr lang="en-US" sz="1400" dirty="0">
-                <a:latin typeface="+mj-lt"/>
-              </a:rPr>
-              <a:t>	</a:t>
-            </a:r>
-            <a:r>
-              <a:rPr lang="en-US" sz="1400" dirty="0" err="1" smtClean="0">
-                <a:latin typeface="+mj-lt"/>
-              </a:rPr>
-              <a:t>document.body.appendChild</a:t>
-            </a:r>
-            <a:r>
-              <a:rPr lang="en-US" sz="1400" dirty="0" smtClean="0">
-                <a:latin typeface="+mj-lt"/>
-              </a:rPr>
-              <a:t>(link);</a:t>
-            </a:r>
-          </a:p>
-          <a:p>
-            <a:pPr marL="0" indent="0">
-              <a:buNone/>
-            </a:pPr>
-            <a:r>
-              <a:rPr lang="en-US" sz="1400" dirty="0">
-                <a:latin typeface="+mj-lt"/>
-              </a:rPr>
-              <a:t>	</a:t>
-            </a:r>
-            <a:r>
-              <a:rPr lang="en-US" sz="1400" dirty="0" err="1" smtClean="0">
-                <a:latin typeface="+mj-lt"/>
-              </a:rPr>
-              <a:t>link.click</a:t>
-            </a:r>
-            <a:r>
-              <a:rPr lang="en-US" sz="1400" dirty="0" smtClean="0">
-                <a:latin typeface="+mj-lt"/>
-              </a:rPr>
-              <a:t>();</a:t>
-            </a:r>
-          </a:p>
-          <a:p>
-            <a:pPr marL="0" indent="0">
-              <a:buNone/>
-            </a:pPr>
-            <a:r>
-              <a:rPr lang="en-US" sz="1400" dirty="0">
-                <a:latin typeface="+mj-lt"/>
-              </a:rPr>
-              <a:t>	</a:t>
-            </a:r>
-            <a:r>
-              <a:rPr lang="en-US" sz="1400" dirty="0" err="1" smtClean="0">
-                <a:latin typeface="+mj-lt"/>
-              </a:rPr>
-              <a:t>document.body.removeChild</a:t>
-            </a:r>
-            <a:r>
-              <a:rPr lang="en-US" sz="1400" dirty="0" smtClean="0">
-                <a:latin typeface="+mj-lt"/>
-              </a:rPr>
-              <a:t>(link)</a:t>
-            </a:r>
-          </a:p>
-          <a:p>
-            <a:pPr marL="0" indent="0">
-              <a:buNone/>
-            </a:pPr>
-            <a:r>
-              <a:rPr lang="en-US" sz="1400" dirty="0">
-                <a:latin typeface="+mj-lt"/>
-              </a:rPr>
-              <a:t>	</a:t>
-            </a:r>
-            <a:r>
-              <a:rPr lang="en-US" sz="1400" dirty="0" err="1" smtClean="0">
-                <a:latin typeface="+mj-lt"/>
-              </a:rPr>
-              <a:t>e.preventDefault</a:t>
-            </a:r>
-            <a:r>
-              <a:rPr lang="en-US" sz="1400" dirty="0">
-                <a:latin typeface="+mj-lt"/>
-              </a:rPr>
-              <a:t>();</a:t>
-            </a:r>
-            <a:endParaRPr lang="en-US" sz="1400" dirty="0">
-              <a:latin typeface="+mj-lt"/>
-              <a:cs typeface="Consolas" panose="020B0609020204030204" pitchFamily="49" charset="0"/>
-            </a:endParaRPr>
+              <a:rPr lang="en-US" dirty="0"/>
+              <a:t>           </a:t>
+            </a:r>
           </a:p>
         </p:txBody>
       </p:sp>
@@ -14289,10 +13572,547 @@
           </a:p>
         </p:txBody>
       </p:sp>
+      <p:sp>
+        <p:nvSpPr>
+          <p:cNvPr id="3" name="TextBox 2"/>
+          <p:cNvSpPr txBox="1"/>
+          <p:nvPr/>
+        </p:nvSpPr>
+        <p:spPr>
+          <a:xfrm>
+            <a:off x="438095" y="1587781"/>
+            <a:ext cx="10731636" cy="5262979"/>
+          </a:xfrm>
+          <a:prstGeom prst="rect">
+            <a:avLst/>
+          </a:prstGeom>
+          <a:noFill/>
+        </p:spPr>
+        <p:txBody>
+          <a:bodyPr wrap="square" rtlCol="0">
+            <a:spAutoFit/>
+          </a:bodyPr>
+          <a:lstStyle/>
+          <a:p>
+            <a:r>
+              <a:rPr lang="en-US" sz="1200" dirty="0" smtClean="0"/>
+              <a:t>	Rectangle </a:t>
+            </a:r>
+            <a:r>
+              <a:rPr lang="en-US" sz="1200" dirty="0" err="1"/>
+              <a:t>pagesize</a:t>
+            </a:r>
+            <a:r>
+              <a:rPr lang="en-US" sz="1200" dirty="0"/>
+              <a:t> = new </a:t>
+            </a:r>
+            <a:r>
+              <a:rPr lang="en-US" sz="1200" dirty="0" smtClean="0"/>
+              <a:t>Rectangle(20</a:t>
+            </a:r>
+            <a:r>
+              <a:rPr lang="en-US" sz="1200" dirty="0"/>
+              <a:t>, 20, PageSize.A4.Width, PageSize.A4.Height</a:t>
+            </a:r>
+            <a:r>
+              <a:rPr lang="en-US" sz="1200" dirty="0" smtClean="0"/>
+              <a:t>);</a:t>
+            </a:r>
+          </a:p>
+          <a:p>
+            <a:r>
+              <a:rPr lang="en-US" sz="1200" dirty="0"/>
+              <a:t>	</a:t>
+            </a:r>
+            <a:r>
+              <a:rPr lang="en-US" sz="1200" dirty="0" smtClean="0"/>
+              <a:t>Document </a:t>
+            </a:r>
+            <a:r>
+              <a:rPr lang="en-US" sz="1200" dirty="0"/>
+              <a:t>doc = new Document(</a:t>
+            </a:r>
+            <a:r>
+              <a:rPr lang="en-US" sz="1200" dirty="0" err="1"/>
+              <a:t>pagesize</a:t>
+            </a:r>
+            <a:r>
+              <a:rPr lang="en-US" sz="1200" dirty="0"/>
+              <a:t>, 10, 10, 30, 10);</a:t>
+            </a:r>
+          </a:p>
+          <a:p>
+            <a:r>
+              <a:rPr lang="en-US" sz="1200" dirty="0" smtClean="0"/>
+              <a:t>	</a:t>
+            </a:r>
+            <a:r>
+              <a:rPr lang="en-US" sz="1200" dirty="0" err="1" smtClean="0"/>
+              <a:t>MemoryStream</a:t>
+            </a:r>
+            <a:r>
+              <a:rPr lang="en-US" sz="1200" dirty="0" smtClean="0"/>
+              <a:t> </a:t>
+            </a:r>
+            <a:r>
+              <a:rPr lang="en-US" sz="1200" dirty="0" err="1"/>
+              <a:t>ms</a:t>
+            </a:r>
+            <a:r>
+              <a:rPr lang="en-US" sz="1200" dirty="0"/>
+              <a:t> = new </a:t>
+            </a:r>
+            <a:r>
+              <a:rPr lang="en-US" sz="1200" dirty="0" err="1"/>
+              <a:t>MemoryStream</a:t>
+            </a:r>
+            <a:r>
+              <a:rPr lang="en-US" sz="1200" dirty="0"/>
+              <a:t>();</a:t>
+            </a:r>
+          </a:p>
+          <a:p>
+            <a:r>
+              <a:rPr lang="en-US" sz="1200" dirty="0" smtClean="0"/>
+              <a:t>	</a:t>
+            </a:r>
+            <a:r>
+              <a:rPr lang="en-US" sz="1200" dirty="0" err="1" smtClean="0"/>
+              <a:t>PdfWriter</a:t>
+            </a:r>
+            <a:r>
+              <a:rPr lang="en-US" sz="1200" dirty="0" smtClean="0"/>
+              <a:t> </a:t>
+            </a:r>
+            <a:r>
+              <a:rPr lang="en-US" sz="1200" dirty="0"/>
+              <a:t>pw = </a:t>
+            </a:r>
+            <a:r>
+              <a:rPr lang="en-US" sz="1200" dirty="0" err="1"/>
+              <a:t>PdfWriter.GetInstance</a:t>
+            </a:r>
+            <a:r>
+              <a:rPr lang="en-US" sz="1200" dirty="0"/>
+              <a:t>(doc, </a:t>
+            </a:r>
+            <a:r>
+              <a:rPr lang="en-US" sz="1200" dirty="0" err="1"/>
+              <a:t>ms</a:t>
+            </a:r>
+            <a:r>
+              <a:rPr lang="en-US" sz="1200" dirty="0"/>
+              <a:t>);</a:t>
+            </a:r>
+          </a:p>
+          <a:p>
+            <a:r>
+              <a:rPr lang="en-US" sz="1200" dirty="0" smtClean="0"/>
+              <a:t>	</a:t>
+            </a:r>
+            <a:r>
+              <a:rPr lang="en-US" sz="1200" dirty="0" err="1" smtClean="0"/>
+              <a:t>doc.Open</a:t>
+            </a:r>
+            <a:r>
+              <a:rPr lang="en-US" sz="1200" dirty="0" smtClean="0"/>
+              <a:t>();</a:t>
+            </a:r>
+          </a:p>
+          <a:p>
+            <a:endParaRPr lang="en-US" sz="1200" dirty="0"/>
+          </a:p>
+          <a:p>
+            <a:r>
+              <a:rPr lang="en-US" sz="1200" dirty="0"/>
+              <a:t>	Paragraph p = new Paragraph</a:t>
+            </a:r>
+            <a:r>
+              <a:rPr lang="en-US" sz="1200" dirty="0" smtClean="0"/>
+              <a:t>();</a:t>
+            </a:r>
+          </a:p>
+          <a:p>
+            <a:r>
+              <a:rPr lang="en-US" sz="1200" dirty="0" smtClean="0"/>
+              <a:t>	</a:t>
+            </a:r>
+            <a:r>
+              <a:rPr lang="en-US" sz="1200" dirty="0" err="1" smtClean="0"/>
+              <a:t>p.Font.SetColor</a:t>
+            </a:r>
+            <a:r>
+              <a:rPr lang="en-US" sz="1200" dirty="0" smtClean="0"/>
+              <a:t>(0</a:t>
+            </a:r>
+            <a:r>
+              <a:rPr lang="en-US" sz="1200" dirty="0"/>
+              <a:t>, 0, 0</a:t>
+            </a:r>
+            <a:r>
+              <a:rPr lang="en-US" sz="1200" dirty="0" smtClean="0"/>
+              <a:t>);</a:t>
+            </a:r>
+          </a:p>
+          <a:p>
+            <a:r>
+              <a:rPr lang="en-US" sz="1200" dirty="0"/>
+              <a:t>	</a:t>
+            </a:r>
+            <a:r>
+              <a:rPr lang="en-US" sz="1200" dirty="0" err="1" smtClean="0"/>
+              <a:t>p.Add</a:t>
+            </a:r>
+            <a:r>
+              <a:rPr lang="en-US" sz="1200" dirty="0"/>
+              <a:t>("Student Listing");</a:t>
+            </a:r>
+          </a:p>
+          <a:p>
+            <a:r>
+              <a:rPr lang="en-US" sz="1200" dirty="0" smtClean="0"/>
+              <a:t>	</a:t>
+            </a:r>
+            <a:r>
+              <a:rPr lang="en-US" sz="1200" dirty="0" err="1" smtClean="0"/>
+              <a:t>doc.Add</a:t>
+            </a:r>
+            <a:r>
+              <a:rPr lang="en-US" sz="1200" dirty="0" smtClean="0"/>
+              <a:t>(p);</a:t>
+            </a:r>
+          </a:p>
+          <a:p>
+            <a:endParaRPr lang="en-US" sz="1200" dirty="0"/>
+          </a:p>
+          <a:p>
+            <a:r>
+              <a:rPr lang="en-US" sz="1200" dirty="0" smtClean="0"/>
+              <a:t>	float</a:t>
+            </a:r>
+            <a:r>
+              <a:rPr lang="en-US" sz="1200" dirty="0"/>
+              <a:t>[] widths = { 10, 20 </a:t>
+            </a:r>
+            <a:r>
+              <a:rPr lang="en-US" sz="1200" dirty="0" smtClean="0"/>
+              <a:t>};</a:t>
+            </a:r>
+          </a:p>
+          <a:p>
+            <a:r>
+              <a:rPr lang="en-US" sz="1200" dirty="0"/>
+              <a:t>	</a:t>
+            </a:r>
+            <a:r>
+              <a:rPr lang="en-US" sz="1200" dirty="0" err="1" smtClean="0"/>
+              <a:t>PdfPTable</a:t>
+            </a:r>
+            <a:r>
+              <a:rPr lang="en-US" sz="1200" dirty="0" smtClean="0"/>
+              <a:t> </a:t>
+            </a:r>
+            <a:r>
+              <a:rPr lang="en-US" sz="1200" dirty="0" err="1"/>
+              <a:t>tbl</a:t>
+            </a:r>
+            <a:r>
+              <a:rPr lang="en-US" sz="1200" dirty="0"/>
+              <a:t> = new </a:t>
+            </a:r>
+            <a:r>
+              <a:rPr lang="en-US" sz="1200" dirty="0" err="1"/>
+              <a:t>PdfPTable</a:t>
+            </a:r>
+            <a:r>
+              <a:rPr lang="en-US" sz="1200" dirty="0"/>
+              <a:t>(widths</a:t>
+            </a:r>
+            <a:r>
+              <a:rPr lang="en-US" sz="1200" dirty="0" smtClean="0"/>
+              <a:t>);</a:t>
+            </a:r>
+          </a:p>
+          <a:p>
+            <a:endParaRPr lang="en-US" sz="1200" dirty="0" smtClean="0"/>
+          </a:p>
+          <a:p>
+            <a:r>
+              <a:rPr lang="en-US" sz="1200" dirty="0"/>
+              <a:t>	</a:t>
+            </a:r>
+            <a:r>
+              <a:rPr lang="en-US" sz="1200" dirty="0" smtClean="0"/>
+              <a:t>Phrase </a:t>
+            </a:r>
+            <a:r>
+              <a:rPr lang="en-US" sz="1200" dirty="0"/>
+              <a:t>ph1 = new Phrase("No", new </a:t>
+            </a:r>
+            <a:r>
+              <a:rPr lang="en-US" sz="1200" dirty="0" smtClean="0"/>
+              <a:t>Font(</a:t>
+            </a:r>
+            <a:r>
+              <a:rPr lang="en-US" sz="1200" dirty="0" err="1" smtClean="0"/>
+              <a:t>Font.FontFamily.TIMES_ROMAN</a:t>
+            </a:r>
+            <a:r>
+              <a:rPr lang="en-US" sz="1200" dirty="0"/>
+              <a:t>, 10, </a:t>
+            </a:r>
+            <a:r>
+              <a:rPr lang="en-US" sz="1200" dirty="0" err="1" smtClean="0"/>
+              <a:t>Font.BOLD</a:t>
+            </a:r>
+            <a:r>
+              <a:rPr lang="en-US" sz="1200" dirty="0" smtClean="0"/>
+              <a:t>));</a:t>
+            </a:r>
+          </a:p>
+          <a:p>
+            <a:r>
+              <a:rPr lang="en-US" sz="1200" dirty="0"/>
+              <a:t>	</a:t>
+            </a:r>
+            <a:r>
+              <a:rPr lang="en-US" sz="1200" dirty="0" err="1" smtClean="0"/>
+              <a:t>PdfPCell</a:t>
+            </a:r>
+            <a:r>
+              <a:rPr lang="en-US" sz="1200" dirty="0" smtClean="0"/>
+              <a:t> </a:t>
+            </a:r>
+            <a:r>
+              <a:rPr lang="en-US" sz="1200" dirty="0"/>
+              <a:t>c1 = new </a:t>
+            </a:r>
+            <a:r>
+              <a:rPr lang="en-US" sz="1200" dirty="0" err="1"/>
+              <a:t>PdfPCell</a:t>
+            </a:r>
+            <a:r>
+              <a:rPr lang="en-US" sz="1200" dirty="0"/>
+              <a:t>(ph1</a:t>
+            </a:r>
+            <a:r>
+              <a:rPr lang="en-US" sz="1200" dirty="0" smtClean="0"/>
+              <a:t>);</a:t>
+            </a:r>
+          </a:p>
+          <a:p>
+            <a:r>
+              <a:rPr lang="en-US" sz="1200" dirty="0"/>
+              <a:t>	</a:t>
+            </a:r>
+            <a:r>
+              <a:rPr lang="en-US" sz="1200" dirty="0" smtClean="0"/>
+              <a:t>c1.HorizontalAlignment </a:t>
+            </a:r>
+            <a:r>
+              <a:rPr lang="en-US" sz="1200" dirty="0"/>
+              <a:t>= </a:t>
+            </a:r>
+            <a:r>
+              <a:rPr lang="en-US" sz="1200" dirty="0" err="1" smtClean="0"/>
+              <a:t>Element.ALIGN_CENTER</a:t>
+            </a:r>
+            <a:r>
+              <a:rPr lang="en-US" sz="1200" dirty="0" smtClean="0"/>
+              <a:t>;</a:t>
+            </a:r>
+          </a:p>
+          <a:p>
+            <a:r>
+              <a:rPr lang="en-US" sz="1200" dirty="0"/>
+              <a:t>	</a:t>
+            </a:r>
+            <a:r>
+              <a:rPr lang="en-US" sz="1200" dirty="0" err="1" smtClean="0"/>
+              <a:t>tbl.AddCell</a:t>
+            </a:r>
+            <a:r>
+              <a:rPr lang="en-US" sz="1200" dirty="0" smtClean="0"/>
+              <a:t>(c1);</a:t>
+            </a:r>
+          </a:p>
+          <a:p>
+            <a:endParaRPr lang="en-US" sz="1200" dirty="0"/>
+          </a:p>
+          <a:p>
+            <a:r>
+              <a:rPr lang="en-US" sz="1200" dirty="0" smtClean="0"/>
+              <a:t>	</a:t>
+            </a:r>
+            <a:r>
+              <a:rPr lang="en-US" sz="1200" dirty="0" err="1" smtClean="0"/>
+              <a:t>doc.Close</a:t>
+            </a:r>
+            <a:r>
+              <a:rPr lang="en-US" sz="1200" dirty="0" smtClean="0"/>
+              <a:t>();	byte</a:t>
+            </a:r>
+            <a:r>
+              <a:rPr lang="en-US" sz="1200" dirty="0"/>
+              <a:t>[] </a:t>
+            </a:r>
+            <a:r>
+              <a:rPr lang="en-US" sz="1200" dirty="0" err="1"/>
+              <a:t>byteArray</a:t>
+            </a:r>
+            <a:r>
+              <a:rPr lang="en-US" sz="1200" dirty="0"/>
+              <a:t> = </a:t>
+            </a:r>
+            <a:r>
+              <a:rPr lang="en-US" sz="1200" dirty="0" err="1"/>
+              <a:t>ms.ToArray</a:t>
+            </a:r>
+            <a:r>
+              <a:rPr lang="en-US" sz="1200" dirty="0" smtClean="0"/>
+              <a:t>();</a:t>
+            </a:r>
+          </a:p>
+          <a:p>
+            <a:r>
+              <a:rPr lang="en-US" sz="1200" dirty="0"/>
+              <a:t>	</a:t>
+            </a:r>
+            <a:r>
+              <a:rPr lang="en-US" sz="1200" dirty="0" err="1" smtClean="0"/>
+              <a:t>ms.Flush</a:t>
+            </a:r>
+            <a:r>
+              <a:rPr lang="en-US" sz="1200" dirty="0" smtClean="0"/>
+              <a:t>();	</a:t>
+            </a:r>
+            <a:r>
+              <a:rPr lang="en-US" sz="1200" dirty="0" err="1" smtClean="0"/>
+              <a:t>ms.Close</a:t>
+            </a:r>
+            <a:r>
+              <a:rPr lang="en-US" sz="1200" dirty="0" smtClean="0"/>
+              <a:t>();	</a:t>
+            </a:r>
+            <a:r>
+              <a:rPr lang="en-US" sz="1200" dirty="0" err="1" smtClean="0"/>
+              <a:t>ms.Dispose</a:t>
+            </a:r>
+            <a:r>
+              <a:rPr lang="en-US" sz="1200" dirty="0" smtClean="0"/>
+              <a:t>();</a:t>
+            </a:r>
+          </a:p>
+          <a:p>
+            <a:r>
+              <a:rPr lang="en-US" sz="1200" dirty="0"/>
+              <a:t>	</a:t>
+            </a:r>
+            <a:r>
+              <a:rPr lang="en-US" sz="1200" dirty="0" err="1" smtClean="0"/>
+              <a:t>Response.Clear</a:t>
+            </a:r>
+            <a:r>
+              <a:rPr lang="en-US" sz="1200" dirty="0" smtClean="0"/>
+              <a:t>();</a:t>
+            </a:r>
+          </a:p>
+          <a:p>
+            <a:r>
+              <a:rPr lang="en-US" sz="1200" dirty="0"/>
+              <a:t>	</a:t>
+            </a:r>
+            <a:r>
+              <a:rPr lang="en-US" sz="1200" dirty="0" err="1" smtClean="0"/>
+              <a:t>Response.AddHeader</a:t>
+            </a:r>
+            <a:r>
+              <a:rPr lang="en-US" sz="1200" dirty="0"/>
+              <a:t>("Content-Disposition", "attachment; filename=StudentListing.pdf</a:t>
+            </a:r>
+            <a:r>
+              <a:rPr lang="en-US" sz="1200" dirty="0" smtClean="0"/>
+              <a:t>");</a:t>
+            </a:r>
+          </a:p>
+          <a:p>
+            <a:r>
+              <a:rPr lang="en-US" sz="1200" dirty="0"/>
+              <a:t>	</a:t>
+            </a:r>
+            <a:r>
+              <a:rPr lang="en-US" sz="1200" dirty="0" err="1" smtClean="0"/>
+              <a:t>Response.AddHeader</a:t>
+            </a:r>
+            <a:r>
+              <a:rPr lang="en-US" sz="1200" dirty="0"/>
+              <a:t>("Content-Length", </a:t>
+            </a:r>
+            <a:r>
+              <a:rPr lang="en-US" sz="1200" dirty="0" err="1"/>
+              <a:t>byteArray.Length.ToString</a:t>
+            </a:r>
+            <a:r>
+              <a:rPr lang="en-US" sz="1200" dirty="0" smtClean="0"/>
+              <a:t>());</a:t>
+            </a:r>
+          </a:p>
+          <a:p>
+            <a:r>
+              <a:rPr lang="en-US" sz="1200" dirty="0"/>
+              <a:t>	</a:t>
+            </a:r>
+            <a:r>
+              <a:rPr lang="en-US" sz="1200" dirty="0" err="1" smtClean="0"/>
+              <a:t>Response.ContentType</a:t>
+            </a:r>
+            <a:r>
+              <a:rPr lang="en-US" sz="1200" dirty="0" smtClean="0"/>
+              <a:t> </a:t>
+            </a:r>
+            <a:r>
+              <a:rPr lang="en-US" sz="1200" dirty="0"/>
+              <a:t>= "application/octet-stream</a:t>
+            </a:r>
+            <a:r>
+              <a:rPr lang="en-US" sz="1200" dirty="0" smtClean="0"/>
+              <a:t>";</a:t>
+            </a:r>
+          </a:p>
+          <a:p>
+            <a:r>
+              <a:rPr lang="en-US" sz="1200" dirty="0"/>
+              <a:t>	</a:t>
+            </a:r>
+            <a:r>
+              <a:rPr lang="en-US" sz="1200" dirty="0" err="1" smtClean="0"/>
+              <a:t>Response.BinaryWrite</a:t>
+            </a:r>
+            <a:r>
+              <a:rPr lang="en-US" sz="1200" dirty="0" smtClean="0"/>
+              <a:t>(</a:t>
+            </a:r>
+            <a:r>
+              <a:rPr lang="en-US" sz="1200" dirty="0" err="1" smtClean="0"/>
+              <a:t>byteArray</a:t>
+            </a:r>
+            <a:r>
+              <a:rPr lang="en-US" sz="1200" dirty="0"/>
+              <a:t>);</a:t>
+            </a:r>
+          </a:p>
+          <a:p>
+            <a:endParaRPr lang="en-US" sz="1200" dirty="0" smtClean="0"/>
+          </a:p>
+          <a:p>
+            <a:endParaRPr lang="en-US" sz="1200" dirty="0"/>
+          </a:p>
+        </p:txBody>
+      </p:sp>
     </p:spTree>
     <p:extLst>
       <p:ext uri="{BB962C8B-B14F-4D97-AF65-F5344CB8AC3E}">
-        <p14:creationId xmlns:p14="http://schemas.microsoft.com/office/powerpoint/2010/main" val="1580344659"/>
+        <p14:creationId xmlns:p14="http://schemas.microsoft.com/office/powerpoint/2010/main" val="3910876746"/>
       </p:ext>
     </p:extLst>
   </p:cSld>
@@ -14346,7 +14166,7 @@
         </p:nvSpPr>
         <p:spPr>
           <a:xfrm>
-            <a:off x="541610" y="408867"/>
+            <a:off x="541610" y="448056"/>
             <a:ext cx="6856716" cy="640080"/>
           </a:xfrm>
         </p:spPr>
@@ -14358,7 +14178,7 @@
           <a:p>
             <a:r>
               <a:rPr lang="en-US" dirty="0" smtClean="0"/>
-              <a:t>IIS Server</a:t>
+              <a:t>Excel Downloading</a:t>
             </a:r>
             <a:endParaRPr lang="en-US" dirty="0">
               <a:latin typeface="Segoe UI Light" panose="020B0502040204020203" pitchFamily="34" charset="0"/>
@@ -14583,61 +14403,98 @@
             </a:lvl9pPr>
           </a:lstStyle>
           <a:p>
-            <a:pPr>
-              <a:buFont typeface="Wingdings" panose="05000000000000000000" pitchFamily="2" charset="2"/>
-              <a:buChar char="ü"/>
-            </a:pPr>
-            <a:r>
-              <a:rPr lang="en-US" sz="1600" dirty="0" smtClean="0">
-                <a:latin typeface="+mj-lt"/>
-                <a:cs typeface="Consolas" panose="020B0609020204030204" pitchFamily="49" charset="0"/>
-              </a:rPr>
-              <a:t>Internet Information Service</a:t>
-            </a:r>
-          </a:p>
-          <a:p>
-            <a:pPr>
-              <a:buFont typeface="Wingdings" panose="05000000000000000000" pitchFamily="2" charset="2"/>
-              <a:buChar char="ü"/>
-            </a:pPr>
-            <a:r>
-              <a:rPr lang="en-US" sz="1600" dirty="0" smtClean="0">
-                <a:latin typeface="+mj-lt"/>
-                <a:cs typeface="Consolas" panose="020B0609020204030204" pitchFamily="49" charset="0"/>
-              </a:rPr>
-              <a:t>Accept requests from clients and return appropriate responses</a:t>
-            </a:r>
-          </a:p>
-          <a:p>
-            <a:pPr>
-              <a:buFont typeface="Wingdings" panose="05000000000000000000" pitchFamily="2" charset="2"/>
-              <a:buChar char="ü"/>
-            </a:pPr>
-            <a:r>
-              <a:rPr lang="en-US" sz="1600" dirty="0" smtClean="0">
-                <a:latin typeface="+mj-lt"/>
-                <a:cs typeface="Consolas" panose="020B0609020204030204" pitchFamily="49" charset="0"/>
-              </a:rPr>
-              <a:t>Useful protocols</a:t>
-            </a:r>
-          </a:p>
-          <a:p>
             <a:pPr marL="0" indent="0">
               <a:buNone/>
             </a:pPr>
             <a:r>
-              <a:rPr lang="en-US" sz="1600" dirty="0">
-                <a:latin typeface="+mj-lt"/>
-                <a:cs typeface="Consolas" panose="020B0609020204030204" pitchFamily="49" charset="0"/>
+              <a:rPr lang="en-US" sz="1600" dirty="0" smtClean="0">
+                <a:latin typeface="+mj-lt"/>
               </a:rPr>
               <a:t>	</a:t>
             </a:r>
             <a:r>
-              <a:rPr lang="en-US" sz="1600" dirty="0" smtClean="0">
-                <a:latin typeface="+mj-lt"/>
-                <a:cs typeface="Consolas" panose="020B0609020204030204" pitchFamily="49" charset="0"/>
-              </a:rPr>
-              <a:t>Http with port 80</a:t>
+              <a:rPr lang="en-US" sz="1400" dirty="0" err="1" smtClean="0">
+                <a:latin typeface="+mj-lt"/>
+              </a:rPr>
+              <a:t>var</a:t>
+            </a:r>
+            <a:r>
+              <a:rPr lang="en-US" sz="1400" dirty="0" smtClean="0">
+                <a:latin typeface="+mj-lt"/>
+              </a:rPr>
+              <a:t> </a:t>
+            </a:r>
+            <a:r>
+              <a:rPr lang="en-US" sz="1400" dirty="0" err="1" smtClean="0">
+                <a:latin typeface="+mj-lt"/>
+              </a:rPr>
+              <a:t>tableContent</a:t>
+            </a:r>
+            <a:r>
+              <a:rPr lang="en-US" sz="1400" dirty="0" smtClean="0">
+                <a:latin typeface="+mj-lt"/>
+              </a:rPr>
+              <a:t>=“&lt;table&gt;&lt;</a:t>
+            </a:r>
+            <a:r>
+              <a:rPr lang="en-US" sz="1400" dirty="0" err="1" smtClean="0">
+                <a:latin typeface="+mj-lt"/>
+              </a:rPr>
+              <a:t>tr</a:t>
+            </a:r>
+            <a:r>
+              <a:rPr lang="en-US" sz="1400" dirty="0" smtClean="0">
+                <a:latin typeface="+mj-lt"/>
+              </a:rPr>
+              <a:t>&gt;</a:t>
+            </a:r>
+            <a:r>
+              <a:rPr lang="en-US" sz="1400" dirty="0">
+                <a:latin typeface="+mj-lt"/>
+              </a:rPr>
+              <a:t>&lt;td&gt;Name&lt;/td</a:t>
+            </a:r>
+            <a:r>
+              <a:rPr lang="en-US" sz="1400" dirty="0" smtClean="0">
+                <a:latin typeface="+mj-lt"/>
+              </a:rPr>
+              <a:t>&gt;</a:t>
+            </a:r>
+            <a:r>
+              <a:rPr lang="en-US" sz="1400" dirty="0">
+                <a:latin typeface="+mj-lt"/>
+              </a:rPr>
+              <a:t>&lt;</a:t>
+            </a:r>
+            <a:r>
+              <a:rPr lang="en-US" sz="1400" dirty="0" smtClean="0">
+                <a:latin typeface="+mj-lt"/>
+              </a:rPr>
+              <a:t>td&gt;Address&lt;/</a:t>
+            </a:r>
+            <a:r>
+              <a:rPr lang="en-US" sz="1400" dirty="0">
+                <a:latin typeface="+mj-lt"/>
+              </a:rPr>
+              <a:t>td&gt;</a:t>
+            </a:r>
+            <a:r>
+              <a:rPr lang="en-US" sz="1400" dirty="0" smtClean="0">
+                <a:latin typeface="+mj-lt"/>
+              </a:rPr>
+              <a:t>&lt;/</a:t>
+            </a:r>
+            <a:r>
+              <a:rPr lang="en-US" sz="1400" dirty="0" err="1" smtClean="0">
+                <a:latin typeface="+mj-lt"/>
+              </a:rPr>
+              <a:t>tr</a:t>
+            </a:r>
+            <a:r>
+              <a:rPr lang="en-US" sz="1400" dirty="0" smtClean="0">
+                <a:latin typeface="+mj-lt"/>
+              </a:rPr>
+              <a:t>&gt;&lt;/table&gt;”;</a:t>
             </a:r>
           </a:p>
           <a:p>
@@ -14645,18 +14502,46 @@
               <a:buNone/>
             </a:pPr>
             <a:r>
-              <a:rPr lang="en-US" sz="1600" dirty="0">
-                <a:latin typeface="+mj-lt"/>
-                <a:cs typeface="Consolas" panose="020B0609020204030204" pitchFamily="49" charset="0"/>
+              <a:rPr lang="en-US" sz="1400" dirty="0">
+                <a:latin typeface="+mj-lt"/>
               </a:rPr>
               <a:t>	</a:t>
             </a:r>
             <a:r>
-              <a:rPr lang="en-US" sz="1600" dirty="0" smtClean="0">
-                <a:latin typeface="+mj-lt"/>
-                <a:cs typeface="Consolas" panose="020B0609020204030204" pitchFamily="49" charset="0"/>
-              </a:rPr>
-              <a:t>Https with port 443</a:t>
+              <a:rPr lang="en-US" sz="1400" dirty="0" err="1" smtClean="0">
+                <a:latin typeface="+mj-lt"/>
+              </a:rPr>
+              <a:t>var</a:t>
+            </a:r>
+            <a:r>
+              <a:rPr lang="en-US" sz="1400" dirty="0" smtClean="0">
+                <a:latin typeface="+mj-lt"/>
+              </a:rPr>
+              <a:t> link </a:t>
+            </a:r>
+            <a:r>
+              <a:rPr lang="en-US" sz="1400" dirty="0">
+                <a:latin typeface="+mj-lt"/>
+              </a:rPr>
+              <a:t>= </a:t>
+            </a:r>
+            <a:r>
+              <a:rPr lang="en-US" sz="1400" dirty="0" err="1">
+                <a:latin typeface="+mj-lt"/>
+              </a:rPr>
+              <a:t>document.createElement</a:t>
+            </a:r>
+            <a:r>
+              <a:rPr lang="en-US" sz="1400" dirty="0">
+                <a:latin typeface="+mj-lt"/>
+              </a:rPr>
+              <a:t>('a</a:t>
+            </a:r>
+            <a:r>
+              <a:rPr lang="en-US" sz="1400" dirty="0" smtClean="0">
+                <a:latin typeface="+mj-lt"/>
+              </a:rPr>
+              <a:t>');</a:t>
             </a:r>
           </a:p>
           <a:p>
@@ -14664,18 +14549,76 @@
               <a:buNone/>
             </a:pPr>
             <a:r>
-              <a:rPr lang="en-US" sz="1600" dirty="0">
-                <a:latin typeface="+mj-lt"/>
-                <a:cs typeface="Consolas" panose="020B0609020204030204" pitchFamily="49" charset="0"/>
+              <a:rPr lang="en-US" sz="1400" dirty="0">
+                <a:latin typeface="+mj-lt"/>
               </a:rPr>
               <a:t>	</a:t>
             </a:r>
             <a:r>
-              <a:rPr lang="en-US" sz="1600" dirty="0" smtClean="0">
-                <a:latin typeface="+mj-lt"/>
-                <a:cs typeface="Consolas" panose="020B0609020204030204" pitchFamily="49" charset="0"/>
-              </a:rPr>
-              <a:t>Ftp with port 21</a:t>
+              <a:rPr lang="en-US" sz="1400" dirty="0" err="1" smtClean="0">
+                <a:latin typeface="+mj-lt"/>
+              </a:rPr>
+              <a:t>link.href</a:t>
+            </a:r>
+            <a:r>
+              <a:rPr lang="en-US" sz="1400" dirty="0" smtClean="0">
+                <a:latin typeface="+mj-lt"/>
+              </a:rPr>
+              <a:t> </a:t>
+            </a:r>
+            <a:r>
+              <a:rPr lang="en-US" sz="1400" dirty="0">
+                <a:latin typeface="+mj-lt"/>
+              </a:rPr>
+              <a:t>= '</a:t>
+            </a:r>
+            <a:r>
+              <a:rPr lang="en-US" sz="1400" dirty="0" err="1">
+                <a:latin typeface="+mj-lt"/>
+              </a:rPr>
+              <a:t>data:text</a:t>
+            </a:r>
+            <a:r>
+              <a:rPr lang="en-US" sz="1400" dirty="0">
+                <a:latin typeface="+mj-lt"/>
+              </a:rPr>
+              <a:t>/</a:t>
+            </a:r>
+            <a:r>
+              <a:rPr lang="en-US" sz="1400" dirty="0" err="1">
+                <a:latin typeface="+mj-lt"/>
+              </a:rPr>
+              <a:t>excel;charset</a:t>
+            </a:r>
+            <a:r>
+              <a:rPr lang="en-US" sz="1400" dirty="0">
+                <a:latin typeface="+mj-lt"/>
+              </a:rPr>
+              <a:t>=utf-8,' + </a:t>
+            </a:r>
+            <a:r>
+              <a:rPr lang="en-US" sz="1400" dirty="0" err="1">
+                <a:latin typeface="+mj-lt"/>
+              </a:rPr>
+              <a:t>encodeURIComponent</a:t>
+            </a:r>
+            <a:r>
+              <a:rPr lang="en-US" sz="1400" dirty="0">
+                <a:latin typeface="+mj-lt"/>
+              </a:rPr>
+              <a:t>(</a:t>
+            </a:r>
+            <a:r>
+              <a:rPr lang="en-US" sz="1400" dirty="0" err="1">
+                <a:latin typeface="+mj-lt"/>
+              </a:rPr>
+              <a:t>tableContent</a:t>
+            </a:r>
+            <a:r>
+              <a:rPr lang="en-US" sz="1400" dirty="0" smtClean="0">
+                <a:latin typeface="+mj-lt"/>
+              </a:rPr>
+              <a:t>);</a:t>
             </a:r>
           </a:p>
           <a:p>
@@ -14683,27 +14626,128 @@
               <a:buNone/>
             </a:pPr>
             <a:r>
-              <a:rPr lang="en-US" sz="1600" dirty="0">
-                <a:latin typeface="+mj-lt"/>
-                <a:cs typeface="Consolas" panose="020B0609020204030204" pitchFamily="49" charset="0"/>
+              <a:rPr lang="en-US" sz="1400" dirty="0">
+                <a:latin typeface="+mj-lt"/>
               </a:rPr>
               <a:t>	</a:t>
             </a:r>
             <a:r>
-              <a:rPr lang="en-US" sz="1600" dirty="0" err="1" smtClean="0">
-                <a:latin typeface="+mj-lt"/>
-                <a:cs typeface="Consolas" panose="020B0609020204030204" pitchFamily="49" charset="0"/>
-              </a:rPr>
-              <a:t>Sftp</a:t>
-            </a:r>
-            <a:r>
-              <a:rPr lang="en-US" sz="1600" dirty="0" smtClean="0">
-                <a:latin typeface="+mj-lt"/>
-                <a:cs typeface="Consolas" panose="020B0609020204030204" pitchFamily="49" charset="0"/>
-              </a:rPr>
-              <a:t> with port 22</a:t>
-            </a:r>
-            <a:endParaRPr lang="en-US" sz="1600" dirty="0">
+              <a:rPr lang="en-US" sz="1400" dirty="0" err="1" smtClean="0">
+                <a:latin typeface="+mj-lt"/>
+              </a:rPr>
+              <a:t>link.download</a:t>
+            </a:r>
+            <a:r>
+              <a:rPr lang="en-US" sz="1400" dirty="0" smtClean="0">
+                <a:latin typeface="+mj-lt"/>
+              </a:rPr>
+              <a:t> </a:t>
+            </a:r>
+            <a:r>
+              <a:rPr lang="en-US" sz="1400" dirty="0">
+                <a:latin typeface="+mj-lt"/>
+              </a:rPr>
+              <a:t>= </a:t>
+            </a:r>
+            <a:r>
+              <a:rPr lang="en-US" sz="1400" dirty="0" smtClean="0">
+                <a:latin typeface="+mj-lt"/>
+              </a:rPr>
+              <a:t>‘MyExcel.xls';</a:t>
+            </a:r>
+          </a:p>
+          <a:p>
+            <a:pPr marL="0" indent="0">
+              <a:buNone/>
+            </a:pPr>
+            <a:r>
+              <a:rPr lang="en-US" sz="1400" dirty="0">
+                <a:latin typeface="+mj-lt"/>
+              </a:rPr>
+              <a:t>	</a:t>
+            </a:r>
+            <a:r>
+              <a:rPr lang="en-US" sz="1400" dirty="0" err="1" smtClean="0">
+                <a:latin typeface="+mj-lt"/>
+              </a:rPr>
+              <a:t>document.body.appendChild</a:t>
+            </a:r>
+            <a:r>
+              <a:rPr lang="en-US" sz="1400" dirty="0" smtClean="0">
+                <a:latin typeface="+mj-lt"/>
+              </a:rPr>
+              <a:t>(link);</a:t>
+            </a:r>
+          </a:p>
+          <a:p>
+            <a:pPr marL="0" indent="0">
+              <a:buNone/>
+            </a:pPr>
+            <a:r>
+              <a:rPr lang="en-US" sz="1400" dirty="0">
+                <a:latin typeface="+mj-lt"/>
+              </a:rPr>
+              <a:t>	</a:t>
+            </a:r>
+            <a:r>
+              <a:rPr lang="en-US" sz="1400" dirty="0" err="1" smtClean="0">
+                <a:latin typeface="+mj-lt"/>
+              </a:rPr>
+              <a:t>link.click</a:t>
+            </a:r>
+            <a:r>
+              <a:rPr lang="en-US" sz="1400" dirty="0" smtClean="0">
+                <a:latin typeface="+mj-lt"/>
+              </a:rPr>
+              <a:t>();</a:t>
+            </a:r>
+          </a:p>
+          <a:p>
+            <a:pPr marL="0" indent="0">
+              <a:buNone/>
+            </a:pPr>
+            <a:r>
+              <a:rPr lang="en-US" sz="1400" dirty="0">
+                <a:latin typeface="+mj-lt"/>
+              </a:rPr>
+              <a:t>	</a:t>
+            </a:r>
+            <a:r>
+              <a:rPr lang="en-US" sz="1400" dirty="0" err="1" smtClean="0">
+                <a:latin typeface="+mj-lt"/>
+              </a:rPr>
+              <a:t>document.body.removeChild</a:t>
+            </a:r>
+            <a:r>
+              <a:rPr lang="en-US" sz="1400" dirty="0" smtClean="0">
+                <a:latin typeface="+mj-lt"/>
+              </a:rPr>
+              <a:t>(link)</a:t>
+            </a:r>
+          </a:p>
+          <a:p>
+            <a:pPr marL="0" indent="0">
+              <a:buNone/>
+            </a:pPr>
+            <a:r>
+              <a:rPr lang="en-US" sz="1400" dirty="0">
+                <a:latin typeface="+mj-lt"/>
+              </a:rPr>
+              <a:t>	</a:t>
+            </a:r>
+            <a:r>
+              <a:rPr lang="en-US" sz="1400" dirty="0" err="1" smtClean="0">
+                <a:latin typeface="+mj-lt"/>
+              </a:rPr>
+              <a:t>e.preventDefault</a:t>
+            </a:r>
+            <a:r>
+              <a:rPr lang="en-US" sz="1400" dirty="0">
+                <a:latin typeface="+mj-lt"/>
+              </a:rPr>
+              <a:t>();</a:t>
+            </a:r>
+            <a:endParaRPr lang="en-US" sz="1400" dirty="0">
               <a:latin typeface="+mj-lt"/>
               <a:cs typeface="Consolas" panose="020B0609020204030204" pitchFamily="49" charset="0"/>
             </a:endParaRPr>
@@ -14858,7 +14902,7 @@
     </p:spTree>
     <p:extLst>
       <p:ext uri="{BB962C8B-B14F-4D97-AF65-F5344CB8AC3E}">
-        <p14:creationId xmlns:p14="http://schemas.microsoft.com/office/powerpoint/2010/main" val="1109198011"/>
+        <p14:creationId xmlns:p14="http://schemas.microsoft.com/office/powerpoint/2010/main" val="1580344659"/>
       </p:ext>
     </p:extLst>
   </p:cSld>
@@ -14924,7 +14968,7 @@
           <a:p>
             <a:r>
               <a:rPr lang="en-US" dirty="0" smtClean="0"/>
-              <a:t>Deployment on IIS</a:t>
+              <a:t>IIS Server</a:t>
             </a:r>
             <a:endParaRPr lang="en-US" dirty="0">
               <a:latin typeface="Segoe UI Light" panose="020B0502040204020203" pitchFamily="34" charset="0"/>
@@ -15158,12 +15202,8 @@
                 <a:latin typeface="+mj-lt"/>
                 <a:cs typeface="Consolas" panose="020B0609020204030204" pitchFamily="49" charset="0"/>
               </a:rPr>
-              <a:t>Build solution</a:t>
-            </a:r>
-            <a:endParaRPr lang="en-US" sz="1600" dirty="0" smtClean="0">
-              <a:latin typeface="+mj-lt"/>
-              <a:cs typeface="Consolas" panose="020B0609020204030204" pitchFamily="49" charset="0"/>
-            </a:endParaRPr>
+              <a:t>Internet Information Service</a:t>
+            </a:r>
           </a:p>
           <a:p>
             <a:pPr>
@@ -15175,12 +15215,8 @@
                 <a:latin typeface="+mj-lt"/>
                 <a:cs typeface="Consolas" panose="020B0609020204030204" pitchFamily="49" charset="0"/>
               </a:rPr>
-              <a:t>Click Publish on Build menu</a:t>
-            </a:r>
-            <a:endParaRPr lang="en-US" sz="1600" dirty="0" smtClean="0">
-              <a:latin typeface="+mj-lt"/>
-              <a:cs typeface="Consolas" panose="020B0609020204030204" pitchFamily="49" charset="0"/>
-            </a:endParaRPr>
+              <a:t>Accept requests from clients and return appropriate responses</a:t>
+            </a:r>
           </a:p>
           <a:p>
             <a:pPr>
@@ -15192,51 +15228,91 @@
                 <a:latin typeface="+mj-lt"/>
                 <a:cs typeface="Consolas" panose="020B0609020204030204" pitchFamily="49" charset="0"/>
               </a:rPr>
-              <a:t>Select IIS,FTP, </a:t>
+              <a:t>Useful protocols</a:t>
+            </a:r>
+          </a:p>
+          <a:p>
+            <a:pPr marL="0" indent="0">
+              <a:buNone/>
+            </a:pPr>
+            <a:r>
+              <a:rPr lang="en-US" sz="1600" dirty="0">
+                <a:latin typeface="+mj-lt"/>
+                <a:cs typeface="Consolas" panose="020B0609020204030204" pitchFamily="49" charset="0"/>
+              </a:rPr>
+              <a:t>	</a:t>
+            </a:r>
+            <a:r>
+              <a:rPr lang="en-US" sz="1600" dirty="0" smtClean="0">
+                <a:latin typeface="+mj-lt"/>
+                <a:cs typeface="Consolas" panose="020B0609020204030204" pitchFamily="49" charset="0"/>
+              </a:rPr>
+              <a:t>Http with port 80</a:t>
+            </a:r>
+          </a:p>
+          <a:p>
+            <a:pPr marL="0" indent="0">
+              <a:buNone/>
+            </a:pPr>
+            <a:r>
+              <a:rPr lang="en-US" sz="1600" dirty="0">
+                <a:latin typeface="+mj-lt"/>
+                <a:cs typeface="Consolas" panose="020B0609020204030204" pitchFamily="49" charset="0"/>
+              </a:rPr>
+              <a:t>	</a:t>
+            </a:r>
+            <a:r>
+              <a:rPr lang="en-US" sz="1600" dirty="0" smtClean="0">
+                <a:latin typeface="+mj-lt"/>
+                <a:cs typeface="Consolas" panose="020B0609020204030204" pitchFamily="49" charset="0"/>
+              </a:rPr>
+              <a:t>Https with port 443</a:t>
+            </a:r>
+          </a:p>
+          <a:p>
+            <a:pPr marL="0" indent="0">
+              <a:buNone/>
+            </a:pPr>
+            <a:r>
+              <a:rPr lang="en-US" sz="1600" dirty="0">
+                <a:latin typeface="+mj-lt"/>
+                <a:cs typeface="Consolas" panose="020B0609020204030204" pitchFamily="49" charset="0"/>
+              </a:rPr>
+              <a:t>	</a:t>
+            </a:r>
+            <a:r>
+              <a:rPr lang="en-US" sz="1600" dirty="0" smtClean="0">
+                <a:latin typeface="+mj-lt"/>
+                <a:cs typeface="Consolas" panose="020B0609020204030204" pitchFamily="49" charset="0"/>
+              </a:rPr>
+              <a:t>Ftp with port 21</a:t>
+            </a:r>
+          </a:p>
+          <a:p>
+            <a:pPr marL="0" indent="0">
+              <a:buNone/>
+            </a:pPr>
+            <a:r>
+              <a:rPr lang="en-US" sz="1600" dirty="0">
+                <a:latin typeface="+mj-lt"/>
+                <a:cs typeface="Consolas" panose="020B0609020204030204" pitchFamily="49" charset="0"/>
+              </a:rPr>
+              <a:t>	</a:t>
             </a:r>
             <a:r>
               <a:rPr lang="en-US" sz="1600" dirty="0" err="1" smtClean="0">
                 <a:latin typeface="+mj-lt"/>
                 <a:cs typeface="Consolas" panose="020B0609020204030204" pitchFamily="49" charset="0"/>
               </a:rPr>
-              <a:t>etc</a:t>
-            </a:r>
-            <a:endParaRPr lang="en-US" sz="1600" dirty="0" smtClean="0">
-              <a:latin typeface="+mj-lt"/>
-              <a:cs typeface="Consolas" panose="020B0609020204030204" pitchFamily="49" charset="0"/>
-            </a:endParaRPr>
-          </a:p>
-          <a:p>
-            <a:pPr>
-              <a:buFont typeface="Wingdings" panose="05000000000000000000" pitchFamily="2" charset="2"/>
-              <a:buChar char="ü"/>
-            </a:pPr>
+              <a:t>Sftp</a:t>
+            </a:r>
             <a:r>
               <a:rPr lang="en-US" sz="1600" dirty="0" smtClean="0">
                 <a:latin typeface="+mj-lt"/>
                 <a:cs typeface="Consolas" panose="020B0609020204030204" pitchFamily="49" charset="0"/>
               </a:rPr>
-              <a:t>Click configure and Publish</a:t>
-            </a:r>
-          </a:p>
-          <a:p>
-            <a:pPr>
-              <a:buFont typeface="Wingdings" panose="05000000000000000000" pitchFamily="2" charset="2"/>
-              <a:buChar char="ü"/>
-            </a:pPr>
-            <a:r>
-              <a:rPr lang="en-US" sz="1600" dirty="0" smtClean="0">
-                <a:latin typeface="+mj-lt"/>
-                <a:cs typeface="Consolas" panose="020B0609020204030204" pitchFamily="49" charset="0"/>
-              </a:rPr>
-              <a:t>Choose File System in publish method and specify Target</a:t>
-            </a:r>
-          </a:p>
-          <a:p>
-            <a:pPr>
-              <a:buFont typeface="Wingdings" panose="05000000000000000000" pitchFamily="2" charset="2"/>
-              <a:buChar char="ü"/>
-            </a:pPr>
+              <a:t> with port 22</a:t>
+            </a:r>
             <a:endParaRPr lang="en-US" sz="1600" dirty="0">
               <a:latin typeface="+mj-lt"/>
               <a:cs typeface="Consolas" panose="020B0609020204030204" pitchFamily="49" charset="0"/>
@@ -15392,18 +15468,18 @@
     </p:spTree>
     <p:extLst>
       <p:ext uri="{BB962C8B-B14F-4D97-AF65-F5344CB8AC3E}">
-        <p14:creationId xmlns:p14="http://schemas.microsoft.com/office/powerpoint/2010/main" val="1194589014"/>
+        <p14:creationId xmlns:p14="http://schemas.microsoft.com/office/powerpoint/2010/main" val="1109198011"/>
       </p:ext>
     </p:extLst>
   </p:cSld>
   <p:clrMapOvr>
     <a:masterClrMapping/>
   </p:clrMapOvr>
-  <mc:AlternateContent xmlns:mc="http://schemas.openxmlformats.org/markup-compatibility/2006">
-    <mc:Choice xmlns:p14="http://schemas.microsoft.com/office/powerpoint/2010/main" Requires="p14">
+  <mc:AlternateContent xmlns:mc="http://schemas.openxmlformats.org/markup-compatibility/2006" xmlns:p14="http://schemas.microsoft.com/office/powerpoint/2010/main">
+    <mc:Choice Requires="p14">
       <p:transition p14:dur="10"/>
     </mc:Choice>
-    <mc:Fallback>
+    <mc:Fallback xmlns="">
       <p:transition/>
     </mc:Fallback>
   </mc:AlternateContent>
@@ -15446,7 +15522,7 @@
         </p:nvSpPr>
         <p:spPr>
           <a:xfrm>
-            <a:off x="541610" y="448056"/>
+            <a:off x="541610" y="408867"/>
             <a:ext cx="6856716" cy="640080"/>
           </a:xfrm>
         </p:spPr>
@@ -15458,7 +15534,7 @@
           <a:p>
             <a:r>
               <a:rPr lang="en-US" dirty="0" smtClean="0"/>
-              <a:t>File Uploading</a:t>
+              <a:t>Deployment on IIS</a:t>
             </a:r>
             <a:endParaRPr lang="en-US" dirty="0">
               <a:latin typeface="Segoe UI Light" panose="020B0502040204020203" pitchFamily="34" charset="0"/>
@@ -15683,167 +15759,86 @@
             </a:lvl9pPr>
           </a:lstStyle>
           <a:p>
-            <a:pPr marL="0" indent="0">
-              <a:buNone/>
+            <a:pPr>
+              <a:buFont typeface="Wingdings" panose="05000000000000000000" pitchFamily="2" charset="2"/>
+              <a:buChar char="ü"/>
             </a:pPr>
             <a:r>
-              <a:rPr lang="en-US" sz="1600" dirty="0">
-                <a:latin typeface="+mj-lt"/>
-              </a:rPr>
-              <a:t>public </a:t>
-            </a:r>
-            <a:r>
-              <a:rPr lang="en-US" sz="1600" dirty="0" err="1">
-                <a:latin typeface="+mj-lt"/>
-              </a:rPr>
-              <a:t>ActionResult</a:t>
-            </a:r>
-            <a:r>
-              <a:rPr lang="en-US" sz="1600" dirty="0">
-                <a:latin typeface="+mj-lt"/>
-              </a:rPr>
-              <a:t> </a:t>
-            </a:r>
-            <a:r>
-              <a:rPr lang="en-US" sz="1600" dirty="0" err="1">
-                <a:latin typeface="+mj-lt"/>
-              </a:rPr>
-              <a:t>CheckExists</a:t>
-            </a:r>
-            <a:r>
-              <a:rPr lang="en-US" sz="1600" dirty="0">
-                <a:latin typeface="+mj-lt"/>
-              </a:rPr>
-              <a:t>(string </a:t>
-            </a:r>
-            <a:r>
-              <a:rPr lang="en-US" sz="1600" dirty="0" err="1">
-                <a:latin typeface="+mj-lt"/>
-              </a:rPr>
-              <a:t>rolNo</a:t>
-            </a:r>
-            <a:r>
-              <a:rPr lang="en-US" sz="1600" dirty="0">
-                <a:latin typeface="+mj-lt"/>
-              </a:rPr>
-              <a:t>, string name)</a:t>
-            </a:r>
-          </a:p>
-          <a:p>
-            <a:pPr marL="0" indent="0">
-              <a:buNone/>
+              <a:rPr lang="en-US" sz="1600" dirty="0" smtClean="0">
+                <a:latin typeface="+mj-lt"/>
+                <a:cs typeface="Consolas" panose="020B0609020204030204" pitchFamily="49" charset="0"/>
+              </a:rPr>
+              <a:t>Build solution</a:t>
+            </a:r>
+          </a:p>
+          <a:p>
+            <a:pPr>
+              <a:buFont typeface="Wingdings" panose="05000000000000000000" pitchFamily="2" charset="2"/>
+              <a:buChar char="ü"/>
             </a:pPr>
             <a:r>
-              <a:rPr lang="en-US" sz="1600" dirty="0">
-                <a:latin typeface="+mj-lt"/>
-              </a:rPr>
-              <a:t>        {</a:t>
-            </a:r>
-          </a:p>
-          <a:p>
-            <a:pPr marL="0" indent="0">
-              <a:buNone/>
+              <a:rPr lang="en-US" sz="1600" dirty="0" smtClean="0">
+                <a:latin typeface="+mj-lt"/>
+                <a:cs typeface="Consolas" panose="020B0609020204030204" pitchFamily="49" charset="0"/>
+              </a:rPr>
+              <a:t>Click Publish on Build menu</a:t>
+            </a:r>
+          </a:p>
+          <a:p>
+            <a:pPr>
+              <a:buFont typeface="Wingdings" panose="05000000000000000000" pitchFamily="2" charset="2"/>
+              <a:buChar char="ü"/>
             </a:pPr>
             <a:r>
-              <a:rPr lang="en-US" sz="1600" dirty="0">
-                <a:latin typeface="+mj-lt"/>
-              </a:rPr>
-              <a:t>            </a:t>
-            </a:r>
-            <a:r>
-              <a:rPr lang="en-US" sz="1600" dirty="0" err="1">
-                <a:latin typeface="+mj-lt"/>
-              </a:rPr>
-              <a:t>ResultModel</a:t>
-            </a:r>
-            <a:r>
-              <a:rPr lang="en-US" sz="1600" dirty="0">
-                <a:latin typeface="+mj-lt"/>
-              </a:rPr>
-              <a:t> </a:t>
-            </a:r>
-            <a:r>
-              <a:rPr lang="en-US" sz="1600" dirty="0" err="1">
-                <a:latin typeface="+mj-lt"/>
-              </a:rPr>
-              <a:t>resultModel</a:t>
-            </a:r>
-            <a:r>
-              <a:rPr lang="en-US" sz="1600" dirty="0">
-                <a:latin typeface="+mj-lt"/>
-              </a:rPr>
-              <a:t> = new </a:t>
-            </a:r>
-            <a:r>
-              <a:rPr lang="en-US" sz="1600" dirty="0" err="1">
-                <a:latin typeface="+mj-lt"/>
-              </a:rPr>
-              <a:t>ResultModel</a:t>
-            </a:r>
-            <a:r>
-              <a:rPr lang="en-US" sz="1600" dirty="0">
-                <a:latin typeface="+mj-lt"/>
-              </a:rPr>
-              <a:t>() { Code=1,Description="Exists"};</a:t>
-            </a:r>
-          </a:p>
-          <a:p>
-            <a:pPr marL="0" indent="0">
-              <a:buNone/>
+              <a:rPr lang="en-US" sz="1600" dirty="0" smtClean="0">
+                <a:latin typeface="+mj-lt"/>
+                <a:cs typeface="Consolas" panose="020B0609020204030204" pitchFamily="49" charset="0"/>
+              </a:rPr>
+              <a:t>Select IIS,FTP, </a:t>
+            </a:r>
+            <a:r>
+              <a:rPr lang="en-US" sz="1600" dirty="0" err="1" smtClean="0">
+                <a:latin typeface="+mj-lt"/>
+                <a:cs typeface="Consolas" panose="020B0609020204030204" pitchFamily="49" charset="0"/>
+              </a:rPr>
+              <a:t>etc</a:t>
+            </a:r>
+            <a:endParaRPr lang="en-US" sz="1600" dirty="0" smtClean="0">
+              <a:latin typeface="+mj-lt"/>
+              <a:cs typeface="Consolas" panose="020B0609020204030204" pitchFamily="49" charset="0"/>
+            </a:endParaRPr>
+          </a:p>
+          <a:p>
+            <a:pPr>
+              <a:buFont typeface="Wingdings" panose="05000000000000000000" pitchFamily="2" charset="2"/>
+              <a:buChar char="ü"/>
             </a:pPr>
             <a:r>
-              <a:rPr lang="en-US" sz="1600" dirty="0">
-                <a:latin typeface="+mj-lt"/>
-              </a:rPr>
-              <a:t>            return </a:t>
-            </a:r>
-            <a:r>
-              <a:rPr lang="en-US" sz="1600" dirty="0" err="1">
-                <a:latin typeface="+mj-lt"/>
-              </a:rPr>
-              <a:t>Json</a:t>
-            </a:r>
-            <a:r>
-              <a:rPr lang="en-US" sz="1600" dirty="0">
-                <a:latin typeface="+mj-lt"/>
-              </a:rPr>
-              <a:t>(</a:t>
-            </a:r>
-            <a:r>
-              <a:rPr lang="en-US" sz="1600" dirty="0" err="1">
-                <a:latin typeface="+mj-lt"/>
-              </a:rPr>
-              <a:t>resultModel</a:t>
-            </a:r>
-            <a:r>
-              <a:rPr lang="en-US" sz="1600" dirty="0">
-                <a:latin typeface="+mj-lt"/>
-              </a:rPr>
-              <a:t>, </a:t>
-            </a:r>
-            <a:r>
-              <a:rPr lang="en-US" sz="1600" dirty="0" err="1">
-                <a:latin typeface="+mj-lt"/>
-              </a:rPr>
-              <a:t>JsonRequestBehavior.AllowGet</a:t>
-            </a:r>
-            <a:r>
-              <a:rPr lang="en-US" sz="1600" dirty="0">
-                <a:latin typeface="+mj-lt"/>
-              </a:rPr>
-              <a:t>);</a:t>
-            </a:r>
-          </a:p>
-          <a:p>
-            <a:pPr marL="0" indent="0">
-              <a:buNone/>
+              <a:rPr lang="en-US" sz="1600" dirty="0" smtClean="0">
+                <a:latin typeface="+mj-lt"/>
+                <a:cs typeface="Consolas" panose="020B0609020204030204" pitchFamily="49" charset="0"/>
+              </a:rPr>
+              <a:t>Click configure and Publish</a:t>
+            </a:r>
+          </a:p>
+          <a:p>
+            <a:pPr>
+              <a:buFont typeface="Wingdings" panose="05000000000000000000" pitchFamily="2" charset="2"/>
+              <a:buChar char="ü"/>
             </a:pPr>
             <a:r>
-              <a:rPr lang="en-US" sz="1600" dirty="0">
-                <a:latin typeface="+mj-lt"/>
-              </a:rPr>
-              <a:t>        }</a:t>
-            </a:r>
+              <a:rPr lang="en-US" sz="1600" dirty="0" smtClean="0">
+                <a:latin typeface="+mj-lt"/>
+                <a:cs typeface="Consolas" panose="020B0609020204030204" pitchFamily="49" charset="0"/>
+              </a:rPr>
+              <a:t>Choose File System in publish method and specify Target</a:t>
+            </a:r>
+          </a:p>
+          <a:p>
+            <a:pPr>
+              <a:buFont typeface="Wingdings" panose="05000000000000000000" pitchFamily="2" charset="2"/>
+              <a:buChar char="ü"/>
+            </a:pPr>
             <a:endParaRPr lang="en-US" sz="1600" dirty="0">
               <a:latin typeface="+mj-lt"/>
               <a:cs typeface="Consolas" panose="020B0609020204030204" pitchFamily="49" charset="0"/>
@@ -15999,7 +15994,7 @@
     </p:spTree>
     <p:extLst>
       <p:ext uri="{BB962C8B-B14F-4D97-AF65-F5344CB8AC3E}">
-        <p14:creationId xmlns:p14="http://schemas.microsoft.com/office/powerpoint/2010/main" val="4907191"/>
+        <p14:creationId xmlns:p14="http://schemas.microsoft.com/office/powerpoint/2010/main" val="1194589014"/>
       </p:ext>
     </p:extLst>
   </p:cSld>
@@ -16679,7 +16674,7 @@
           <a:p>
             <a:r>
               <a:rPr lang="en-US" dirty="0" smtClean="0"/>
-              <a:t>FTP Server</a:t>
+              <a:t>FTP Server Component Installing</a:t>
             </a:r>
             <a:endParaRPr lang="en-US" dirty="0">
               <a:latin typeface="Segoe UI Light" panose="020B0502040204020203" pitchFamily="34" charset="0"/>
@@ -16904,50 +16899,48 @@
             </a:lvl9pPr>
           </a:lstStyle>
           <a:p>
+            <a:pPr>
+              <a:buFont typeface="Wingdings" panose="05000000000000000000" pitchFamily="2" charset="2"/>
+              <a:buChar char="ü"/>
+            </a:pPr>
+            <a:r>
+              <a:rPr lang="en-US" sz="1600" dirty="0" smtClean="0">
+                <a:latin typeface="+mj-lt"/>
+                <a:cs typeface="Consolas" panose="020B0609020204030204" pitchFamily="49" charset="0"/>
+              </a:rPr>
+              <a:t>Control Panel &gt; Programs and Features&gt; Turn Windows Features on or off</a:t>
+            </a:r>
+          </a:p>
+          <a:p>
+            <a:pPr>
+              <a:buFont typeface="Wingdings" panose="05000000000000000000" pitchFamily="2" charset="2"/>
+              <a:buChar char="ü"/>
+            </a:pPr>
+            <a:r>
+              <a:rPr lang="en-US" sz="1600" dirty="0" smtClean="0">
+                <a:latin typeface="+mj-lt"/>
+                <a:cs typeface="Consolas" panose="020B0609020204030204" pitchFamily="49" charset="0"/>
+              </a:rPr>
+              <a:t> Expand Internet Information Services</a:t>
+            </a:r>
+          </a:p>
+          <a:p>
             <a:pPr marL="0" indent="0">
               <a:buNone/>
             </a:pPr>
             <a:r>
               <a:rPr lang="en-US" sz="1600" dirty="0">
                 <a:latin typeface="+mj-lt"/>
-              </a:rPr>
-              <a:t>public </a:t>
-            </a:r>
-            <a:r>
-              <a:rPr lang="en-US" sz="1600" dirty="0" err="1">
-                <a:latin typeface="+mj-lt"/>
-              </a:rPr>
-              <a:t>ActionResult</a:t>
-            </a:r>
-            <a:r>
-              <a:rPr lang="en-US" sz="1600" dirty="0">
-                <a:latin typeface="+mj-lt"/>
-              </a:rPr>
-              <a:t> </a:t>
-            </a:r>
-            <a:r>
-              <a:rPr lang="en-US" sz="1600" dirty="0" err="1">
-                <a:latin typeface="+mj-lt"/>
-              </a:rPr>
-              <a:t>CheckExists</a:t>
-            </a:r>
-            <a:r>
-              <a:rPr lang="en-US" sz="1600" dirty="0">
-                <a:latin typeface="+mj-lt"/>
-              </a:rPr>
-              <a:t>(string </a:t>
-            </a:r>
-            <a:r>
-              <a:rPr lang="en-US" sz="1600" dirty="0" err="1">
-                <a:latin typeface="+mj-lt"/>
-              </a:rPr>
-              <a:t>rolNo</a:t>
-            </a:r>
-            <a:r>
-              <a:rPr lang="en-US" sz="1600" dirty="0">
-                <a:latin typeface="+mj-lt"/>
-              </a:rPr>
-              <a:t>, string name)</a:t>
+                <a:cs typeface="Consolas" panose="020B0609020204030204" pitchFamily="49" charset="0"/>
+              </a:rPr>
+              <a:t>	</a:t>
+            </a:r>
+            <a:r>
+              <a:rPr lang="en-US" sz="1600" dirty="0" smtClean="0">
+                <a:latin typeface="+mj-lt"/>
+                <a:cs typeface="Consolas" panose="020B0609020204030204" pitchFamily="49" charset="0"/>
+              </a:rPr>
+              <a:t>- Check all under FTP Server</a:t>
             </a:r>
           </a:p>
           <a:p>
@@ -16957,113 +16950,16 @@
             <a:r>
               <a:rPr lang="en-US" sz="1600" dirty="0">
                 <a:latin typeface="+mj-lt"/>
-              </a:rPr>
-              <a:t>        {</a:t>
-            </a:r>
-          </a:p>
-          <a:p>
-            <a:pPr marL="0" indent="0">
-              <a:buNone/>
-            </a:pPr>
-            <a:r>
-              <a:rPr lang="en-US" sz="1600" dirty="0">
-                <a:latin typeface="+mj-lt"/>
-              </a:rPr>
-              <a:t>            </a:t>
-            </a:r>
-            <a:r>
-              <a:rPr lang="en-US" sz="1600" dirty="0" err="1">
-                <a:latin typeface="+mj-lt"/>
-              </a:rPr>
-              <a:t>ResultModel</a:t>
-            </a:r>
-            <a:r>
-              <a:rPr lang="en-US" sz="1600" dirty="0">
-                <a:latin typeface="+mj-lt"/>
-              </a:rPr>
-              <a:t> </a:t>
-            </a:r>
-            <a:r>
-              <a:rPr lang="en-US" sz="1600" dirty="0" err="1">
-                <a:latin typeface="+mj-lt"/>
-              </a:rPr>
-              <a:t>resultModel</a:t>
-            </a:r>
-            <a:r>
-              <a:rPr lang="en-US" sz="1600" dirty="0">
-                <a:latin typeface="+mj-lt"/>
-              </a:rPr>
-              <a:t> = new </a:t>
-            </a:r>
-            <a:r>
-              <a:rPr lang="en-US" sz="1600" dirty="0" err="1">
-                <a:latin typeface="+mj-lt"/>
-              </a:rPr>
-              <a:t>ResultModel</a:t>
-            </a:r>
-            <a:r>
-              <a:rPr lang="en-US" sz="1600" dirty="0">
-                <a:latin typeface="+mj-lt"/>
-              </a:rPr>
-              <a:t>() { Code=1,Description="Exists"};</a:t>
-            </a:r>
-          </a:p>
-          <a:p>
-            <a:pPr marL="0" indent="0">
-              <a:buNone/>
-            </a:pPr>
-            <a:r>
-              <a:rPr lang="en-US" sz="1600" dirty="0">
-                <a:latin typeface="+mj-lt"/>
-              </a:rPr>
-              <a:t>            return </a:t>
-            </a:r>
-            <a:r>
-              <a:rPr lang="en-US" sz="1600" dirty="0" err="1">
-                <a:latin typeface="+mj-lt"/>
-              </a:rPr>
-              <a:t>Json</a:t>
-            </a:r>
-            <a:r>
-              <a:rPr lang="en-US" sz="1600" dirty="0">
-                <a:latin typeface="+mj-lt"/>
-              </a:rPr>
-              <a:t>(</a:t>
-            </a:r>
-            <a:r>
-              <a:rPr lang="en-US" sz="1600" dirty="0" err="1">
-                <a:latin typeface="+mj-lt"/>
-              </a:rPr>
-              <a:t>resultModel</a:t>
-            </a:r>
-            <a:r>
-              <a:rPr lang="en-US" sz="1600" dirty="0">
-                <a:latin typeface="+mj-lt"/>
-              </a:rPr>
-              <a:t>, </a:t>
-            </a:r>
-            <a:r>
-              <a:rPr lang="en-US" sz="1600" dirty="0" err="1">
-                <a:latin typeface="+mj-lt"/>
-              </a:rPr>
-              <a:t>JsonRequestBehavior.AllowGet</a:t>
-            </a:r>
-            <a:r>
-              <a:rPr lang="en-US" sz="1600" dirty="0">
-                <a:latin typeface="+mj-lt"/>
-              </a:rPr>
-              <a:t>);</a:t>
-            </a:r>
-          </a:p>
-          <a:p>
-            <a:pPr marL="0" indent="0">
-              <a:buNone/>
-            </a:pPr>
-            <a:r>
-              <a:rPr lang="en-US" sz="1600" dirty="0">
-                <a:latin typeface="+mj-lt"/>
-              </a:rPr>
-              <a:t>        }</a:t>
+                <a:cs typeface="Consolas" panose="020B0609020204030204" pitchFamily="49" charset="0"/>
+              </a:rPr>
+              <a:t>	</a:t>
+            </a:r>
+            <a:r>
+              <a:rPr lang="en-US" sz="1600" dirty="0" smtClean="0">
+                <a:latin typeface="+mj-lt"/>
+                <a:cs typeface="Consolas" panose="020B0609020204030204" pitchFamily="49" charset="0"/>
+              </a:rPr>
+              <a:t>- Check IIS Management Console </a:t>
             </a:r>
             <a:endParaRPr lang="en-US" sz="1600" dirty="0">
               <a:latin typeface="+mj-lt"/>
@@ -17264,6 +17160,2859 @@
       </p:grpSpPr>
       <p:sp>
         <p:nvSpPr>
+          <p:cNvPr id="8" name="Title 7"/>
+          <p:cNvSpPr>
+            <a:spLocks noGrp="1"/>
+          </p:cNvSpPr>
+          <p:nvPr>
+            <p:ph type="title"/>
+          </p:nvPr>
+        </p:nvSpPr>
+        <p:spPr>
+          <a:xfrm>
+            <a:off x="541610" y="408867"/>
+            <a:ext cx="6856716" cy="640080"/>
+          </a:xfrm>
+        </p:spPr>
+        <p:txBody>
+          <a:bodyPr>
+            <a:noAutofit/>
+          </a:bodyPr>
+          <a:lstStyle/>
+          <a:p>
+            <a:r>
+              <a:rPr lang="en-US" dirty="0" smtClean="0"/>
+              <a:t>Setting up user account</a:t>
+            </a:r>
+            <a:endParaRPr lang="en-US" dirty="0">
+              <a:latin typeface="Segoe UI Light" panose="020B0502040204020203" pitchFamily="34" charset="0"/>
+              <a:cs typeface="Segoe UI Light" panose="020B0502040204020203" pitchFamily="34" charset="0"/>
+            </a:endParaRPr>
+          </a:p>
+        </p:txBody>
+      </p:sp>
+      <p:sp>
+        <p:nvSpPr>
+          <p:cNvPr id="38" name="Content Placeholder 17"/>
+          <p:cNvSpPr txBox="1">
+            <a:spLocks/>
+          </p:cNvSpPr>
+          <p:nvPr/>
+        </p:nvSpPr>
+        <p:spPr>
+          <a:xfrm>
+            <a:off x="541610" y="1524707"/>
+            <a:ext cx="11027538" cy="4706275"/>
+          </a:xfrm>
+          <a:prstGeom prst="rect">
+            <a:avLst/>
+          </a:prstGeom>
+        </p:spPr>
+        <p:txBody>
+          <a:bodyPr vert="horz" lIns="91440" tIns="45720" rIns="91440" bIns="45720" rtlCol="0">
+            <a:normAutofit/>
+          </a:bodyPr>
+          <a:lstStyle>
+            <a:lvl1pPr marL="228600" indent="-228600" algn="l" defTabSz="914400" rtl="0" eaLnBrk="1" latinLnBrk="0" hangingPunct="1">
+              <a:lnSpc>
+                <a:spcPts val="1800"/>
+              </a:lnSpc>
+              <a:spcBef>
+                <a:spcPts val="1000"/>
+              </a:spcBef>
+              <a:spcAft>
+                <a:spcPts val="1000"/>
+              </a:spcAft>
+              <a:buFont typeface="Arial" panose="020B0604020202020204" pitchFamily="34" charset="0"/>
+              <a:buChar char="•"/>
+              <a:defRPr lang="en-US" sz="1200" kern="1200" smtClean="0">
+                <a:solidFill>
+                  <a:schemeClr val="tx1">
+                    <a:lumMod val="75000"/>
+                    <a:lumOff val="25000"/>
+                  </a:schemeClr>
+                </a:solidFill>
+                <a:latin typeface="+mn-lt"/>
+                <a:ea typeface="+mn-ea"/>
+                <a:cs typeface="+mn-cs"/>
+              </a:defRPr>
+            </a:lvl1pPr>
+            <a:lvl2pPr marL="685800" indent="-228600" algn="l" defTabSz="914400" rtl="0" eaLnBrk="1" latinLnBrk="0" hangingPunct="1">
+              <a:lnSpc>
+                <a:spcPts val="1800"/>
+              </a:lnSpc>
+              <a:spcBef>
+                <a:spcPts val="1000"/>
+              </a:spcBef>
+              <a:spcAft>
+                <a:spcPts val="1000"/>
+              </a:spcAft>
+              <a:buFont typeface="Arial" panose="020B0604020202020204" pitchFamily="34" charset="0"/>
+              <a:buChar char="•"/>
+              <a:defRPr lang="en-US" sz="1200" kern="1200" smtClean="0">
+                <a:solidFill>
+                  <a:schemeClr val="tx1">
+                    <a:lumMod val="75000"/>
+                    <a:lumOff val="25000"/>
+                  </a:schemeClr>
+                </a:solidFill>
+                <a:latin typeface="+mn-lt"/>
+                <a:ea typeface="+mn-ea"/>
+                <a:cs typeface="+mn-cs"/>
+              </a:defRPr>
+            </a:lvl2pPr>
+            <a:lvl3pPr marL="1143000" indent="-228600" algn="l" defTabSz="914400" rtl="0" eaLnBrk="1" latinLnBrk="0" hangingPunct="1">
+              <a:lnSpc>
+                <a:spcPts val="1800"/>
+              </a:lnSpc>
+              <a:spcBef>
+                <a:spcPts val="1000"/>
+              </a:spcBef>
+              <a:spcAft>
+                <a:spcPts val="1000"/>
+              </a:spcAft>
+              <a:buFont typeface="Arial" panose="020B0604020202020204" pitchFamily="34" charset="0"/>
+              <a:buChar char="•"/>
+              <a:defRPr lang="en-US" sz="1200" kern="1200" smtClean="0">
+                <a:solidFill>
+                  <a:schemeClr val="tx1">
+                    <a:lumMod val="75000"/>
+                    <a:lumOff val="25000"/>
+                  </a:schemeClr>
+                </a:solidFill>
+                <a:latin typeface="+mn-lt"/>
+                <a:ea typeface="+mn-ea"/>
+                <a:cs typeface="+mn-cs"/>
+              </a:defRPr>
+            </a:lvl3pPr>
+            <a:lvl4pPr marL="1600200" indent="-228600" algn="l" defTabSz="914400" rtl="0" eaLnBrk="1" latinLnBrk="0" hangingPunct="1">
+              <a:lnSpc>
+                <a:spcPts val="1800"/>
+              </a:lnSpc>
+              <a:spcBef>
+                <a:spcPts val="1000"/>
+              </a:spcBef>
+              <a:spcAft>
+                <a:spcPts val="1000"/>
+              </a:spcAft>
+              <a:buFont typeface="Arial" panose="020B0604020202020204" pitchFamily="34" charset="0"/>
+              <a:buChar char="•"/>
+              <a:defRPr lang="en-US" sz="1200" kern="1200" smtClean="0">
+                <a:solidFill>
+                  <a:schemeClr val="tx1">
+                    <a:lumMod val="75000"/>
+                    <a:lumOff val="25000"/>
+                  </a:schemeClr>
+                </a:solidFill>
+                <a:latin typeface="+mn-lt"/>
+                <a:ea typeface="+mn-ea"/>
+                <a:cs typeface="+mn-cs"/>
+              </a:defRPr>
+            </a:lvl4pPr>
+            <a:lvl5pPr marL="2057400" indent="-228600" algn="l" defTabSz="914400" rtl="0" eaLnBrk="1" latinLnBrk="0" hangingPunct="1">
+              <a:lnSpc>
+                <a:spcPts val="1800"/>
+              </a:lnSpc>
+              <a:spcBef>
+                <a:spcPts val="1000"/>
+              </a:spcBef>
+              <a:spcAft>
+                <a:spcPts val="1000"/>
+              </a:spcAft>
+              <a:buFont typeface="Arial" panose="020B0604020202020204" pitchFamily="34" charset="0"/>
+              <a:buChar char="•"/>
+              <a:defRPr lang="en-US" sz="1200" kern="1200">
+                <a:solidFill>
+                  <a:schemeClr val="tx1">
+                    <a:lumMod val="75000"/>
+                    <a:lumOff val="25000"/>
+                  </a:schemeClr>
+                </a:solidFill>
+                <a:latin typeface="+mn-lt"/>
+                <a:ea typeface="+mn-ea"/>
+                <a:cs typeface="+mn-cs"/>
+              </a:defRPr>
+            </a:lvl5pPr>
+            <a:lvl6pPr marL="2514600" indent="-228600" algn="l" defTabSz="914400" rtl="0" eaLnBrk="1" latinLnBrk="0" hangingPunct="1">
+              <a:lnSpc>
+                <a:spcPct val="90000"/>
+              </a:lnSpc>
+              <a:spcBef>
+                <a:spcPct val="30000"/>
+              </a:spcBef>
+              <a:buFont typeface="Arial" panose="020B0604020202020204" pitchFamily="34" charset="0"/>
+              <a:buChar char="•"/>
+              <a:defRPr sz="1800" kern="1200">
+                <a:solidFill>
+                  <a:schemeClr val="tx1"/>
+                </a:solidFill>
+                <a:latin typeface="+mn-lt"/>
+                <a:ea typeface="+mn-ea"/>
+                <a:cs typeface="+mn-cs"/>
+              </a:defRPr>
+            </a:lvl6pPr>
+            <a:lvl7pPr marL="2971800" indent="-228600" algn="l" defTabSz="914400" rtl="0" eaLnBrk="1" latinLnBrk="0" hangingPunct="1">
+              <a:lnSpc>
+                <a:spcPct val="90000"/>
+              </a:lnSpc>
+              <a:spcBef>
+                <a:spcPct val="30000"/>
+              </a:spcBef>
+              <a:buFont typeface="Arial" panose="020B0604020202020204" pitchFamily="34" charset="0"/>
+              <a:buChar char="•"/>
+              <a:defRPr sz="1800" kern="1200">
+                <a:solidFill>
+                  <a:schemeClr val="tx1"/>
+                </a:solidFill>
+                <a:latin typeface="+mn-lt"/>
+                <a:ea typeface="+mn-ea"/>
+                <a:cs typeface="+mn-cs"/>
+              </a:defRPr>
+            </a:lvl7pPr>
+            <a:lvl8pPr marL="3429000" indent="-228600" algn="l" defTabSz="914400" rtl="0" eaLnBrk="1" latinLnBrk="0" hangingPunct="1">
+              <a:lnSpc>
+                <a:spcPct val="90000"/>
+              </a:lnSpc>
+              <a:spcBef>
+                <a:spcPct val="30000"/>
+              </a:spcBef>
+              <a:buFont typeface="Arial" panose="020B0604020202020204" pitchFamily="34" charset="0"/>
+              <a:buChar char="•"/>
+              <a:defRPr sz="1800" kern="1200">
+                <a:solidFill>
+                  <a:schemeClr val="tx1"/>
+                </a:solidFill>
+                <a:latin typeface="+mn-lt"/>
+                <a:ea typeface="+mn-ea"/>
+                <a:cs typeface="+mn-cs"/>
+              </a:defRPr>
+            </a:lvl8pPr>
+            <a:lvl9pPr marL="3886200" indent="-228600" algn="l" defTabSz="914400" rtl="0" eaLnBrk="1" latinLnBrk="0" hangingPunct="1">
+              <a:lnSpc>
+                <a:spcPct val="90000"/>
+              </a:lnSpc>
+              <a:spcBef>
+                <a:spcPct val="30000"/>
+              </a:spcBef>
+              <a:buFont typeface="Arial" panose="020B0604020202020204" pitchFamily="34" charset="0"/>
+              <a:buChar char="•"/>
+              <a:defRPr sz="1800" kern="1200">
+                <a:solidFill>
+                  <a:schemeClr val="tx1"/>
+                </a:solidFill>
+                <a:latin typeface="+mn-lt"/>
+                <a:ea typeface="+mn-ea"/>
+                <a:cs typeface="+mn-cs"/>
+              </a:defRPr>
+            </a:lvl9pPr>
+          </a:lstStyle>
+          <a:p>
+            <a:pPr>
+              <a:buFont typeface="Wingdings" panose="05000000000000000000" pitchFamily="2" charset="2"/>
+              <a:buChar char="ü"/>
+            </a:pPr>
+            <a:r>
+              <a:rPr lang="en-US" sz="1600" dirty="0" smtClean="0">
+                <a:latin typeface="+mj-lt"/>
+                <a:cs typeface="Consolas" panose="020B0609020204030204" pitchFamily="49" charset="0"/>
+              </a:rPr>
+              <a:t>Open PC settings</a:t>
+            </a:r>
+          </a:p>
+          <a:p>
+            <a:pPr>
+              <a:buFont typeface="Wingdings" panose="05000000000000000000" pitchFamily="2" charset="2"/>
+              <a:buChar char="ü"/>
+            </a:pPr>
+            <a:r>
+              <a:rPr lang="en-US" sz="1600" dirty="0" smtClean="0">
+                <a:latin typeface="+mj-lt"/>
+                <a:cs typeface="Consolas" panose="020B0609020204030204" pitchFamily="49" charset="0"/>
+              </a:rPr>
+              <a:t> Click Accounts</a:t>
+            </a:r>
+          </a:p>
+          <a:p>
+            <a:pPr>
+              <a:buFont typeface="Wingdings" panose="05000000000000000000" pitchFamily="2" charset="2"/>
+              <a:buChar char="ü"/>
+            </a:pPr>
+            <a:r>
+              <a:rPr lang="en-US" sz="1600" dirty="0">
+                <a:latin typeface="+mj-lt"/>
+                <a:cs typeface="Consolas" panose="020B0609020204030204" pitchFamily="49" charset="0"/>
+              </a:rPr>
+              <a:t> </a:t>
+            </a:r>
+            <a:r>
+              <a:rPr lang="en-US" sz="1600" dirty="0" smtClean="0">
+                <a:latin typeface="+mj-lt"/>
+                <a:cs typeface="Consolas" panose="020B0609020204030204" pitchFamily="49" charset="0"/>
+              </a:rPr>
+              <a:t>Select Other Account And add an account</a:t>
+            </a:r>
+          </a:p>
+          <a:p>
+            <a:pPr>
+              <a:buFont typeface="Wingdings" panose="05000000000000000000" pitchFamily="2" charset="2"/>
+              <a:buChar char="ü"/>
+            </a:pPr>
+            <a:r>
+              <a:rPr lang="en-US" sz="1600" dirty="0" smtClean="0">
+                <a:latin typeface="+mj-lt"/>
+                <a:cs typeface="Consolas" panose="020B0609020204030204" pitchFamily="49" charset="0"/>
+              </a:rPr>
+              <a:t>Click Sign in without Microsoft account</a:t>
+            </a:r>
+          </a:p>
+          <a:p>
+            <a:pPr>
+              <a:buFont typeface="Wingdings" panose="05000000000000000000" pitchFamily="2" charset="2"/>
+              <a:buChar char="ü"/>
+            </a:pPr>
+            <a:r>
+              <a:rPr lang="en-US" sz="1600" dirty="0" smtClean="0">
+                <a:latin typeface="+mj-lt"/>
+                <a:cs typeface="Consolas" panose="020B0609020204030204" pitchFamily="49" charset="0"/>
+              </a:rPr>
+              <a:t>Click Local Account</a:t>
+            </a:r>
+          </a:p>
+          <a:p>
+            <a:pPr>
+              <a:buFont typeface="Wingdings" panose="05000000000000000000" pitchFamily="2" charset="2"/>
+              <a:buChar char="ü"/>
+            </a:pPr>
+            <a:r>
+              <a:rPr lang="en-US" sz="1600" dirty="0" smtClean="0">
+                <a:latin typeface="+mj-lt"/>
+                <a:cs typeface="Consolas" panose="020B0609020204030204" pitchFamily="49" charset="0"/>
+              </a:rPr>
+              <a:t>Enter credentials for that account and click finish</a:t>
+            </a:r>
+            <a:endParaRPr lang="en-US" sz="1600" dirty="0">
+              <a:latin typeface="+mj-lt"/>
+              <a:cs typeface="Consolas" panose="020B0609020204030204" pitchFamily="49" charset="0"/>
+            </a:endParaRPr>
+          </a:p>
+        </p:txBody>
+      </p:sp>
+      <p:sp>
+        <p:nvSpPr>
+          <p:cNvPr id="2" name="TextBox 1">
+            <a:extLst>
+              <a:ext uri="{FF2B5EF4-FFF2-40B4-BE49-F238E27FC236}">
+                <a16:creationId xmlns="" xmlns:a16="http://schemas.microsoft.com/office/drawing/2014/main" id="{7E1B60D2-37BC-4418-8D7D-0D37A6BF000C}"/>
+              </a:ext>
+            </a:extLst>
+          </p:cNvPr>
+          <p:cNvSpPr txBox="1"/>
+          <p:nvPr/>
+        </p:nvSpPr>
+        <p:spPr>
+          <a:xfrm>
+            <a:off x="9011479" y="781878"/>
+            <a:ext cx="2557670" cy="369332"/>
+          </a:xfrm>
+          <a:prstGeom prst="rect">
+            <a:avLst/>
+          </a:prstGeom>
+          <a:noFill/>
+        </p:spPr>
+        <p:txBody>
+          <a:bodyPr wrap="square" rtlCol="0">
+            <a:spAutoFit/>
+          </a:bodyPr>
+          <a:lstStyle/>
+          <a:p>
+            <a:r>
+              <a:rPr lang="en-US" dirty="0">
+                <a:solidFill>
+                  <a:schemeClr val="accent5">
+                    <a:lumMod val="75000"/>
+                  </a:schemeClr>
+                </a:solidFill>
+              </a:rPr>
+              <a:t>BEAUTIFUL CULTURES</a:t>
+            </a:r>
+          </a:p>
+        </p:txBody>
+      </p:sp>
+      <p:pic>
+        <p:nvPicPr>
+          <p:cNvPr id="4" name="Picture 3">
+            <a:extLst>
+              <a:ext uri="{FF2B5EF4-FFF2-40B4-BE49-F238E27FC236}">
+                <a16:creationId xmlns="" xmlns:a16="http://schemas.microsoft.com/office/drawing/2014/main" id="{69A0275E-BE9E-4829-BFE4-9FBD1D0ECDAE}"/>
+              </a:ext>
+            </a:extLst>
+          </p:cNvPr>
+          <p:cNvPicPr>
+            <a:picLocks noChangeAspect="1"/>
+          </p:cNvPicPr>
+          <p:nvPr/>
+        </p:nvPicPr>
+        <p:blipFill>
+          <a:blip r:embed="rId2" cstate="print">
+            <a:extLst>
+              <a:ext uri="{28A0092B-C50C-407E-A947-70E740481C1C}">
+                <a14:useLocalDpi xmlns:a14="http://schemas.microsoft.com/office/drawing/2010/main" val="0"/>
+              </a:ext>
+            </a:extLst>
+          </a:blip>
+          <a:stretch>
+            <a:fillRect/>
+          </a:stretch>
+        </p:blipFill>
+        <p:spPr>
+          <a:xfrm>
+            <a:off x="8511209" y="587554"/>
+            <a:ext cx="500270" cy="500270"/>
+          </a:xfrm>
+          <a:prstGeom prst="rect">
+            <a:avLst/>
+          </a:prstGeom>
+        </p:spPr>
+      </p:pic>
+      <p:sp>
+        <p:nvSpPr>
+          <p:cNvPr id="6" name="TextBox 5">
+            <a:extLst>
+              <a:ext uri="{FF2B5EF4-FFF2-40B4-BE49-F238E27FC236}">
+                <a16:creationId xmlns="" xmlns:a16="http://schemas.microsoft.com/office/drawing/2014/main" id="{E2A636DD-DD38-4065-AC86-3F8FF521BF1D}"/>
+              </a:ext>
+            </a:extLst>
+          </p:cNvPr>
+          <p:cNvSpPr txBox="1"/>
+          <p:nvPr/>
+        </p:nvSpPr>
+        <p:spPr>
+          <a:xfrm>
+            <a:off x="9634330" y="1252770"/>
+            <a:ext cx="1535401" cy="369332"/>
+          </a:xfrm>
+          <a:prstGeom prst="rect">
+            <a:avLst/>
+          </a:prstGeom>
+          <a:noFill/>
+        </p:spPr>
+        <p:txBody>
+          <a:bodyPr wrap="square" rtlCol="0">
+            <a:spAutoFit/>
+          </a:bodyPr>
+          <a:lstStyle/>
+          <a:p>
+            <a:r>
+              <a:rPr lang="en-US" dirty="0" err="1">
+                <a:solidFill>
+                  <a:schemeClr val="accent2">
+                    <a:lumMod val="75000"/>
+                  </a:schemeClr>
+                </a:solidFill>
+              </a:rPr>
+              <a:t>Thet</a:t>
+            </a:r>
+            <a:r>
+              <a:rPr lang="en-US" dirty="0">
+                <a:solidFill>
+                  <a:schemeClr val="accent2">
+                    <a:lumMod val="75000"/>
+                  </a:schemeClr>
+                </a:solidFill>
+              </a:rPr>
+              <a:t> Lwin </a:t>
+            </a:r>
+            <a:r>
+              <a:rPr lang="en-US" dirty="0" err="1">
+                <a:solidFill>
+                  <a:schemeClr val="accent2">
+                    <a:lumMod val="75000"/>
+                  </a:schemeClr>
+                </a:solidFill>
+              </a:rPr>
+              <a:t>Oo</a:t>
+            </a:r>
+            <a:endParaRPr lang="en-US" dirty="0">
+              <a:solidFill>
+                <a:schemeClr val="accent2">
+                  <a:lumMod val="75000"/>
+                </a:schemeClr>
+              </a:solidFill>
+            </a:endParaRPr>
+          </a:p>
+        </p:txBody>
+      </p:sp>
+    </p:spTree>
+    <p:extLst>
+      <p:ext uri="{BB962C8B-B14F-4D97-AF65-F5344CB8AC3E}">
+        <p14:creationId xmlns:p14="http://schemas.microsoft.com/office/powerpoint/2010/main" val="3997865406"/>
+      </p:ext>
+    </p:extLst>
+  </p:cSld>
+  <p:clrMapOvr>
+    <a:masterClrMapping/>
+  </p:clrMapOvr>
+  <mc:AlternateContent xmlns:mc="http://schemas.openxmlformats.org/markup-compatibility/2006" xmlns:p14="http://schemas.microsoft.com/office/powerpoint/2010/main">
+    <mc:Choice Requires="p14">
+      <p:transition p14:dur="10"/>
+    </mc:Choice>
+    <mc:Fallback xmlns="">
+      <p:transition/>
+    </mc:Fallback>
+  </mc:AlternateContent>
+  <p:timing>
+    <p:tnLst>
+      <p:par>
+        <p:cTn id="1" dur="indefinite" restart="never" nodeType="tmRoot"/>
+      </p:par>
+    </p:tnLst>
+  </p:timing>
+</p:sld>
+</file>
+
+<file path=ppt/slides/slide32.xml><?xml version="1.0" encoding="utf-8"?>
+<p:sld xmlns:a="http://schemas.openxmlformats.org/drawingml/2006/main" xmlns:r="http://schemas.openxmlformats.org/officeDocument/2006/relationships" xmlns:p="http://schemas.openxmlformats.org/presentationml/2006/main">
+  <p:cSld>
+    <p:spTree>
+      <p:nvGrpSpPr>
+        <p:cNvPr id="1" name=""/>
+        <p:cNvGrpSpPr/>
+        <p:nvPr/>
+      </p:nvGrpSpPr>
+      <p:grpSpPr>
+        <a:xfrm>
+          <a:off x="0" y="0"/>
+          <a:ext cx="0" cy="0"/>
+          <a:chOff x="0" y="0"/>
+          <a:chExt cx="0" cy="0"/>
+        </a:xfrm>
+      </p:grpSpPr>
+      <p:sp>
+        <p:nvSpPr>
+          <p:cNvPr id="8" name="Title 7"/>
+          <p:cNvSpPr>
+            <a:spLocks noGrp="1"/>
+          </p:cNvSpPr>
+          <p:nvPr>
+            <p:ph type="title"/>
+          </p:nvPr>
+        </p:nvSpPr>
+        <p:spPr>
+          <a:xfrm>
+            <a:off x="541610" y="408867"/>
+            <a:ext cx="6856716" cy="640080"/>
+          </a:xfrm>
+        </p:spPr>
+        <p:txBody>
+          <a:bodyPr>
+            <a:noAutofit/>
+          </a:bodyPr>
+          <a:lstStyle/>
+          <a:p>
+            <a:r>
+              <a:rPr lang="en-US" dirty="0" smtClean="0"/>
+              <a:t>FTP Site Setting up</a:t>
+            </a:r>
+            <a:endParaRPr lang="en-US" dirty="0">
+              <a:latin typeface="Segoe UI Light" panose="020B0502040204020203" pitchFamily="34" charset="0"/>
+              <a:cs typeface="Segoe UI Light" panose="020B0502040204020203" pitchFamily="34" charset="0"/>
+            </a:endParaRPr>
+          </a:p>
+        </p:txBody>
+      </p:sp>
+      <p:sp>
+        <p:nvSpPr>
+          <p:cNvPr id="38" name="Content Placeholder 17"/>
+          <p:cNvSpPr txBox="1">
+            <a:spLocks/>
+          </p:cNvSpPr>
+          <p:nvPr/>
+        </p:nvSpPr>
+        <p:spPr>
+          <a:xfrm>
+            <a:off x="541610" y="1524707"/>
+            <a:ext cx="11027538" cy="4706275"/>
+          </a:xfrm>
+          <a:prstGeom prst="rect">
+            <a:avLst/>
+          </a:prstGeom>
+        </p:spPr>
+        <p:txBody>
+          <a:bodyPr vert="horz" lIns="91440" tIns="45720" rIns="91440" bIns="45720" rtlCol="0">
+            <a:normAutofit/>
+          </a:bodyPr>
+          <a:lstStyle>
+            <a:lvl1pPr marL="228600" indent="-228600" algn="l" defTabSz="914400" rtl="0" eaLnBrk="1" latinLnBrk="0" hangingPunct="1">
+              <a:lnSpc>
+                <a:spcPts val="1800"/>
+              </a:lnSpc>
+              <a:spcBef>
+                <a:spcPts val="1000"/>
+              </a:spcBef>
+              <a:spcAft>
+                <a:spcPts val="1000"/>
+              </a:spcAft>
+              <a:buFont typeface="Arial" panose="020B0604020202020204" pitchFamily="34" charset="0"/>
+              <a:buChar char="•"/>
+              <a:defRPr lang="en-US" sz="1200" kern="1200" smtClean="0">
+                <a:solidFill>
+                  <a:schemeClr val="tx1">
+                    <a:lumMod val="75000"/>
+                    <a:lumOff val="25000"/>
+                  </a:schemeClr>
+                </a:solidFill>
+                <a:latin typeface="+mn-lt"/>
+                <a:ea typeface="+mn-ea"/>
+                <a:cs typeface="+mn-cs"/>
+              </a:defRPr>
+            </a:lvl1pPr>
+            <a:lvl2pPr marL="685800" indent="-228600" algn="l" defTabSz="914400" rtl="0" eaLnBrk="1" latinLnBrk="0" hangingPunct="1">
+              <a:lnSpc>
+                <a:spcPts val="1800"/>
+              </a:lnSpc>
+              <a:spcBef>
+                <a:spcPts val="1000"/>
+              </a:spcBef>
+              <a:spcAft>
+                <a:spcPts val="1000"/>
+              </a:spcAft>
+              <a:buFont typeface="Arial" panose="020B0604020202020204" pitchFamily="34" charset="0"/>
+              <a:buChar char="•"/>
+              <a:defRPr lang="en-US" sz="1200" kern="1200" smtClean="0">
+                <a:solidFill>
+                  <a:schemeClr val="tx1">
+                    <a:lumMod val="75000"/>
+                    <a:lumOff val="25000"/>
+                  </a:schemeClr>
+                </a:solidFill>
+                <a:latin typeface="+mn-lt"/>
+                <a:ea typeface="+mn-ea"/>
+                <a:cs typeface="+mn-cs"/>
+              </a:defRPr>
+            </a:lvl2pPr>
+            <a:lvl3pPr marL="1143000" indent="-228600" algn="l" defTabSz="914400" rtl="0" eaLnBrk="1" latinLnBrk="0" hangingPunct="1">
+              <a:lnSpc>
+                <a:spcPts val="1800"/>
+              </a:lnSpc>
+              <a:spcBef>
+                <a:spcPts val="1000"/>
+              </a:spcBef>
+              <a:spcAft>
+                <a:spcPts val="1000"/>
+              </a:spcAft>
+              <a:buFont typeface="Arial" panose="020B0604020202020204" pitchFamily="34" charset="0"/>
+              <a:buChar char="•"/>
+              <a:defRPr lang="en-US" sz="1200" kern="1200" smtClean="0">
+                <a:solidFill>
+                  <a:schemeClr val="tx1">
+                    <a:lumMod val="75000"/>
+                    <a:lumOff val="25000"/>
+                  </a:schemeClr>
+                </a:solidFill>
+                <a:latin typeface="+mn-lt"/>
+                <a:ea typeface="+mn-ea"/>
+                <a:cs typeface="+mn-cs"/>
+              </a:defRPr>
+            </a:lvl3pPr>
+            <a:lvl4pPr marL="1600200" indent="-228600" algn="l" defTabSz="914400" rtl="0" eaLnBrk="1" latinLnBrk="0" hangingPunct="1">
+              <a:lnSpc>
+                <a:spcPts val="1800"/>
+              </a:lnSpc>
+              <a:spcBef>
+                <a:spcPts val="1000"/>
+              </a:spcBef>
+              <a:spcAft>
+                <a:spcPts val="1000"/>
+              </a:spcAft>
+              <a:buFont typeface="Arial" panose="020B0604020202020204" pitchFamily="34" charset="0"/>
+              <a:buChar char="•"/>
+              <a:defRPr lang="en-US" sz="1200" kern="1200" smtClean="0">
+                <a:solidFill>
+                  <a:schemeClr val="tx1">
+                    <a:lumMod val="75000"/>
+                    <a:lumOff val="25000"/>
+                  </a:schemeClr>
+                </a:solidFill>
+                <a:latin typeface="+mn-lt"/>
+                <a:ea typeface="+mn-ea"/>
+                <a:cs typeface="+mn-cs"/>
+              </a:defRPr>
+            </a:lvl4pPr>
+            <a:lvl5pPr marL="2057400" indent="-228600" algn="l" defTabSz="914400" rtl="0" eaLnBrk="1" latinLnBrk="0" hangingPunct="1">
+              <a:lnSpc>
+                <a:spcPts val="1800"/>
+              </a:lnSpc>
+              <a:spcBef>
+                <a:spcPts val="1000"/>
+              </a:spcBef>
+              <a:spcAft>
+                <a:spcPts val="1000"/>
+              </a:spcAft>
+              <a:buFont typeface="Arial" panose="020B0604020202020204" pitchFamily="34" charset="0"/>
+              <a:buChar char="•"/>
+              <a:defRPr lang="en-US" sz="1200" kern="1200">
+                <a:solidFill>
+                  <a:schemeClr val="tx1">
+                    <a:lumMod val="75000"/>
+                    <a:lumOff val="25000"/>
+                  </a:schemeClr>
+                </a:solidFill>
+                <a:latin typeface="+mn-lt"/>
+                <a:ea typeface="+mn-ea"/>
+                <a:cs typeface="+mn-cs"/>
+              </a:defRPr>
+            </a:lvl5pPr>
+            <a:lvl6pPr marL="2514600" indent="-228600" algn="l" defTabSz="914400" rtl="0" eaLnBrk="1" latinLnBrk="0" hangingPunct="1">
+              <a:lnSpc>
+                <a:spcPct val="90000"/>
+              </a:lnSpc>
+              <a:spcBef>
+                <a:spcPct val="30000"/>
+              </a:spcBef>
+              <a:buFont typeface="Arial" panose="020B0604020202020204" pitchFamily="34" charset="0"/>
+              <a:buChar char="•"/>
+              <a:defRPr sz="1800" kern="1200">
+                <a:solidFill>
+                  <a:schemeClr val="tx1"/>
+                </a:solidFill>
+                <a:latin typeface="+mn-lt"/>
+                <a:ea typeface="+mn-ea"/>
+                <a:cs typeface="+mn-cs"/>
+              </a:defRPr>
+            </a:lvl6pPr>
+            <a:lvl7pPr marL="2971800" indent="-228600" algn="l" defTabSz="914400" rtl="0" eaLnBrk="1" latinLnBrk="0" hangingPunct="1">
+              <a:lnSpc>
+                <a:spcPct val="90000"/>
+              </a:lnSpc>
+              <a:spcBef>
+                <a:spcPct val="30000"/>
+              </a:spcBef>
+              <a:buFont typeface="Arial" panose="020B0604020202020204" pitchFamily="34" charset="0"/>
+              <a:buChar char="•"/>
+              <a:defRPr sz="1800" kern="1200">
+                <a:solidFill>
+                  <a:schemeClr val="tx1"/>
+                </a:solidFill>
+                <a:latin typeface="+mn-lt"/>
+                <a:ea typeface="+mn-ea"/>
+                <a:cs typeface="+mn-cs"/>
+              </a:defRPr>
+            </a:lvl7pPr>
+            <a:lvl8pPr marL="3429000" indent="-228600" algn="l" defTabSz="914400" rtl="0" eaLnBrk="1" latinLnBrk="0" hangingPunct="1">
+              <a:lnSpc>
+                <a:spcPct val="90000"/>
+              </a:lnSpc>
+              <a:spcBef>
+                <a:spcPct val="30000"/>
+              </a:spcBef>
+              <a:buFont typeface="Arial" panose="020B0604020202020204" pitchFamily="34" charset="0"/>
+              <a:buChar char="•"/>
+              <a:defRPr sz="1800" kern="1200">
+                <a:solidFill>
+                  <a:schemeClr val="tx1"/>
+                </a:solidFill>
+                <a:latin typeface="+mn-lt"/>
+                <a:ea typeface="+mn-ea"/>
+                <a:cs typeface="+mn-cs"/>
+              </a:defRPr>
+            </a:lvl8pPr>
+            <a:lvl9pPr marL="3886200" indent="-228600" algn="l" defTabSz="914400" rtl="0" eaLnBrk="1" latinLnBrk="0" hangingPunct="1">
+              <a:lnSpc>
+                <a:spcPct val="90000"/>
+              </a:lnSpc>
+              <a:spcBef>
+                <a:spcPct val="30000"/>
+              </a:spcBef>
+              <a:buFont typeface="Arial" panose="020B0604020202020204" pitchFamily="34" charset="0"/>
+              <a:buChar char="•"/>
+              <a:defRPr sz="1800" kern="1200">
+                <a:solidFill>
+                  <a:schemeClr val="tx1"/>
+                </a:solidFill>
+                <a:latin typeface="+mn-lt"/>
+                <a:ea typeface="+mn-ea"/>
+                <a:cs typeface="+mn-cs"/>
+              </a:defRPr>
+            </a:lvl9pPr>
+          </a:lstStyle>
+          <a:p>
+            <a:pPr>
+              <a:buFont typeface="Wingdings" panose="05000000000000000000" pitchFamily="2" charset="2"/>
+              <a:buChar char="ü"/>
+            </a:pPr>
+            <a:r>
+              <a:rPr lang="en-US" sz="1600" dirty="0" smtClean="0">
+                <a:latin typeface="+mj-lt"/>
+                <a:cs typeface="Consolas" panose="020B0609020204030204" pitchFamily="49" charset="0"/>
+              </a:rPr>
+              <a:t>Type </a:t>
+            </a:r>
+            <a:r>
+              <a:rPr lang="en-US" sz="1600" dirty="0" err="1" smtClean="0">
+                <a:latin typeface="+mj-lt"/>
+                <a:cs typeface="Consolas" panose="020B0609020204030204" pitchFamily="49" charset="0"/>
+              </a:rPr>
+              <a:t>inetmgr</a:t>
+            </a:r>
+            <a:r>
+              <a:rPr lang="en-US" sz="1600" dirty="0" smtClean="0">
+                <a:latin typeface="+mj-lt"/>
+                <a:cs typeface="Consolas" panose="020B0609020204030204" pitchFamily="49" charset="0"/>
+              </a:rPr>
+              <a:t> in run box</a:t>
+            </a:r>
+          </a:p>
+          <a:p>
+            <a:pPr>
+              <a:buFont typeface="Wingdings" panose="05000000000000000000" pitchFamily="2" charset="2"/>
+              <a:buChar char="ü"/>
+            </a:pPr>
+            <a:r>
+              <a:rPr lang="en-US" sz="1600" dirty="0" smtClean="0">
+                <a:latin typeface="+mj-lt"/>
+                <a:cs typeface="Consolas" panose="020B0609020204030204" pitchFamily="49" charset="0"/>
+              </a:rPr>
+              <a:t> Right-click on Sites and click Add FTP Site</a:t>
+            </a:r>
+          </a:p>
+          <a:p>
+            <a:pPr>
+              <a:buFont typeface="Wingdings" panose="05000000000000000000" pitchFamily="2" charset="2"/>
+              <a:buChar char="ü"/>
+            </a:pPr>
+            <a:r>
+              <a:rPr lang="en-US" sz="1600" dirty="0" smtClean="0">
+                <a:latin typeface="+mj-lt"/>
+                <a:cs typeface="Consolas" panose="020B0609020204030204" pitchFamily="49" charset="0"/>
+              </a:rPr>
+              <a:t>Enter desired ftp site name and choose path to files, then Next</a:t>
+            </a:r>
+          </a:p>
+          <a:p>
+            <a:pPr>
+              <a:buFont typeface="Wingdings" panose="05000000000000000000" pitchFamily="2" charset="2"/>
+              <a:buChar char="ü"/>
+            </a:pPr>
+            <a:r>
+              <a:rPr lang="en-US" sz="1600" dirty="0" smtClean="0">
+                <a:latin typeface="+mj-lt"/>
+                <a:cs typeface="Consolas" panose="020B0609020204030204" pitchFamily="49" charset="0"/>
+              </a:rPr>
+              <a:t>Check No SSL and click Next</a:t>
+            </a:r>
+          </a:p>
+          <a:p>
+            <a:pPr>
+              <a:buFont typeface="Wingdings" panose="05000000000000000000" pitchFamily="2" charset="2"/>
+              <a:buChar char="ü"/>
+            </a:pPr>
+            <a:r>
+              <a:rPr lang="en-US" sz="1600" dirty="0" smtClean="0">
+                <a:latin typeface="+mj-lt"/>
+                <a:cs typeface="Consolas" panose="020B0609020204030204" pitchFamily="49" charset="0"/>
+              </a:rPr>
+              <a:t>Check Basic and select Specified users</a:t>
+            </a:r>
+          </a:p>
+          <a:p>
+            <a:pPr>
+              <a:buFont typeface="Wingdings" panose="05000000000000000000" pitchFamily="2" charset="2"/>
+              <a:buChar char="ü"/>
+            </a:pPr>
+            <a:r>
+              <a:rPr lang="en-US" sz="1600" dirty="0" smtClean="0">
+                <a:latin typeface="+mj-lt"/>
+                <a:cs typeface="Consolas" panose="020B0609020204030204" pitchFamily="49" charset="0"/>
+              </a:rPr>
+              <a:t>Type user name and check Read and Write</a:t>
+            </a:r>
+          </a:p>
+          <a:p>
+            <a:pPr>
+              <a:buFont typeface="Wingdings" panose="05000000000000000000" pitchFamily="2" charset="2"/>
+              <a:buChar char="ü"/>
+            </a:pPr>
+            <a:endParaRPr lang="en-US" sz="1600" dirty="0" smtClean="0">
+              <a:latin typeface="+mj-lt"/>
+              <a:cs typeface="Consolas" panose="020B0609020204030204" pitchFamily="49" charset="0"/>
+            </a:endParaRPr>
+          </a:p>
+          <a:p>
+            <a:pPr>
+              <a:buFont typeface="Wingdings" panose="05000000000000000000" pitchFamily="2" charset="2"/>
+              <a:buChar char="ü"/>
+            </a:pPr>
+            <a:endParaRPr lang="en-US" sz="1600" dirty="0">
+              <a:latin typeface="+mj-lt"/>
+              <a:cs typeface="Consolas" panose="020B0609020204030204" pitchFamily="49" charset="0"/>
+            </a:endParaRPr>
+          </a:p>
+        </p:txBody>
+      </p:sp>
+      <p:sp>
+        <p:nvSpPr>
+          <p:cNvPr id="2" name="TextBox 1">
+            <a:extLst>
+              <a:ext uri="{FF2B5EF4-FFF2-40B4-BE49-F238E27FC236}">
+                <a16:creationId xmlns="" xmlns:a16="http://schemas.microsoft.com/office/drawing/2014/main" id="{7E1B60D2-37BC-4418-8D7D-0D37A6BF000C}"/>
+              </a:ext>
+            </a:extLst>
+          </p:cNvPr>
+          <p:cNvSpPr txBox="1"/>
+          <p:nvPr/>
+        </p:nvSpPr>
+        <p:spPr>
+          <a:xfrm>
+            <a:off x="9011479" y="781878"/>
+            <a:ext cx="2557670" cy="369332"/>
+          </a:xfrm>
+          <a:prstGeom prst="rect">
+            <a:avLst/>
+          </a:prstGeom>
+          <a:noFill/>
+        </p:spPr>
+        <p:txBody>
+          <a:bodyPr wrap="square" rtlCol="0">
+            <a:spAutoFit/>
+          </a:bodyPr>
+          <a:lstStyle/>
+          <a:p>
+            <a:r>
+              <a:rPr lang="en-US" dirty="0">
+                <a:solidFill>
+                  <a:schemeClr val="accent5">
+                    <a:lumMod val="75000"/>
+                  </a:schemeClr>
+                </a:solidFill>
+              </a:rPr>
+              <a:t>BEAUTIFUL CULTURES</a:t>
+            </a:r>
+          </a:p>
+        </p:txBody>
+      </p:sp>
+      <p:pic>
+        <p:nvPicPr>
+          <p:cNvPr id="4" name="Picture 3">
+            <a:extLst>
+              <a:ext uri="{FF2B5EF4-FFF2-40B4-BE49-F238E27FC236}">
+                <a16:creationId xmlns="" xmlns:a16="http://schemas.microsoft.com/office/drawing/2014/main" id="{69A0275E-BE9E-4829-BFE4-9FBD1D0ECDAE}"/>
+              </a:ext>
+            </a:extLst>
+          </p:cNvPr>
+          <p:cNvPicPr>
+            <a:picLocks noChangeAspect="1"/>
+          </p:cNvPicPr>
+          <p:nvPr/>
+        </p:nvPicPr>
+        <p:blipFill>
+          <a:blip r:embed="rId2" cstate="print">
+            <a:extLst>
+              <a:ext uri="{28A0092B-C50C-407E-A947-70E740481C1C}">
+                <a14:useLocalDpi xmlns:a14="http://schemas.microsoft.com/office/drawing/2010/main" val="0"/>
+              </a:ext>
+            </a:extLst>
+          </a:blip>
+          <a:stretch>
+            <a:fillRect/>
+          </a:stretch>
+        </p:blipFill>
+        <p:spPr>
+          <a:xfrm>
+            <a:off x="8511209" y="587554"/>
+            <a:ext cx="500270" cy="500270"/>
+          </a:xfrm>
+          <a:prstGeom prst="rect">
+            <a:avLst/>
+          </a:prstGeom>
+        </p:spPr>
+      </p:pic>
+      <p:sp>
+        <p:nvSpPr>
+          <p:cNvPr id="6" name="TextBox 5">
+            <a:extLst>
+              <a:ext uri="{FF2B5EF4-FFF2-40B4-BE49-F238E27FC236}">
+                <a16:creationId xmlns="" xmlns:a16="http://schemas.microsoft.com/office/drawing/2014/main" id="{E2A636DD-DD38-4065-AC86-3F8FF521BF1D}"/>
+              </a:ext>
+            </a:extLst>
+          </p:cNvPr>
+          <p:cNvSpPr txBox="1"/>
+          <p:nvPr/>
+        </p:nvSpPr>
+        <p:spPr>
+          <a:xfrm>
+            <a:off x="9634330" y="1252770"/>
+            <a:ext cx="1535401" cy="369332"/>
+          </a:xfrm>
+          <a:prstGeom prst="rect">
+            <a:avLst/>
+          </a:prstGeom>
+          <a:noFill/>
+        </p:spPr>
+        <p:txBody>
+          <a:bodyPr wrap="square" rtlCol="0">
+            <a:spAutoFit/>
+          </a:bodyPr>
+          <a:lstStyle/>
+          <a:p>
+            <a:r>
+              <a:rPr lang="en-US" dirty="0" err="1">
+                <a:solidFill>
+                  <a:schemeClr val="accent2">
+                    <a:lumMod val="75000"/>
+                  </a:schemeClr>
+                </a:solidFill>
+              </a:rPr>
+              <a:t>Thet</a:t>
+            </a:r>
+            <a:r>
+              <a:rPr lang="en-US" dirty="0">
+                <a:solidFill>
+                  <a:schemeClr val="accent2">
+                    <a:lumMod val="75000"/>
+                  </a:schemeClr>
+                </a:solidFill>
+              </a:rPr>
+              <a:t> Lwin </a:t>
+            </a:r>
+            <a:r>
+              <a:rPr lang="en-US" dirty="0" err="1">
+                <a:solidFill>
+                  <a:schemeClr val="accent2">
+                    <a:lumMod val="75000"/>
+                  </a:schemeClr>
+                </a:solidFill>
+              </a:rPr>
+              <a:t>Oo</a:t>
+            </a:r>
+            <a:endParaRPr lang="en-US" dirty="0">
+              <a:solidFill>
+                <a:schemeClr val="accent2">
+                  <a:lumMod val="75000"/>
+                </a:schemeClr>
+              </a:solidFill>
+            </a:endParaRPr>
+          </a:p>
+        </p:txBody>
+      </p:sp>
+    </p:spTree>
+    <p:extLst>
+      <p:ext uri="{BB962C8B-B14F-4D97-AF65-F5344CB8AC3E}">
+        <p14:creationId xmlns:p14="http://schemas.microsoft.com/office/powerpoint/2010/main" val="934567085"/>
+      </p:ext>
+    </p:extLst>
+  </p:cSld>
+  <p:clrMapOvr>
+    <a:masterClrMapping/>
+  </p:clrMapOvr>
+  <mc:AlternateContent xmlns:mc="http://schemas.openxmlformats.org/markup-compatibility/2006" xmlns:p14="http://schemas.microsoft.com/office/powerpoint/2010/main">
+    <mc:Choice Requires="p14">
+      <p:transition p14:dur="10"/>
+    </mc:Choice>
+    <mc:Fallback xmlns="">
+      <p:transition/>
+    </mc:Fallback>
+  </mc:AlternateContent>
+  <p:timing>
+    <p:tnLst>
+      <p:par>
+        <p:cTn id="1" dur="indefinite" restart="never" nodeType="tmRoot"/>
+      </p:par>
+    </p:tnLst>
+  </p:timing>
+</p:sld>
+</file>
+
+<file path=ppt/slides/slide33.xml><?xml version="1.0" encoding="utf-8"?>
+<p:sld xmlns:a="http://schemas.openxmlformats.org/drawingml/2006/main" xmlns:r="http://schemas.openxmlformats.org/officeDocument/2006/relationships" xmlns:p="http://schemas.openxmlformats.org/presentationml/2006/main">
+  <p:cSld>
+    <p:spTree>
+      <p:nvGrpSpPr>
+        <p:cNvPr id="1" name=""/>
+        <p:cNvGrpSpPr/>
+        <p:nvPr/>
+      </p:nvGrpSpPr>
+      <p:grpSpPr>
+        <a:xfrm>
+          <a:off x="0" y="0"/>
+          <a:ext cx="0" cy="0"/>
+          <a:chOff x="0" y="0"/>
+          <a:chExt cx="0" cy="0"/>
+        </a:xfrm>
+      </p:grpSpPr>
+      <p:sp>
+        <p:nvSpPr>
+          <p:cNvPr id="8" name="Title 7"/>
+          <p:cNvSpPr>
+            <a:spLocks noGrp="1"/>
+          </p:cNvSpPr>
+          <p:nvPr>
+            <p:ph type="title"/>
+          </p:nvPr>
+        </p:nvSpPr>
+        <p:spPr>
+          <a:xfrm>
+            <a:off x="541610" y="448056"/>
+            <a:ext cx="6856716" cy="640080"/>
+          </a:xfrm>
+        </p:spPr>
+        <p:txBody>
+          <a:bodyPr>
+            <a:noAutofit/>
+          </a:bodyPr>
+          <a:lstStyle/>
+          <a:p>
+            <a:r>
+              <a:rPr lang="en-US" dirty="0" smtClean="0"/>
+              <a:t>File Uploading on </a:t>
+            </a:r>
+            <a:r>
+              <a:rPr lang="en-US" dirty="0" smtClean="0"/>
+              <a:t>FTP (View)</a:t>
+            </a:r>
+            <a:endParaRPr lang="en-US" dirty="0">
+              <a:latin typeface="Segoe UI Light" panose="020B0502040204020203" pitchFamily="34" charset="0"/>
+              <a:cs typeface="Segoe UI Light" panose="020B0502040204020203" pitchFamily="34" charset="0"/>
+            </a:endParaRPr>
+          </a:p>
+        </p:txBody>
+      </p:sp>
+      <p:sp>
+        <p:nvSpPr>
+          <p:cNvPr id="38" name="Content Placeholder 17"/>
+          <p:cNvSpPr txBox="1">
+            <a:spLocks/>
+          </p:cNvSpPr>
+          <p:nvPr/>
+        </p:nvSpPr>
+        <p:spPr>
+          <a:xfrm>
+            <a:off x="541610" y="1614860"/>
+            <a:ext cx="5034942" cy="1579101"/>
+          </a:xfrm>
+          <a:prstGeom prst="rect">
+            <a:avLst/>
+          </a:prstGeom>
+          <a:ln w="9525">
+            <a:solidFill>
+              <a:schemeClr val="tx1"/>
+            </a:solidFill>
+          </a:ln>
+        </p:spPr>
+        <p:txBody>
+          <a:bodyPr vert="horz" lIns="91440" tIns="45720" rIns="91440" bIns="45720" rtlCol="0">
+            <a:normAutofit/>
+          </a:bodyPr>
+          <a:lstStyle>
+            <a:lvl1pPr marL="228600" indent="-228600" algn="l" defTabSz="914400" rtl="0" eaLnBrk="1" latinLnBrk="0" hangingPunct="1">
+              <a:lnSpc>
+                <a:spcPts val="1800"/>
+              </a:lnSpc>
+              <a:spcBef>
+                <a:spcPts val="1000"/>
+              </a:spcBef>
+              <a:spcAft>
+                <a:spcPts val="1000"/>
+              </a:spcAft>
+              <a:buFont typeface="Arial" panose="020B0604020202020204" pitchFamily="34" charset="0"/>
+              <a:buChar char="•"/>
+              <a:defRPr lang="en-US" sz="1200" kern="1200" smtClean="0">
+                <a:solidFill>
+                  <a:schemeClr val="tx1">
+                    <a:lumMod val="75000"/>
+                    <a:lumOff val="25000"/>
+                  </a:schemeClr>
+                </a:solidFill>
+                <a:latin typeface="+mn-lt"/>
+                <a:ea typeface="+mn-ea"/>
+                <a:cs typeface="+mn-cs"/>
+              </a:defRPr>
+            </a:lvl1pPr>
+            <a:lvl2pPr marL="685800" indent="-228600" algn="l" defTabSz="914400" rtl="0" eaLnBrk="1" latinLnBrk="0" hangingPunct="1">
+              <a:lnSpc>
+                <a:spcPts val="1800"/>
+              </a:lnSpc>
+              <a:spcBef>
+                <a:spcPts val="1000"/>
+              </a:spcBef>
+              <a:spcAft>
+                <a:spcPts val="1000"/>
+              </a:spcAft>
+              <a:buFont typeface="Arial" panose="020B0604020202020204" pitchFamily="34" charset="0"/>
+              <a:buChar char="•"/>
+              <a:defRPr lang="en-US" sz="1200" kern="1200" smtClean="0">
+                <a:solidFill>
+                  <a:schemeClr val="tx1">
+                    <a:lumMod val="75000"/>
+                    <a:lumOff val="25000"/>
+                  </a:schemeClr>
+                </a:solidFill>
+                <a:latin typeface="+mn-lt"/>
+                <a:ea typeface="+mn-ea"/>
+                <a:cs typeface="+mn-cs"/>
+              </a:defRPr>
+            </a:lvl2pPr>
+            <a:lvl3pPr marL="1143000" indent="-228600" algn="l" defTabSz="914400" rtl="0" eaLnBrk="1" latinLnBrk="0" hangingPunct="1">
+              <a:lnSpc>
+                <a:spcPts val="1800"/>
+              </a:lnSpc>
+              <a:spcBef>
+                <a:spcPts val="1000"/>
+              </a:spcBef>
+              <a:spcAft>
+                <a:spcPts val="1000"/>
+              </a:spcAft>
+              <a:buFont typeface="Arial" panose="020B0604020202020204" pitchFamily="34" charset="0"/>
+              <a:buChar char="•"/>
+              <a:defRPr lang="en-US" sz="1200" kern="1200" smtClean="0">
+                <a:solidFill>
+                  <a:schemeClr val="tx1">
+                    <a:lumMod val="75000"/>
+                    <a:lumOff val="25000"/>
+                  </a:schemeClr>
+                </a:solidFill>
+                <a:latin typeface="+mn-lt"/>
+                <a:ea typeface="+mn-ea"/>
+                <a:cs typeface="+mn-cs"/>
+              </a:defRPr>
+            </a:lvl3pPr>
+            <a:lvl4pPr marL="1600200" indent="-228600" algn="l" defTabSz="914400" rtl="0" eaLnBrk="1" latinLnBrk="0" hangingPunct="1">
+              <a:lnSpc>
+                <a:spcPts val="1800"/>
+              </a:lnSpc>
+              <a:spcBef>
+                <a:spcPts val="1000"/>
+              </a:spcBef>
+              <a:spcAft>
+                <a:spcPts val="1000"/>
+              </a:spcAft>
+              <a:buFont typeface="Arial" panose="020B0604020202020204" pitchFamily="34" charset="0"/>
+              <a:buChar char="•"/>
+              <a:defRPr lang="en-US" sz="1200" kern="1200" smtClean="0">
+                <a:solidFill>
+                  <a:schemeClr val="tx1">
+                    <a:lumMod val="75000"/>
+                    <a:lumOff val="25000"/>
+                  </a:schemeClr>
+                </a:solidFill>
+                <a:latin typeface="+mn-lt"/>
+                <a:ea typeface="+mn-ea"/>
+                <a:cs typeface="+mn-cs"/>
+              </a:defRPr>
+            </a:lvl4pPr>
+            <a:lvl5pPr marL="2057400" indent="-228600" algn="l" defTabSz="914400" rtl="0" eaLnBrk="1" latinLnBrk="0" hangingPunct="1">
+              <a:lnSpc>
+                <a:spcPts val="1800"/>
+              </a:lnSpc>
+              <a:spcBef>
+                <a:spcPts val="1000"/>
+              </a:spcBef>
+              <a:spcAft>
+                <a:spcPts val="1000"/>
+              </a:spcAft>
+              <a:buFont typeface="Arial" panose="020B0604020202020204" pitchFamily="34" charset="0"/>
+              <a:buChar char="•"/>
+              <a:defRPr lang="en-US" sz="1200" kern="1200">
+                <a:solidFill>
+                  <a:schemeClr val="tx1">
+                    <a:lumMod val="75000"/>
+                    <a:lumOff val="25000"/>
+                  </a:schemeClr>
+                </a:solidFill>
+                <a:latin typeface="+mn-lt"/>
+                <a:ea typeface="+mn-ea"/>
+                <a:cs typeface="+mn-cs"/>
+              </a:defRPr>
+            </a:lvl5pPr>
+            <a:lvl6pPr marL="2514600" indent="-228600" algn="l" defTabSz="914400" rtl="0" eaLnBrk="1" latinLnBrk="0" hangingPunct="1">
+              <a:lnSpc>
+                <a:spcPct val="90000"/>
+              </a:lnSpc>
+              <a:spcBef>
+                <a:spcPct val="30000"/>
+              </a:spcBef>
+              <a:buFont typeface="Arial" panose="020B0604020202020204" pitchFamily="34" charset="0"/>
+              <a:buChar char="•"/>
+              <a:defRPr sz="1800" kern="1200">
+                <a:solidFill>
+                  <a:schemeClr val="tx1"/>
+                </a:solidFill>
+                <a:latin typeface="+mn-lt"/>
+                <a:ea typeface="+mn-ea"/>
+                <a:cs typeface="+mn-cs"/>
+              </a:defRPr>
+            </a:lvl6pPr>
+            <a:lvl7pPr marL="2971800" indent="-228600" algn="l" defTabSz="914400" rtl="0" eaLnBrk="1" latinLnBrk="0" hangingPunct="1">
+              <a:lnSpc>
+                <a:spcPct val="90000"/>
+              </a:lnSpc>
+              <a:spcBef>
+                <a:spcPct val="30000"/>
+              </a:spcBef>
+              <a:buFont typeface="Arial" panose="020B0604020202020204" pitchFamily="34" charset="0"/>
+              <a:buChar char="•"/>
+              <a:defRPr sz="1800" kern="1200">
+                <a:solidFill>
+                  <a:schemeClr val="tx1"/>
+                </a:solidFill>
+                <a:latin typeface="+mn-lt"/>
+                <a:ea typeface="+mn-ea"/>
+                <a:cs typeface="+mn-cs"/>
+              </a:defRPr>
+            </a:lvl7pPr>
+            <a:lvl8pPr marL="3429000" indent="-228600" algn="l" defTabSz="914400" rtl="0" eaLnBrk="1" latinLnBrk="0" hangingPunct="1">
+              <a:lnSpc>
+                <a:spcPct val="90000"/>
+              </a:lnSpc>
+              <a:spcBef>
+                <a:spcPct val="30000"/>
+              </a:spcBef>
+              <a:buFont typeface="Arial" panose="020B0604020202020204" pitchFamily="34" charset="0"/>
+              <a:buChar char="•"/>
+              <a:defRPr sz="1800" kern="1200">
+                <a:solidFill>
+                  <a:schemeClr val="tx1"/>
+                </a:solidFill>
+                <a:latin typeface="+mn-lt"/>
+                <a:ea typeface="+mn-ea"/>
+                <a:cs typeface="+mn-cs"/>
+              </a:defRPr>
+            </a:lvl8pPr>
+            <a:lvl9pPr marL="3886200" indent="-228600" algn="l" defTabSz="914400" rtl="0" eaLnBrk="1" latinLnBrk="0" hangingPunct="1">
+              <a:lnSpc>
+                <a:spcPct val="90000"/>
+              </a:lnSpc>
+              <a:spcBef>
+                <a:spcPct val="30000"/>
+              </a:spcBef>
+              <a:buFont typeface="Arial" panose="020B0604020202020204" pitchFamily="34" charset="0"/>
+              <a:buChar char="•"/>
+              <a:defRPr sz="1800" kern="1200">
+                <a:solidFill>
+                  <a:schemeClr val="tx1"/>
+                </a:solidFill>
+                <a:latin typeface="+mn-lt"/>
+                <a:ea typeface="+mn-ea"/>
+                <a:cs typeface="+mn-cs"/>
+              </a:defRPr>
+            </a:lvl9pPr>
+          </a:lstStyle>
+          <a:p>
+            <a:pPr marL="0" indent="0">
+              <a:buNone/>
+            </a:pPr>
+            <a:r>
+              <a:rPr lang="en-US" sz="1600" b="1" dirty="0" smtClean="0">
+                <a:latin typeface="+mj-lt"/>
+              </a:rPr>
+              <a:t>HTML</a:t>
+            </a:r>
+          </a:p>
+          <a:p>
+            <a:pPr marL="0" indent="0">
+              <a:buNone/>
+            </a:pPr>
+            <a:r>
+              <a:rPr lang="en-US" sz="1100" dirty="0"/>
+              <a:t>&lt;input type="file" id</a:t>
+            </a:r>
+            <a:r>
+              <a:rPr lang="en-US" sz="1100" dirty="0" smtClean="0"/>
+              <a:t>=“</a:t>
+            </a:r>
+            <a:r>
+              <a:rPr lang="en-US" sz="1100" dirty="0" err="1" smtClean="0"/>
+              <a:t>fupFile</a:t>
+            </a:r>
+            <a:r>
+              <a:rPr lang="en-US" sz="1100" dirty="0" smtClean="0"/>
+              <a:t>" </a:t>
+            </a:r>
+            <a:r>
+              <a:rPr lang="en-US" sz="1100" dirty="0"/>
+              <a:t>/&gt;</a:t>
+            </a:r>
+          </a:p>
+          <a:p>
+            <a:pPr marL="0" indent="0">
+              <a:buNone/>
+            </a:pPr>
+            <a:r>
+              <a:rPr lang="en-US" sz="1100" dirty="0"/>
+              <a:t>&lt;input type="button" id="</a:t>
+            </a:r>
+            <a:r>
+              <a:rPr lang="en-US" sz="1100" dirty="0" err="1"/>
+              <a:t>btnUpload</a:t>
+            </a:r>
+            <a:r>
+              <a:rPr lang="en-US" sz="1100" dirty="0"/>
+              <a:t>" value="</a:t>
+            </a:r>
+            <a:r>
+              <a:rPr lang="en-US" sz="1100" dirty="0" smtClean="0"/>
+              <a:t>Upload" </a:t>
+            </a:r>
+            <a:r>
+              <a:rPr lang="en-US" sz="1100" dirty="0"/>
+              <a:t>/&gt;</a:t>
+            </a:r>
+            <a:endParaRPr lang="en-US" sz="1100" dirty="0" smtClean="0">
+              <a:latin typeface="+mj-lt"/>
+            </a:endParaRPr>
+          </a:p>
+        </p:txBody>
+      </p:sp>
+      <p:sp>
+        <p:nvSpPr>
+          <p:cNvPr id="2" name="TextBox 1">
+            <a:extLst>
+              <a:ext uri="{FF2B5EF4-FFF2-40B4-BE49-F238E27FC236}">
+                <a16:creationId xmlns="" xmlns:a16="http://schemas.microsoft.com/office/drawing/2014/main" id="{7E1B60D2-37BC-4418-8D7D-0D37A6BF000C}"/>
+              </a:ext>
+            </a:extLst>
+          </p:cNvPr>
+          <p:cNvSpPr txBox="1"/>
+          <p:nvPr/>
+        </p:nvSpPr>
+        <p:spPr>
+          <a:xfrm>
+            <a:off x="9011479" y="781878"/>
+            <a:ext cx="2557670" cy="369332"/>
+          </a:xfrm>
+          <a:prstGeom prst="rect">
+            <a:avLst/>
+          </a:prstGeom>
+          <a:noFill/>
+        </p:spPr>
+        <p:txBody>
+          <a:bodyPr wrap="square" rtlCol="0">
+            <a:spAutoFit/>
+          </a:bodyPr>
+          <a:lstStyle/>
+          <a:p>
+            <a:r>
+              <a:rPr lang="en-US" dirty="0">
+                <a:solidFill>
+                  <a:schemeClr val="accent5">
+                    <a:lumMod val="75000"/>
+                  </a:schemeClr>
+                </a:solidFill>
+              </a:rPr>
+              <a:t>BEAUTIFUL CULTURES</a:t>
+            </a:r>
+          </a:p>
+        </p:txBody>
+      </p:sp>
+      <p:pic>
+        <p:nvPicPr>
+          <p:cNvPr id="4" name="Picture 3">
+            <a:extLst>
+              <a:ext uri="{FF2B5EF4-FFF2-40B4-BE49-F238E27FC236}">
+                <a16:creationId xmlns="" xmlns:a16="http://schemas.microsoft.com/office/drawing/2014/main" id="{69A0275E-BE9E-4829-BFE4-9FBD1D0ECDAE}"/>
+              </a:ext>
+            </a:extLst>
+          </p:cNvPr>
+          <p:cNvPicPr>
+            <a:picLocks noChangeAspect="1"/>
+          </p:cNvPicPr>
+          <p:nvPr/>
+        </p:nvPicPr>
+        <p:blipFill>
+          <a:blip r:embed="rId2" cstate="print">
+            <a:extLst>
+              <a:ext uri="{28A0092B-C50C-407E-A947-70E740481C1C}">
+                <a14:useLocalDpi xmlns:a14="http://schemas.microsoft.com/office/drawing/2010/main" val="0"/>
+              </a:ext>
+            </a:extLst>
+          </a:blip>
+          <a:stretch>
+            <a:fillRect/>
+          </a:stretch>
+        </p:blipFill>
+        <p:spPr>
+          <a:xfrm>
+            <a:off x="8511209" y="587554"/>
+            <a:ext cx="500270" cy="500270"/>
+          </a:xfrm>
+          <a:prstGeom prst="rect">
+            <a:avLst/>
+          </a:prstGeom>
+        </p:spPr>
+      </p:pic>
+      <p:sp>
+        <p:nvSpPr>
+          <p:cNvPr id="6" name="TextBox 5">
+            <a:extLst>
+              <a:ext uri="{FF2B5EF4-FFF2-40B4-BE49-F238E27FC236}">
+                <a16:creationId xmlns="" xmlns:a16="http://schemas.microsoft.com/office/drawing/2014/main" id="{E2A636DD-DD38-4065-AC86-3F8FF521BF1D}"/>
+              </a:ext>
+            </a:extLst>
+          </p:cNvPr>
+          <p:cNvSpPr txBox="1"/>
+          <p:nvPr/>
+        </p:nvSpPr>
+        <p:spPr>
+          <a:xfrm>
+            <a:off x="9634330" y="1252770"/>
+            <a:ext cx="1535401" cy="369332"/>
+          </a:xfrm>
+          <a:prstGeom prst="rect">
+            <a:avLst/>
+          </a:prstGeom>
+          <a:noFill/>
+        </p:spPr>
+        <p:txBody>
+          <a:bodyPr wrap="square" rtlCol="0">
+            <a:spAutoFit/>
+          </a:bodyPr>
+          <a:lstStyle/>
+          <a:p>
+            <a:r>
+              <a:rPr lang="en-US" dirty="0" err="1">
+                <a:solidFill>
+                  <a:schemeClr val="accent2">
+                    <a:lumMod val="75000"/>
+                  </a:schemeClr>
+                </a:solidFill>
+              </a:rPr>
+              <a:t>Thet</a:t>
+            </a:r>
+            <a:r>
+              <a:rPr lang="en-US" dirty="0">
+                <a:solidFill>
+                  <a:schemeClr val="accent2">
+                    <a:lumMod val="75000"/>
+                  </a:schemeClr>
+                </a:solidFill>
+              </a:rPr>
+              <a:t> Lwin </a:t>
+            </a:r>
+            <a:r>
+              <a:rPr lang="en-US" dirty="0" err="1">
+                <a:solidFill>
+                  <a:schemeClr val="accent2">
+                    <a:lumMod val="75000"/>
+                  </a:schemeClr>
+                </a:solidFill>
+              </a:rPr>
+              <a:t>Oo</a:t>
+            </a:r>
+            <a:endParaRPr lang="en-US" dirty="0">
+              <a:solidFill>
+                <a:schemeClr val="accent2">
+                  <a:lumMod val="75000"/>
+                </a:schemeClr>
+              </a:solidFill>
+            </a:endParaRPr>
+          </a:p>
+        </p:txBody>
+      </p:sp>
+      <p:sp>
+        <p:nvSpPr>
+          <p:cNvPr id="7" name="Content Placeholder 17"/>
+          <p:cNvSpPr txBox="1">
+            <a:spLocks/>
+          </p:cNvSpPr>
+          <p:nvPr/>
+        </p:nvSpPr>
+        <p:spPr>
+          <a:xfrm>
+            <a:off x="5689008" y="1589597"/>
+            <a:ext cx="6144672" cy="4990872"/>
+          </a:xfrm>
+          <a:prstGeom prst="rect">
+            <a:avLst/>
+          </a:prstGeom>
+          <a:ln w="9525">
+            <a:solidFill>
+              <a:schemeClr val="tx1"/>
+            </a:solidFill>
+          </a:ln>
+        </p:spPr>
+        <p:txBody>
+          <a:bodyPr vert="horz" lIns="91440" tIns="45720" rIns="91440" bIns="45720" rtlCol="0">
+            <a:normAutofit/>
+          </a:bodyPr>
+          <a:lstStyle>
+            <a:lvl1pPr marL="228600" indent="-228600" algn="l" defTabSz="914400" rtl="0" eaLnBrk="1" latinLnBrk="0" hangingPunct="1">
+              <a:lnSpc>
+                <a:spcPts val="1800"/>
+              </a:lnSpc>
+              <a:spcBef>
+                <a:spcPts val="1000"/>
+              </a:spcBef>
+              <a:spcAft>
+                <a:spcPts val="1000"/>
+              </a:spcAft>
+              <a:buFont typeface="Arial" panose="020B0604020202020204" pitchFamily="34" charset="0"/>
+              <a:buChar char="•"/>
+              <a:defRPr lang="en-US" sz="1200" kern="1200" smtClean="0">
+                <a:solidFill>
+                  <a:schemeClr val="tx1">
+                    <a:lumMod val="75000"/>
+                    <a:lumOff val="25000"/>
+                  </a:schemeClr>
+                </a:solidFill>
+                <a:latin typeface="+mn-lt"/>
+                <a:ea typeface="+mn-ea"/>
+                <a:cs typeface="+mn-cs"/>
+              </a:defRPr>
+            </a:lvl1pPr>
+            <a:lvl2pPr marL="685800" indent="-228600" algn="l" defTabSz="914400" rtl="0" eaLnBrk="1" latinLnBrk="0" hangingPunct="1">
+              <a:lnSpc>
+                <a:spcPts val="1800"/>
+              </a:lnSpc>
+              <a:spcBef>
+                <a:spcPts val="1000"/>
+              </a:spcBef>
+              <a:spcAft>
+                <a:spcPts val="1000"/>
+              </a:spcAft>
+              <a:buFont typeface="Arial" panose="020B0604020202020204" pitchFamily="34" charset="0"/>
+              <a:buChar char="•"/>
+              <a:defRPr lang="en-US" sz="1200" kern="1200" smtClean="0">
+                <a:solidFill>
+                  <a:schemeClr val="tx1">
+                    <a:lumMod val="75000"/>
+                    <a:lumOff val="25000"/>
+                  </a:schemeClr>
+                </a:solidFill>
+                <a:latin typeface="+mn-lt"/>
+                <a:ea typeface="+mn-ea"/>
+                <a:cs typeface="+mn-cs"/>
+              </a:defRPr>
+            </a:lvl2pPr>
+            <a:lvl3pPr marL="1143000" indent="-228600" algn="l" defTabSz="914400" rtl="0" eaLnBrk="1" latinLnBrk="0" hangingPunct="1">
+              <a:lnSpc>
+                <a:spcPts val="1800"/>
+              </a:lnSpc>
+              <a:spcBef>
+                <a:spcPts val="1000"/>
+              </a:spcBef>
+              <a:spcAft>
+                <a:spcPts val="1000"/>
+              </a:spcAft>
+              <a:buFont typeface="Arial" panose="020B0604020202020204" pitchFamily="34" charset="0"/>
+              <a:buChar char="•"/>
+              <a:defRPr lang="en-US" sz="1200" kern="1200" smtClean="0">
+                <a:solidFill>
+                  <a:schemeClr val="tx1">
+                    <a:lumMod val="75000"/>
+                    <a:lumOff val="25000"/>
+                  </a:schemeClr>
+                </a:solidFill>
+                <a:latin typeface="+mn-lt"/>
+                <a:ea typeface="+mn-ea"/>
+                <a:cs typeface="+mn-cs"/>
+              </a:defRPr>
+            </a:lvl3pPr>
+            <a:lvl4pPr marL="1600200" indent="-228600" algn="l" defTabSz="914400" rtl="0" eaLnBrk="1" latinLnBrk="0" hangingPunct="1">
+              <a:lnSpc>
+                <a:spcPts val="1800"/>
+              </a:lnSpc>
+              <a:spcBef>
+                <a:spcPts val="1000"/>
+              </a:spcBef>
+              <a:spcAft>
+                <a:spcPts val="1000"/>
+              </a:spcAft>
+              <a:buFont typeface="Arial" panose="020B0604020202020204" pitchFamily="34" charset="0"/>
+              <a:buChar char="•"/>
+              <a:defRPr lang="en-US" sz="1200" kern="1200" smtClean="0">
+                <a:solidFill>
+                  <a:schemeClr val="tx1">
+                    <a:lumMod val="75000"/>
+                    <a:lumOff val="25000"/>
+                  </a:schemeClr>
+                </a:solidFill>
+                <a:latin typeface="+mn-lt"/>
+                <a:ea typeface="+mn-ea"/>
+                <a:cs typeface="+mn-cs"/>
+              </a:defRPr>
+            </a:lvl4pPr>
+            <a:lvl5pPr marL="2057400" indent="-228600" algn="l" defTabSz="914400" rtl="0" eaLnBrk="1" latinLnBrk="0" hangingPunct="1">
+              <a:lnSpc>
+                <a:spcPts val="1800"/>
+              </a:lnSpc>
+              <a:spcBef>
+                <a:spcPts val="1000"/>
+              </a:spcBef>
+              <a:spcAft>
+                <a:spcPts val="1000"/>
+              </a:spcAft>
+              <a:buFont typeface="Arial" panose="020B0604020202020204" pitchFamily="34" charset="0"/>
+              <a:buChar char="•"/>
+              <a:defRPr lang="en-US" sz="1200" kern="1200">
+                <a:solidFill>
+                  <a:schemeClr val="tx1">
+                    <a:lumMod val="75000"/>
+                    <a:lumOff val="25000"/>
+                  </a:schemeClr>
+                </a:solidFill>
+                <a:latin typeface="+mn-lt"/>
+                <a:ea typeface="+mn-ea"/>
+                <a:cs typeface="+mn-cs"/>
+              </a:defRPr>
+            </a:lvl5pPr>
+            <a:lvl6pPr marL="2514600" indent="-228600" algn="l" defTabSz="914400" rtl="0" eaLnBrk="1" latinLnBrk="0" hangingPunct="1">
+              <a:lnSpc>
+                <a:spcPct val="90000"/>
+              </a:lnSpc>
+              <a:spcBef>
+                <a:spcPct val="30000"/>
+              </a:spcBef>
+              <a:buFont typeface="Arial" panose="020B0604020202020204" pitchFamily="34" charset="0"/>
+              <a:buChar char="•"/>
+              <a:defRPr sz="1800" kern="1200">
+                <a:solidFill>
+                  <a:schemeClr val="tx1"/>
+                </a:solidFill>
+                <a:latin typeface="+mn-lt"/>
+                <a:ea typeface="+mn-ea"/>
+                <a:cs typeface="+mn-cs"/>
+              </a:defRPr>
+            </a:lvl6pPr>
+            <a:lvl7pPr marL="2971800" indent="-228600" algn="l" defTabSz="914400" rtl="0" eaLnBrk="1" latinLnBrk="0" hangingPunct="1">
+              <a:lnSpc>
+                <a:spcPct val="90000"/>
+              </a:lnSpc>
+              <a:spcBef>
+                <a:spcPct val="30000"/>
+              </a:spcBef>
+              <a:buFont typeface="Arial" panose="020B0604020202020204" pitchFamily="34" charset="0"/>
+              <a:buChar char="•"/>
+              <a:defRPr sz="1800" kern="1200">
+                <a:solidFill>
+                  <a:schemeClr val="tx1"/>
+                </a:solidFill>
+                <a:latin typeface="+mn-lt"/>
+                <a:ea typeface="+mn-ea"/>
+                <a:cs typeface="+mn-cs"/>
+              </a:defRPr>
+            </a:lvl7pPr>
+            <a:lvl8pPr marL="3429000" indent="-228600" algn="l" defTabSz="914400" rtl="0" eaLnBrk="1" latinLnBrk="0" hangingPunct="1">
+              <a:lnSpc>
+                <a:spcPct val="90000"/>
+              </a:lnSpc>
+              <a:spcBef>
+                <a:spcPct val="30000"/>
+              </a:spcBef>
+              <a:buFont typeface="Arial" panose="020B0604020202020204" pitchFamily="34" charset="0"/>
+              <a:buChar char="•"/>
+              <a:defRPr sz="1800" kern="1200">
+                <a:solidFill>
+                  <a:schemeClr val="tx1"/>
+                </a:solidFill>
+                <a:latin typeface="+mn-lt"/>
+                <a:ea typeface="+mn-ea"/>
+                <a:cs typeface="+mn-cs"/>
+              </a:defRPr>
+            </a:lvl8pPr>
+            <a:lvl9pPr marL="3886200" indent="-228600" algn="l" defTabSz="914400" rtl="0" eaLnBrk="1" latinLnBrk="0" hangingPunct="1">
+              <a:lnSpc>
+                <a:spcPct val="90000"/>
+              </a:lnSpc>
+              <a:spcBef>
+                <a:spcPct val="30000"/>
+              </a:spcBef>
+              <a:buFont typeface="Arial" panose="020B0604020202020204" pitchFamily="34" charset="0"/>
+              <a:buChar char="•"/>
+              <a:defRPr sz="1800" kern="1200">
+                <a:solidFill>
+                  <a:schemeClr val="tx1"/>
+                </a:solidFill>
+                <a:latin typeface="+mn-lt"/>
+                <a:ea typeface="+mn-ea"/>
+                <a:cs typeface="+mn-cs"/>
+              </a:defRPr>
+            </a:lvl9pPr>
+          </a:lstStyle>
+          <a:p>
+            <a:pPr marL="0" indent="0">
+              <a:buNone/>
+            </a:pPr>
+            <a:r>
+              <a:rPr lang="en-US" sz="1600" b="1" dirty="0" smtClean="0">
+                <a:latin typeface="+mj-lt"/>
+              </a:rPr>
+              <a:t>Script</a:t>
+            </a:r>
+          </a:p>
+          <a:p>
+            <a:pPr marL="0" indent="0">
+              <a:lnSpc>
+                <a:spcPct val="70000"/>
+              </a:lnSpc>
+              <a:buNone/>
+            </a:pPr>
+            <a:r>
+              <a:rPr lang="en-US" dirty="0" err="1" smtClean="0"/>
+              <a:t>var</a:t>
+            </a:r>
+            <a:r>
+              <a:rPr lang="en-US" dirty="0" smtClean="0"/>
+              <a:t> </a:t>
+            </a:r>
+            <a:r>
+              <a:rPr lang="en-US" dirty="0" err="1"/>
+              <a:t>fileUpload</a:t>
+            </a:r>
+            <a:r>
+              <a:rPr lang="en-US" dirty="0"/>
+              <a:t> = </a:t>
+            </a:r>
+            <a:r>
+              <a:rPr lang="en-US" dirty="0" smtClean="0"/>
+              <a:t>$("#</a:t>
+            </a:r>
+            <a:r>
+              <a:rPr lang="en-US" dirty="0" err="1" smtClean="0"/>
+              <a:t>fupFile</a:t>
+            </a:r>
+            <a:r>
+              <a:rPr lang="en-US" dirty="0" smtClean="0"/>
+              <a:t>").</a:t>
+            </a:r>
+            <a:r>
+              <a:rPr lang="en-US" dirty="0"/>
+              <a:t>get(0</a:t>
+            </a:r>
+            <a:r>
+              <a:rPr lang="en-US" dirty="0" smtClean="0"/>
+              <a:t>);</a:t>
+            </a:r>
+          </a:p>
+          <a:p>
+            <a:pPr marL="0" indent="0">
+              <a:lnSpc>
+                <a:spcPct val="70000"/>
+              </a:lnSpc>
+              <a:buNone/>
+            </a:pPr>
+            <a:r>
+              <a:rPr lang="en-US" dirty="0" err="1" smtClean="0"/>
+              <a:t>var</a:t>
+            </a:r>
+            <a:r>
+              <a:rPr lang="en-US" dirty="0" smtClean="0"/>
+              <a:t> </a:t>
+            </a:r>
+            <a:r>
+              <a:rPr lang="en-US" dirty="0"/>
+              <a:t>files = </a:t>
+            </a:r>
+            <a:r>
+              <a:rPr lang="en-US" dirty="0" err="1"/>
+              <a:t>fileUpload.files</a:t>
+            </a:r>
+            <a:r>
+              <a:rPr lang="en-US" dirty="0" smtClean="0"/>
+              <a:t>;</a:t>
+            </a:r>
+          </a:p>
+          <a:p>
+            <a:pPr marL="0" indent="0">
+              <a:lnSpc>
+                <a:spcPct val="70000"/>
+              </a:lnSpc>
+              <a:buNone/>
+            </a:pPr>
+            <a:r>
+              <a:rPr lang="en-US" dirty="0" err="1" smtClean="0"/>
+              <a:t>var</a:t>
+            </a:r>
+            <a:r>
+              <a:rPr lang="en-US" dirty="0" smtClean="0"/>
+              <a:t> </a:t>
+            </a:r>
+            <a:r>
+              <a:rPr lang="en-US" dirty="0" err="1"/>
+              <a:t>fileData</a:t>
+            </a:r>
+            <a:r>
+              <a:rPr lang="en-US" dirty="0"/>
+              <a:t> = new </a:t>
+            </a:r>
+            <a:r>
+              <a:rPr lang="en-US" dirty="0" err="1"/>
+              <a:t>FormData</a:t>
+            </a:r>
+            <a:r>
+              <a:rPr lang="en-US" dirty="0" smtClean="0"/>
+              <a:t>();</a:t>
+            </a:r>
+          </a:p>
+          <a:p>
+            <a:pPr marL="0" indent="0">
+              <a:lnSpc>
+                <a:spcPct val="70000"/>
+              </a:lnSpc>
+              <a:buNone/>
+            </a:pPr>
+            <a:r>
+              <a:rPr lang="en-US" dirty="0" err="1" smtClean="0"/>
+              <a:t>fileData.append</a:t>
+            </a:r>
+            <a:r>
+              <a:rPr lang="en-US" dirty="0" smtClean="0"/>
+              <a:t>(files[0</a:t>
+            </a:r>
+            <a:r>
+              <a:rPr lang="en-US" dirty="0"/>
+              <a:t>].name, files[0</a:t>
+            </a:r>
+            <a:r>
+              <a:rPr lang="en-US" dirty="0" smtClean="0"/>
+              <a:t>]);</a:t>
+            </a:r>
+          </a:p>
+          <a:p>
+            <a:pPr marL="0" indent="0">
+              <a:lnSpc>
+                <a:spcPct val="70000"/>
+              </a:lnSpc>
+              <a:buNone/>
+            </a:pPr>
+            <a:r>
+              <a:rPr lang="en-US" dirty="0" smtClean="0"/>
+              <a:t>$.</a:t>
+            </a:r>
+            <a:r>
+              <a:rPr lang="en-US" dirty="0" err="1"/>
+              <a:t>ajax</a:t>
+            </a:r>
+            <a:r>
+              <a:rPr lang="en-US" dirty="0" smtClean="0"/>
+              <a:t>({</a:t>
+            </a:r>
+          </a:p>
+          <a:p>
+            <a:pPr marL="0" indent="0">
+              <a:lnSpc>
+                <a:spcPct val="70000"/>
+              </a:lnSpc>
+              <a:buNone/>
+            </a:pPr>
+            <a:r>
+              <a:rPr lang="en-US" dirty="0"/>
+              <a:t>	</a:t>
+            </a:r>
+            <a:r>
+              <a:rPr lang="en-US" dirty="0" smtClean="0"/>
+              <a:t>url</a:t>
+            </a:r>
+            <a:r>
+              <a:rPr lang="en-US" dirty="0"/>
+              <a:t>: '/</a:t>
+            </a:r>
+            <a:r>
+              <a:rPr lang="en-US" dirty="0" err="1"/>
+              <a:t>FileAttach</a:t>
+            </a:r>
+            <a:r>
+              <a:rPr lang="en-US" dirty="0"/>
+              <a:t>/</a:t>
+            </a:r>
+            <a:r>
+              <a:rPr lang="en-US" dirty="0" err="1"/>
+              <a:t>UploadFiles</a:t>
+            </a:r>
+            <a:r>
+              <a:rPr lang="en-US" dirty="0" smtClean="0"/>
+              <a:t>',</a:t>
+            </a:r>
+          </a:p>
+          <a:p>
+            <a:pPr marL="0" indent="0">
+              <a:lnSpc>
+                <a:spcPct val="70000"/>
+              </a:lnSpc>
+              <a:buNone/>
+            </a:pPr>
+            <a:r>
+              <a:rPr lang="en-US" dirty="0"/>
+              <a:t>	</a:t>
+            </a:r>
+            <a:r>
+              <a:rPr lang="en-US" dirty="0" smtClean="0"/>
+              <a:t>type</a:t>
+            </a:r>
+            <a:r>
+              <a:rPr lang="en-US" dirty="0"/>
+              <a:t>: "POST</a:t>
+            </a:r>
+            <a:r>
+              <a:rPr lang="en-US" dirty="0" smtClean="0"/>
+              <a:t>",</a:t>
+            </a:r>
+          </a:p>
+          <a:p>
+            <a:pPr marL="0" indent="0">
+              <a:lnSpc>
+                <a:spcPct val="70000"/>
+              </a:lnSpc>
+              <a:buNone/>
+            </a:pPr>
+            <a:r>
+              <a:rPr lang="en-US" dirty="0"/>
+              <a:t>	</a:t>
+            </a:r>
+            <a:r>
+              <a:rPr lang="en-US" dirty="0" err="1" smtClean="0"/>
+              <a:t>contentType</a:t>
+            </a:r>
+            <a:r>
+              <a:rPr lang="en-US" dirty="0"/>
+              <a:t>: false, </a:t>
+            </a:r>
+            <a:endParaRPr lang="en-US" dirty="0" smtClean="0"/>
+          </a:p>
+          <a:p>
+            <a:pPr marL="0" indent="0">
+              <a:lnSpc>
+                <a:spcPct val="70000"/>
+              </a:lnSpc>
+              <a:buNone/>
+            </a:pPr>
+            <a:r>
+              <a:rPr lang="en-US" dirty="0"/>
+              <a:t>	</a:t>
+            </a:r>
+            <a:r>
+              <a:rPr lang="en-US" dirty="0" err="1" smtClean="0"/>
+              <a:t>processData</a:t>
+            </a:r>
+            <a:r>
+              <a:rPr lang="en-US" dirty="0"/>
+              <a:t>: false, </a:t>
+            </a:r>
+            <a:endParaRPr lang="en-US" dirty="0" smtClean="0"/>
+          </a:p>
+          <a:p>
+            <a:pPr marL="0" indent="0">
+              <a:lnSpc>
+                <a:spcPct val="70000"/>
+              </a:lnSpc>
+              <a:buNone/>
+            </a:pPr>
+            <a:r>
+              <a:rPr lang="en-US" dirty="0"/>
+              <a:t>	</a:t>
+            </a:r>
+            <a:r>
+              <a:rPr lang="en-US" dirty="0" smtClean="0"/>
+              <a:t>data</a:t>
+            </a:r>
+            <a:r>
+              <a:rPr lang="en-US" dirty="0"/>
+              <a:t>: </a:t>
+            </a:r>
+            <a:r>
+              <a:rPr lang="en-US" dirty="0" err="1"/>
+              <a:t>fileData</a:t>
+            </a:r>
+            <a:r>
+              <a:rPr lang="en-US" dirty="0" smtClean="0"/>
+              <a:t>,</a:t>
+            </a:r>
+          </a:p>
+          <a:p>
+            <a:pPr marL="0" indent="0">
+              <a:lnSpc>
+                <a:spcPct val="70000"/>
+              </a:lnSpc>
+              <a:buNone/>
+            </a:pPr>
+            <a:r>
+              <a:rPr lang="en-US" dirty="0"/>
+              <a:t>	</a:t>
+            </a:r>
+            <a:r>
+              <a:rPr lang="en-US" dirty="0" smtClean="0"/>
+              <a:t> </a:t>
+            </a:r>
+            <a:r>
+              <a:rPr lang="en-US" dirty="0"/>
+              <a:t>success: function (result) {  alert(result);  }</a:t>
+            </a:r>
+          </a:p>
+          <a:p>
+            <a:pPr marL="0" indent="0">
+              <a:lnSpc>
+                <a:spcPct val="70000"/>
+              </a:lnSpc>
+              <a:buNone/>
+            </a:pPr>
+            <a:r>
+              <a:rPr lang="en-US" dirty="0"/>
+              <a:t>                });</a:t>
+            </a:r>
+            <a:endParaRPr lang="en-US" dirty="0" smtClean="0"/>
+          </a:p>
+        </p:txBody>
+      </p:sp>
+    </p:spTree>
+    <p:extLst>
+      <p:ext uri="{BB962C8B-B14F-4D97-AF65-F5344CB8AC3E}">
+        <p14:creationId xmlns:p14="http://schemas.microsoft.com/office/powerpoint/2010/main" val="4907191"/>
+      </p:ext>
+    </p:extLst>
+  </p:cSld>
+  <p:clrMapOvr>
+    <a:masterClrMapping/>
+  </p:clrMapOvr>
+  <mc:AlternateContent xmlns:mc="http://schemas.openxmlformats.org/markup-compatibility/2006" xmlns:p14="http://schemas.microsoft.com/office/powerpoint/2010/main">
+    <mc:Choice Requires="p14">
+      <p:transition p14:dur="10"/>
+    </mc:Choice>
+    <mc:Fallback xmlns="">
+      <p:transition/>
+    </mc:Fallback>
+  </mc:AlternateContent>
+  <p:timing>
+    <p:tnLst>
+      <p:par>
+        <p:cTn id="1" dur="indefinite" restart="never" nodeType="tmRoot"/>
+      </p:par>
+    </p:tnLst>
+  </p:timing>
+</p:sld>
+</file>
+
+<file path=ppt/slides/slide34.xml><?xml version="1.0" encoding="utf-8"?>
+<p:sld xmlns:a="http://schemas.openxmlformats.org/drawingml/2006/main" xmlns:r="http://schemas.openxmlformats.org/officeDocument/2006/relationships" xmlns:p="http://schemas.openxmlformats.org/presentationml/2006/main">
+  <p:cSld>
+    <p:spTree>
+      <p:nvGrpSpPr>
+        <p:cNvPr id="1" name=""/>
+        <p:cNvGrpSpPr/>
+        <p:nvPr/>
+      </p:nvGrpSpPr>
+      <p:grpSpPr>
+        <a:xfrm>
+          <a:off x="0" y="0"/>
+          <a:ext cx="0" cy="0"/>
+          <a:chOff x="0" y="0"/>
+          <a:chExt cx="0" cy="0"/>
+        </a:xfrm>
+      </p:grpSpPr>
+      <p:sp>
+        <p:nvSpPr>
+          <p:cNvPr id="8" name="Title 7"/>
+          <p:cNvSpPr>
+            <a:spLocks noGrp="1"/>
+          </p:cNvSpPr>
+          <p:nvPr>
+            <p:ph type="title"/>
+          </p:nvPr>
+        </p:nvSpPr>
+        <p:spPr>
+          <a:xfrm>
+            <a:off x="541610" y="448056"/>
+            <a:ext cx="6856716" cy="640080"/>
+          </a:xfrm>
+        </p:spPr>
+        <p:txBody>
+          <a:bodyPr>
+            <a:noAutofit/>
+          </a:bodyPr>
+          <a:lstStyle/>
+          <a:p>
+            <a:r>
+              <a:rPr lang="en-US" dirty="0" smtClean="0"/>
+              <a:t>File Uploading on </a:t>
+            </a:r>
+            <a:r>
+              <a:rPr lang="en-US" dirty="0" smtClean="0"/>
+              <a:t>FTP (Controller)</a:t>
+            </a:r>
+            <a:endParaRPr lang="en-US" dirty="0">
+              <a:latin typeface="Segoe UI Light" panose="020B0502040204020203" pitchFamily="34" charset="0"/>
+              <a:cs typeface="Segoe UI Light" panose="020B0502040204020203" pitchFamily="34" charset="0"/>
+            </a:endParaRPr>
+          </a:p>
+        </p:txBody>
+      </p:sp>
+      <p:sp>
+        <p:nvSpPr>
+          <p:cNvPr id="2" name="TextBox 1">
+            <a:extLst>
+              <a:ext uri="{FF2B5EF4-FFF2-40B4-BE49-F238E27FC236}">
+                <a16:creationId xmlns="" xmlns:a16="http://schemas.microsoft.com/office/drawing/2014/main" id="{7E1B60D2-37BC-4418-8D7D-0D37A6BF000C}"/>
+              </a:ext>
+            </a:extLst>
+          </p:cNvPr>
+          <p:cNvSpPr txBox="1"/>
+          <p:nvPr/>
+        </p:nvSpPr>
+        <p:spPr>
+          <a:xfrm>
+            <a:off x="9011479" y="781878"/>
+            <a:ext cx="2557670" cy="369332"/>
+          </a:xfrm>
+          <a:prstGeom prst="rect">
+            <a:avLst/>
+          </a:prstGeom>
+          <a:noFill/>
+        </p:spPr>
+        <p:txBody>
+          <a:bodyPr wrap="square" rtlCol="0">
+            <a:spAutoFit/>
+          </a:bodyPr>
+          <a:lstStyle/>
+          <a:p>
+            <a:r>
+              <a:rPr lang="en-US" dirty="0">
+                <a:solidFill>
+                  <a:schemeClr val="accent5">
+                    <a:lumMod val="75000"/>
+                  </a:schemeClr>
+                </a:solidFill>
+              </a:rPr>
+              <a:t>BEAUTIFUL CULTURES</a:t>
+            </a:r>
+          </a:p>
+        </p:txBody>
+      </p:sp>
+      <p:pic>
+        <p:nvPicPr>
+          <p:cNvPr id="4" name="Picture 3">
+            <a:extLst>
+              <a:ext uri="{FF2B5EF4-FFF2-40B4-BE49-F238E27FC236}">
+                <a16:creationId xmlns="" xmlns:a16="http://schemas.microsoft.com/office/drawing/2014/main" id="{69A0275E-BE9E-4829-BFE4-9FBD1D0ECDAE}"/>
+              </a:ext>
+            </a:extLst>
+          </p:cNvPr>
+          <p:cNvPicPr>
+            <a:picLocks noChangeAspect="1"/>
+          </p:cNvPicPr>
+          <p:nvPr/>
+        </p:nvPicPr>
+        <p:blipFill>
+          <a:blip r:embed="rId2" cstate="print">
+            <a:extLst>
+              <a:ext uri="{28A0092B-C50C-407E-A947-70E740481C1C}">
+                <a14:useLocalDpi xmlns:a14="http://schemas.microsoft.com/office/drawing/2010/main" val="0"/>
+              </a:ext>
+            </a:extLst>
+          </a:blip>
+          <a:stretch>
+            <a:fillRect/>
+          </a:stretch>
+        </p:blipFill>
+        <p:spPr>
+          <a:xfrm>
+            <a:off x="8511209" y="587554"/>
+            <a:ext cx="500270" cy="500270"/>
+          </a:xfrm>
+          <a:prstGeom prst="rect">
+            <a:avLst/>
+          </a:prstGeom>
+        </p:spPr>
+      </p:pic>
+      <p:sp>
+        <p:nvSpPr>
+          <p:cNvPr id="6" name="TextBox 5">
+            <a:extLst>
+              <a:ext uri="{FF2B5EF4-FFF2-40B4-BE49-F238E27FC236}">
+                <a16:creationId xmlns="" xmlns:a16="http://schemas.microsoft.com/office/drawing/2014/main" id="{E2A636DD-DD38-4065-AC86-3F8FF521BF1D}"/>
+              </a:ext>
+            </a:extLst>
+          </p:cNvPr>
+          <p:cNvSpPr txBox="1"/>
+          <p:nvPr/>
+        </p:nvSpPr>
+        <p:spPr>
+          <a:xfrm>
+            <a:off x="9634330" y="1252770"/>
+            <a:ext cx="1535401" cy="369332"/>
+          </a:xfrm>
+          <a:prstGeom prst="rect">
+            <a:avLst/>
+          </a:prstGeom>
+          <a:noFill/>
+        </p:spPr>
+        <p:txBody>
+          <a:bodyPr wrap="square" rtlCol="0">
+            <a:spAutoFit/>
+          </a:bodyPr>
+          <a:lstStyle/>
+          <a:p>
+            <a:r>
+              <a:rPr lang="en-US" dirty="0" err="1">
+                <a:solidFill>
+                  <a:schemeClr val="accent2">
+                    <a:lumMod val="75000"/>
+                  </a:schemeClr>
+                </a:solidFill>
+              </a:rPr>
+              <a:t>Thet</a:t>
+            </a:r>
+            <a:r>
+              <a:rPr lang="en-US" dirty="0">
+                <a:solidFill>
+                  <a:schemeClr val="accent2">
+                    <a:lumMod val="75000"/>
+                  </a:schemeClr>
+                </a:solidFill>
+              </a:rPr>
+              <a:t> Lwin </a:t>
+            </a:r>
+            <a:r>
+              <a:rPr lang="en-US" dirty="0" err="1">
+                <a:solidFill>
+                  <a:schemeClr val="accent2">
+                    <a:lumMod val="75000"/>
+                  </a:schemeClr>
+                </a:solidFill>
+              </a:rPr>
+              <a:t>Oo</a:t>
+            </a:r>
+            <a:endParaRPr lang="en-US" dirty="0">
+              <a:solidFill>
+                <a:schemeClr val="accent2">
+                  <a:lumMod val="75000"/>
+                </a:schemeClr>
+              </a:solidFill>
+            </a:endParaRPr>
+          </a:p>
+        </p:txBody>
+      </p:sp>
+      <p:sp>
+        <p:nvSpPr>
+          <p:cNvPr id="5" name="TextBox 4"/>
+          <p:cNvSpPr txBox="1"/>
+          <p:nvPr/>
+        </p:nvSpPr>
+        <p:spPr>
+          <a:xfrm>
+            <a:off x="835401" y="1290771"/>
+            <a:ext cx="7675808" cy="5262979"/>
+          </a:xfrm>
+          <a:prstGeom prst="rect">
+            <a:avLst/>
+          </a:prstGeom>
+          <a:noFill/>
+          <a:ln w="12700">
+            <a:solidFill>
+              <a:schemeClr val="tx1"/>
+            </a:solidFill>
+          </a:ln>
+        </p:spPr>
+        <p:txBody>
+          <a:bodyPr wrap="square" rtlCol="0">
+            <a:spAutoFit/>
+          </a:bodyPr>
+          <a:lstStyle/>
+          <a:p>
+            <a:r>
+              <a:rPr lang="en-US" sz="1400" dirty="0"/>
+              <a:t>[</a:t>
+            </a:r>
+            <a:r>
+              <a:rPr lang="en-US" sz="1400" dirty="0" err="1"/>
+              <a:t>HttpPost</a:t>
+            </a:r>
+            <a:r>
+              <a:rPr lang="en-US" sz="1400" dirty="0"/>
+              <a:t>]</a:t>
+            </a:r>
+          </a:p>
+          <a:p>
+            <a:r>
+              <a:rPr lang="en-US" sz="1400" dirty="0"/>
+              <a:t>        public </a:t>
+            </a:r>
+            <a:r>
+              <a:rPr lang="en-US" sz="1400" dirty="0" err="1"/>
+              <a:t>ActionResult</a:t>
+            </a:r>
+            <a:r>
+              <a:rPr lang="en-US" sz="1400" dirty="0"/>
+              <a:t> </a:t>
+            </a:r>
+            <a:r>
+              <a:rPr lang="en-US" sz="1400" dirty="0" err="1"/>
+              <a:t>UploadFiles</a:t>
+            </a:r>
+            <a:r>
+              <a:rPr lang="en-US" sz="1400" dirty="0"/>
+              <a:t>() {</a:t>
+            </a:r>
+          </a:p>
+          <a:p>
+            <a:r>
+              <a:rPr lang="en-US" sz="1400" dirty="0"/>
+              <a:t>            </a:t>
+            </a:r>
+            <a:r>
+              <a:rPr lang="en-US" sz="1400" dirty="0" smtClean="0"/>
+              <a:t>try{</a:t>
+            </a:r>
+            <a:endParaRPr lang="en-US" sz="1400" dirty="0"/>
+          </a:p>
+          <a:p>
+            <a:r>
+              <a:rPr lang="en-US" sz="1400" dirty="0"/>
+              <a:t>                </a:t>
+            </a:r>
+            <a:r>
+              <a:rPr lang="en-US" sz="1400" dirty="0" err="1"/>
+              <a:t>HttpPostedFileBase</a:t>
+            </a:r>
+            <a:r>
+              <a:rPr lang="en-US" sz="1400" dirty="0"/>
+              <a:t> </a:t>
+            </a:r>
+            <a:r>
+              <a:rPr lang="en-US" sz="1400" dirty="0" err="1"/>
+              <a:t>attachFile</a:t>
+            </a:r>
+            <a:r>
+              <a:rPr lang="en-US" sz="1400" dirty="0"/>
+              <a:t> = </a:t>
+            </a:r>
+            <a:r>
+              <a:rPr lang="en-US" sz="1400" dirty="0" err="1"/>
+              <a:t>Request.Files</a:t>
+            </a:r>
+            <a:r>
+              <a:rPr lang="en-US" sz="1400" dirty="0"/>
+              <a:t>[0];</a:t>
+            </a:r>
+          </a:p>
+          <a:p>
+            <a:r>
+              <a:rPr lang="en-US" sz="1400" dirty="0"/>
+              <a:t>                Stream </a:t>
+            </a:r>
+            <a:r>
+              <a:rPr lang="en-US" sz="1400" dirty="0" err="1"/>
+              <a:t>streamObj</a:t>
+            </a:r>
+            <a:r>
+              <a:rPr lang="en-US" sz="1400" dirty="0"/>
+              <a:t> = </a:t>
+            </a:r>
+            <a:r>
+              <a:rPr lang="en-US" sz="1400" dirty="0" err="1"/>
+              <a:t>attachFile.InputStream</a:t>
+            </a:r>
+            <a:r>
+              <a:rPr lang="en-US" sz="1400" dirty="0"/>
+              <a:t>;</a:t>
+            </a:r>
+          </a:p>
+          <a:p>
+            <a:r>
+              <a:rPr lang="en-US" sz="1400" dirty="0"/>
+              <a:t>                byte[] buffer = new byte[</a:t>
+            </a:r>
+            <a:r>
+              <a:rPr lang="en-US" sz="1400" dirty="0" err="1"/>
+              <a:t>attachFile.ContentLength</a:t>
+            </a:r>
+            <a:r>
+              <a:rPr lang="en-US" sz="1400" dirty="0"/>
+              <a:t>];</a:t>
+            </a:r>
+          </a:p>
+          <a:p>
+            <a:r>
+              <a:rPr lang="en-US" sz="1400" dirty="0"/>
+              <a:t>                </a:t>
+            </a:r>
+            <a:r>
+              <a:rPr lang="en-US" sz="1400" dirty="0" err="1"/>
+              <a:t>streamObj.Read</a:t>
+            </a:r>
+            <a:r>
+              <a:rPr lang="en-US" sz="1400" dirty="0"/>
+              <a:t>(buffer, 0, </a:t>
+            </a:r>
+            <a:r>
+              <a:rPr lang="en-US" sz="1400" dirty="0" err="1"/>
+              <a:t>buffer.Length</a:t>
+            </a:r>
+            <a:r>
+              <a:rPr lang="en-US" sz="1400" dirty="0"/>
+              <a:t>);</a:t>
+            </a:r>
+          </a:p>
+          <a:p>
+            <a:r>
+              <a:rPr lang="en-US" sz="1400" dirty="0"/>
+              <a:t>                </a:t>
+            </a:r>
+            <a:r>
+              <a:rPr lang="en-US" sz="1400" dirty="0" err="1"/>
+              <a:t>streamObj.Close</a:t>
+            </a:r>
+            <a:r>
+              <a:rPr lang="en-US" sz="1400" dirty="0"/>
+              <a:t>();</a:t>
+            </a:r>
+          </a:p>
+          <a:p>
+            <a:r>
+              <a:rPr lang="en-US" sz="1400" dirty="0"/>
+              <a:t>                </a:t>
+            </a:r>
+            <a:r>
+              <a:rPr lang="en-US" sz="1400" dirty="0" err="1"/>
+              <a:t>streamObj</a:t>
+            </a:r>
+            <a:r>
+              <a:rPr lang="en-US" sz="1400" dirty="0"/>
+              <a:t> = null;</a:t>
+            </a:r>
+          </a:p>
+          <a:p>
+            <a:r>
+              <a:rPr lang="en-US" sz="1400" dirty="0"/>
+              <a:t>                string </a:t>
+            </a:r>
+            <a:r>
+              <a:rPr lang="en-US" sz="1400" dirty="0" err="1"/>
+              <a:t>ftpurl</a:t>
+            </a:r>
+            <a:r>
+              <a:rPr lang="en-US" sz="1400" dirty="0"/>
+              <a:t> = </a:t>
+            </a:r>
+            <a:r>
+              <a:rPr lang="en-US" sz="1400" dirty="0" err="1"/>
+              <a:t>String.Format</a:t>
+            </a:r>
+            <a:r>
+              <a:rPr lang="en-US" sz="1400" dirty="0"/>
+              <a:t>("{0}/{1}", "ftp://localhost", </a:t>
+            </a:r>
+            <a:r>
+              <a:rPr lang="en-US" sz="1400" dirty="0" err="1"/>
+              <a:t>attachFile.FileName</a:t>
+            </a:r>
+            <a:r>
+              <a:rPr lang="en-US" sz="1400" dirty="0"/>
+              <a:t>);</a:t>
+            </a:r>
+          </a:p>
+          <a:p>
+            <a:r>
+              <a:rPr lang="en-US" sz="1400" dirty="0"/>
+              <a:t>                </a:t>
+            </a:r>
+            <a:r>
+              <a:rPr lang="en-US" sz="1400" dirty="0" err="1"/>
+              <a:t>var</a:t>
+            </a:r>
+            <a:r>
+              <a:rPr lang="en-US" sz="1400" dirty="0"/>
+              <a:t> </a:t>
+            </a:r>
+            <a:r>
+              <a:rPr lang="en-US" sz="1400" dirty="0" err="1"/>
+              <a:t>requestObj</a:t>
+            </a:r>
+            <a:r>
+              <a:rPr lang="en-US" sz="1400" dirty="0"/>
+              <a:t> = </a:t>
+            </a:r>
+            <a:r>
+              <a:rPr lang="en-US" sz="1400" dirty="0" err="1"/>
+              <a:t>FtpWebRequest.Create</a:t>
+            </a:r>
+            <a:r>
+              <a:rPr lang="en-US" sz="1400" dirty="0"/>
+              <a:t>(</a:t>
+            </a:r>
+            <a:r>
+              <a:rPr lang="en-US" sz="1400" dirty="0" err="1"/>
+              <a:t>ftpurl</a:t>
+            </a:r>
+            <a:r>
+              <a:rPr lang="en-US" sz="1400" dirty="0"/>
+              <a:t>) as </a:t>
+            </a:r>
+            <a:r>
+              <a:rPr lang="en-US" sz="1400" dirty="0" err="1"/>
+              <a:t>FtpWebRequest</a:t>
+            </a:r>
+            <a:r>
+              <a:rPr lang="en-US" sz="1400" dirty="0"/>
+              <a:t>;</a:t>
+            </a:r>
+          </a:p>
+          <a:p>
+            <a:r>
+              <a:rPr lang="en-US" sz="1400" dirty="0"/>
+              <a:t>                </a:t>
+            </a:r>
+            <a:r>
+              <a:rPr lang="en-US" sz="1400" dirty="0" err="1"/>
+              <a:t>requestObj.Method</a:t>
+            </a:r>
+            <a:r>
+              <a:rPr lang="en-US" sz="1400" dirty="0"/>
+              <a:t> = </a:t>
+            </a:r>
+            <a:r>
+              <a:rPr lang="en-US" sz="1400" dirty="0" err="1"/>
+              <a:t>WebRequestMethods.Ftp.UploadFile</a:t>
+            </a:r>
+            <a:r>
+              <a:rPr lang="en-US" sz="1400" dirty="0" smtClean="0"/>
+              <a:t>;</a:t>
+            </a:r>
+            <a:endParaRPr lang="en-US" sz="1400" dirty="0"/>
+          </a:p>
+          <a:p>
+            <a:r>
+              <a:rPr lang="en-US" sz="1400" dirty="0"/>
+              <a:t>                </a:t>
+            </a:r>
+            <a:r>
+              <a:rPr lang="en-US" sz="1400" dirty="0" err="1"/>
+              <a:t>requestObj.Credentials</a:t>
+            </a:r>
+            <a:r>
+              <a:rPr lang="en-US" sz="1400" dirty="0"/>
+              <a:t> = new </a:t>
+            </a:r>
+            <a:r>
+              <a:rPr lang="en-US" sz="1400" dirty="0" err="1"/>
+              <a:t>NetworkCredential</a:t>
+            </a:r>
+            <a:r>
+              <a:rPr lang="en-US" sz="1400" dirty="0"/>
+              <a:t>("</a:t>
+            </a:r>
+            <a:r>
+              <a:rPr lang="en-US" sz="1400" dirty="0" err="1"/>
+              <a:t>myftpuser</a:t>
+            </a:r>
+            <a:r>
+              <a:rPr lang="en-US" sz="1400" dirty="0"/>
+              <a:t>", "</a:t>
+            </a:r>
+            <a:r>
+              <a:rPr lang="en-US" sz="1400" dirty="0" err="1"/>
+              <a:t>sa</a:t>
+            </a:r>
+            <a:r>
+              <a:rPr lang="en-US" sz="1400" dirty="0"/>
+              <a:t>");</a:t>
+            </a:r>
+          </a:p>
+          <a:p>
+            <a:r>
+              <a:rPr lang="en-US" sz="1400" dirty="0"/>
+              <a:t>                </a:t>
+            </a:r>
+            <a:r>
+              <a:rPr lang="en-US" sz="1400" dirty="0" err="1"/>
+              <a:t>var</a:t>
+            </a:r>
+            <a:r>
+              <a:rPr lang="en-US" sz="1400" dirty="0"/>
+              <a:t> </a:t>
+            </a:r>
+            <a:r>
+              <a:rPr lang="en-US" sz="1400" dirty="0" err="1"/>
+              <a:t>requestStream</a:t>
+            </a:r>
+            <a:r>
+              <a:rPr lang="en-US" sz="1400" dirty="0"/>
+              <a:t> = </a:t>
+            </a:r>
+            <a:r>
+              <a:rPr lang="en-US" sz="1400" dirty="0" err="1"/>
+              <a:t>requestObj.GetRequestStream</a:t>
+            </a:r>
+            <a:r>
+              <a:rPr lang="en-US" sz="1400" dirty="0"/>
+              <a:t>();</a:t>
+            </a:r>
+          </a:p>
+          <a:p>
+            <a:r>
+              <a:rPr lang="en-US" sz="1400" dirty="0"/>
+              <a:t>                </a:t>
+            </a:r>
+            <a:r>
+              <a:rPr lang="en-US" sz="1400" dirty="0" err="1"/>
+              <a:t>requestStream.Write</a:t>
+            </a:r>
+            <a:r>
+              <a:rPr lang="en-US" sz="1400" dirty="0"/>
+              <a:t>(buffer, 0, </a:t>
+            </a:r>
+            <a:r>
+              <a:rPr lang="en-US" sz="1400" dirty="0" err="1"/>
+              <a:t>buffer.Length</a:t>
+            </a:r>
+            <a:r>
+              <a:rPr lang="en-US" sz="1400" dirty="0" smtClean="0"/>
+              <a:t>);</a:t>
+            </a:r>
+            <a:endParaRPr lang="en-US" sz="1400" dirty="0"/>
+          </a:p>
+          <a:p>
+            <a:r>
+              <a:rPr lang="en-US" sz="1400" dirty="0"/>
+              <a:t>                </a:t>
+            </a:r>
+            <a:r>
+              <a:rPr lang="en-US" sz="1400" dirty="0" err="1"/>
+              <a:t>requestStream.Flush</a:t>
+            </a:r>
+            <a:r>
+              <a:rPr lang="en-US" sz="1400" dirty="0"/>
+              <a:t>();</a:t>
+            </a:r>
+          </a:p>
+          <a:p>
+            <a:r>
+              <a:rPr lang="en-US" sz="1400" dirty="0"/>
+              <a:t>                </a:t>
+            </a:r>
+            <a:r>
+              <a:rPr lang="en-US" sz="1400" dirty="0" err="1"/>
+              <a:t>requestStream.Close</a:t>
+            </a:r>
+            <a:r>
+              <a:rPr lang="en-US" sz="1400" dirty="0"/>
+              <a:t>();</a:t>
+            </a:r>
+          </a:p>
+          <a:p>
+            <a:r>
+              <a:rPr lang="en-US" sz="1400" dirty="0"/>
+              <a:t>                </a:t>
+            </a:r>
+            <a:r>
+              <a:rPr lang="en-US" sz="1400" dirty="0" err="1"/>
+              <a:t>requestObj</a:t>
+            </a:r>
+            <a:r>
+              <a:rPr lang="en-US" sz="1400" dirty="0"/>
+              <a:t> = null;</a:t>
+            </a:r>
+          </a:p>
+          <a:p>
+            <a:r>
+              <a:rPr lang="en-US" sz="1400" dirty="0"/>
+              <a:t>                return </a:t>
+            </a:r>
+            <a:r>
+              <a:rPr lang="en-US" sz="1400" dirty="0" err="1"/>
+              <a:t>Json</a:t>
+            </a:r>
+            <a:r>
+              <a:rPr lang="en-US" sz="1400" dirty="0"/>
+              <a:t>("File Uploaded Successfully!");</a:t>
+            </a:r>
+          </a:p>
+          <a:p>
+            <a:r>
+              <a:rPr lang="en-US" sz="1400" dirty="0"/>
+              <a:t>            }</a:t>
+            </a:r>
+          </a:p>
+          <a:p>
+            <a:r>
+              <a:rPr lang="en-US" sz="1400" dirty="0"/>
+              <a:t>            catch (Exception ex){</a:t>
+            </a:r>
+          </a:p>
+          <a:p>
+            <a:r>
+              <a:rPr lang="en-US" sz="1400" dirty="0"/>
+              <a:t>                return </a:t>
+            </a:r>
+            <a:r>
+              <a:rPr lang="en-US" sz="1400" dirty="0" err="1"/>
+              <a:t>Json</a:t>
+            </a:r>
+            <a:r>
+              <a:rPr lang="en-US" sz="1400" dirty="0"/>
+              <a:t>(</a:t>
+            </a:r>
+            <a:r>
+              <a:rPr lang="en-US" sz="1400" dirty="0" err="1"/>
+              <a:t>ex.Message</a:t>
+            </a:r>
+            <a:r>
+              <a:rPr lang="en-US" sz="1400" dirty="0"/>
+              <a:t>);</a:t>
+            </a:r>
+          </a:p>
+          <a:p>
+            <a:r>
+              <a:rPr lang="en-US" sz="1400" dirty="0"/>
+              <a:t>            }</a:t>
+            </a:r>
+          </a:p>
+          <a:p>
+            <a:r>
+              <a:rPr lang="en-US" sz="1400" dirty="0"/>
+              <a:t>        </a:t>
+            </a:r>
+            <a:r>
+              <a:rPr lang="en-US" sz="1400" dirty="0" smtClean="0"/>
+              <a:t>}</a:t>
+            </a:r>
+            <a:endParaRPr lang="en-US" sz="1100" dirty="0"/>
+          </a:p>
+        </p:txBody>
+      </p:sp>
+    </p:spTree>
+    <p:extLst>
+      <p:ext uri="{BB962C8B-B14F-4D97-AF65-F5344CB8AC3E}">
+        <p14:creationId xmlns:p14="http://schemas.microsoft.com/office/powerpoint/2010/main" val="4248194078"/>
+      </p:ext>
+    </p:extLst>
+  </p:cSld>
+  <p:clrMapOvr>
+    <a:masterClrMapping/>
+  </p:clrMapOvr>
+  <mc:AlternateContent xmlns:mc="http://schemas.openxmlformats.org/markup-compatibility/2006">
+    <mc:Choice xmlns:p14="http://schemas.microsoft.com/office/powerpoint/2010/main" Requires="p14">
+      <p:transition p14:dur="10"/>
+    </mc:Choice>
+    <mc:Fallback>
+      <p:transition/>
+    </mc:Fallback>
+  </mc:AlternateContent>
+  <p:timing>
+    <p:tnLst>
+      <p:par>
+        <p:cTn id="1" dur="indefinite" restart="never" nodeType="tmRoot"/>
+      </p:par>
+    </p:tnLst>
+  </p:timing>
+</p:sld>
+</file>
+
+<file path=ppt/slides/slide35.xml><?xml version="1.0" encoding="utf-8"?>
+<p:sld xmlns:a="http://schemas.openxmlformats.org/drawingml/2006/main" xmlns:r="http://schemas.openxmlformats.org/officeDocument/2006/relationships" xmlns:p="http://schemas.openxmlformats.org/presentationml/2006/main">
+  <p:cSld>
+    <p:spTree>
+      <p:nvGrpSpPr>
+        <p:cNvPr id="1" name=""/>
+        <p:cNvGrpSpPr/>
+        <p:nvPr/>
+      </p:nvGrpSpPr>
+      <p:grpSpPr>
+        <a:xfrm>
+          <a:off x="0" y="0"/>
+          <a:ext cx="0" cy="0"/>
+          <a:chOff x="0" y="0"/>
+          <a:chExt cx="0" cy="0"/>
+        </a:xfrm>
+      </p:grpSpPr>
+      <p:sp>
+        <p:nvSpPr>
           <p:cNvPr id="2" name="Title 1"/>
           <p:cNvSpPr>
             <a:spLocks noGrp="1"/>
@@ -17417,6 +20166,13 @@
   <p:clrMapOvr>
     <a:masterClrMapping/>
   </p:clrMapOvr>
+  <p:timing>
+    <p:tnLst>
+      <p:par>
+        <p:cTn id="1" dur="indefinite" restart="never" nodeType="tmRoot"/>
+      </p:par>
+    </p:tnLst>
+  </p:timing>
 </p:sld>
 </file>
 
